--- a/発表資料.pptx
+++ b/発表資料.pptx
@@ -2,19 +2,30 @@
 <file path=ppt/presentation.xml><?xml version="1.0" encoding="utf-8"?>
 <p:presentation xmlns:a="http://schemas.openxmlformats.org/drawingml/2006/main" xmlns:r="http://schemas.openxmlformats.org/officeDocument/2006/relationships" xmlns:p="http://schemas.openxmlformats.org/presentationml/2006/main" saveSubsetFonts="1">
   <p:sldMasterIdLst>
-    <p:sldMasterId id="2147483648" r:id="rId1"/>
+    <p:sldMasterId id="2147483707" r:id="rId1"/>
   </p:sldMasterIdLst>
   <p:sldIdLst>
     <p:sldId id="256" r:id="rId2"/>
+    <p:sldId id="265" r:id="rId3"/>
+    <p:sldId id="257" r:id="rId4"/>
+    <p:sldId id="259" r:id="rId5"/>
+    <p:sldId id="260" r:id="rId6"/>
+    <p:sldId id="261" r:id="rId7"/>
+    <p:sldId id="262" r:id="rId8"/>
+    <p:sldId id="263" r:id="rId9"/>
+    <p:sldId id="264" r:id="rId10"/>
+    <p:sldId id="266" r:id="rId11"/>
+    <p:sldId id="258" r:id="rId12"/>
+    <p:sldId id="267" r:id="rId13"/>
   </p:sldIdLst>
   <p:sldSz cx="12192000" cy="6858000"/>
   <p:notesSz cx="6858000" cy="9144000"/>
   <p:defaultTextStyle>
     <a:defPPr>
-      <a:defRPr lang="ja-JP"/>
+      <a:defRPr lang="en-US"/>
     </a:defPPr>
-    <a:lvl1pPr marL="0" algn="l" defTabSz="914400" rtl="0" eaLnBrk="1" latinLnBrk="0" hangingPunct="1">
-      <a:defRPr kumimoji="1" sz="1800" kern="1200">
+    <a:lvl1pPr marL="0" algn="l" defTabSz="457200" rtl="0" eaLnBrk="1" latinLnBrk="0" hangingPunct="1">
+      <a:defRPr sz="1800" kern="1200">
         <a:solidFill>
           <a:schemeClr val="tx1"/>
         </a:solidFill>
@@ -23,8 +34,8 @@
         <a:cs typeface="+mn-cs"/>
       </a:defRPr>
     </a:lvl1pPr>
-    <a:lvl2pPr marL="457200" algn="l" defTabSz="914400" rtl="0" eaLnBrk="1" latinLnBrk="0" hangingPunct="1">
-      <a:defRPr kumimoji="1" sz="1800" kern="1200">
+    <a:lvl2pPr marL="457200" algn="l" defTabSz="457200" rtl="0" eaLnBrk="1" latinLnBrk="0" hangingPunct="1">
+      <a:defRPr sz="1800" kern="1200">
         <a:solidFill>
           <a:schemeClr val="tx1"/>
         </a:solidFill>
@@ -33,8 +44,8 @@
         <a:cs typeface="+mn-cs"/>
       </a:defRPr>
     </a:lvl2pPr>
-    <a:lvl3pPr marL="914400" algn="l" defTabSz="914400" rtl="0" eaLnBrk="1" latinLnBrk="0" hangingPunct="1">
-      <a:defRPr kumimoji="1" sz="1800" kern="1200">
+    <a:lvl3pPr marL="914400" algn="l" defTabSz="457200" rtl="0" eaLnBrk="1" latinLnBrk="0" hangingPunct="1">
+      <a:defRPr sz="1800" kern="1200">
         <a:solidFill>
           <a:schemeClr val="tx1"/>
         </a:solidFill>
@@ -43,8 +54,8 @@
         <a:cs typeface="+mn-cs"/>
       </a:defRPr>
     </a:lvl3pPr>
-    <a:lvl4pPr marL="1371600" algn="l" defTabSz="914400" rtl="0" eaLnBrk="1" latinLnBrk="0" hangingPunct="1">
-      <a:defRPr kumimoji="1" sz="1800" kern="1200">
+    <a:lvl4pPr marL="1371600" algn="l" defTabSz="457200" rtl="0" eaLnBrk="1" latinLnBrk="0" hangingPunct="1">
+      <a:defRPr sz="1800" kern="1200">
         <a:solidFill>
           <a:schemeClr val="tx1"/>
         </a:solidFill>
@@ -53,8 +64,8 @@
         <a:cs typeface="+mn-cs"/>
       </a:defRPr>
     </a:lvl4pPr>
-    <a:lvl5pPr marL="1828800" algn="l" defTabSz="914400" rtl="0" eaLnBrk="1" latinLnBrk="0" hangingPunct="1">
-      <a:defRPr kumimoji="1" sz="1800" kern="1200">
+    <a:lvl5pPr marL="1828800" algn="l" defTabSz="457200" rtl="0" eaLnBrk="1" latinLnBrk="0" hangingPunct="1">
+      <a:defRPr sz="1800" kern="1200">
         <a:solidFill>
           <a:schemeClr val="tx1"/>
         </a:solidFill>
@@ -63,8 +74,8 @@
         <a:cs typeface="+mn-cs"/>
       </a:defRPr>
     </a:lvl5pPr>
-    <a:lvl6pPr marL="2286000" algn="l" defTabSz="914400" rtl="0" eaLnBrk="1" latinLnBrk="0" hangingPunct="1">
-      <a:defRPr kumimoji="1" sz="1800" kern="1200">
+    <a:lvl6pPr marL="2286000" algn="l" defTabSz="457200" rtl="0" eaLnBrk="1" latinLnBrk="0" hangingPunct="1">
+      <a:defRPr sz="1800" kern="1200">
         <a:solidFill>
           <a:schemeClr val="tx1"/>
         </a:solidFill>
@@ -73,8 +84,8 @@
         <a:cs typeface="+mn-cs"/>
       </a:defRPr>
     </a:lvl6pPr>
-    <a:lvl7pPr marL="2743200" algn="l" defTabSz="914400" rtl="0" eaLnBrk="1" latinLnBrk="0" hangingPunct="1">
-      <a:defRPr kumimoji="1" sz="1800" kern="1200">
+    <a:lvl7pPr marL="2743200" algn="l" defTabSz="457200" rtl="0" eaLnBrk="1" latinLnBrk="0" hangingPunct="1">
+      <a:defRPr sz="1800" kern="1200">
         <a:solidFill>
           <a:schemeClr val="tx1"/>
         </a:solidFill>
@@ -83,8 +94,8 @@
         <a:cs typeface="+mn-cs"/>
       </a:defRPr>
     </a:lvl7pPr>
-    <a:lvl8pPr marL="3200400" algn="l" defTabSz="914400" rtl="0" eaLnBrk="1" latinLnBrk="0" hangingPunct="1">
-      <a:defRPr kumimoji="1" sz="1800" kern="1200">
+    <a:lvl8pPr marL="3200400" algn="l" defTabSz="457200" rtl="0" eaLnBrk="1" latinLnBrk="0" hangingPunct="1">
+      <a:defRPr sz="1800" kern="1200">
         <a:solidFill>
           <a:schemeClr val="tx1"/>
         </a:solidFill>
@@ -93,8 +104,8 @@
         <a:cs typeface="+mn-cs"/>
       </a:defRPr>
     </a:lvl8pPr>
-    <a:lvl9pPr marL="3657600" algn="l" defTabSz="914400" rtl="0" eaLnBrk="1" latinLnBrk="0" hangingPunct="1">
-      <a:defRPr kumimoji="1" sz="1800" kern="1200">
+    <a:lvl9pPr marL="3657600" algn="l" defTabSz="457200" rtl="0" eaLnBrk="1" latinLnBrk="0" hangingPunct="1">
+      <a:defRPr sz="1800" kern="1200">
         <a:solidFill>
           <a:schemeClr val="tx1"/>
         </a:solidFill>
@@ -104,11 +115,16 @@
       </a:defRPr>
     </a:lvl9pPr>
   </p:defaultTextStyle>
+  <p:extLst>
+    <p:ext uri="{EFAFB233-063F-42B5-8137-9DF3F51BA10A}">
+      <p15:sldGuideLst xmlns:p15="http://schemas.microsoft.com/office/powerpoint/2012/main"/>
+    </p:ext>
+  </p:extLst>
 </p:presentation>
 </file>
 
 <file path=ppt/slideLayouts/slideLayout1.xml><?xml version="1.0" encoding="utf-8"?>
-<p:sldLayout xmlns:a="http://schemas.openxmlformats.org/drawingml/2006/main" xmlns:r="http://schemas.openxmlformats.org/officeDocument/2006/relationships" xmlns:p="http://schemas.openxmlformats.org/presentationml/2006/main" type="title" preserve="1">
+<p:sldLayout xmlns:a="http://schemas.openxmlformats.org/drawingml/2006/main" xmlns:r="http://schemas.openxmlformats.org/officeDocument/2006/relationships" xmlns:p="http://schemas.openxmlformats.org/presentationml/2006/main" showMasterSp="0" type="title" preserve="1">
   <p:cSld name="タイトル スライド">
     <p:spTree>
       <p:nvGrpSpPr>
@@ -126,13 +142,45 @@
       </p:grpSpPr>
       <p:sp>
         <p:nvSpPr>
-          <p:cNvPr id="2" name="タイトル 1">
-            <a:extLst>
-              <a:ext uri="{FF2B5EF4-FFF2-40B4-BE49-F238E27FC236}">
-                <a16:creationId xmlns:a16="http://schemas.microsoft.com/office/drawing/2014/main" id="{AEA25CB9-79A5-4D0E-81FA-7F3ADFA92099}"/>
-              </a:ext>
-            </a:extLst>
-          </p:cNvPr>
+          <p:cNvPr id="7" name="Rectangle 6"/>
+          <p:cNvSpPr/>
+          <p:nvPr/>
+        </p:nvSpPr>
+        <p:spPr>
+          <a:xfrm>
+            <a:off x="-6843" y="2059012"/>
+            <a:ext cx="12195668" cy="1828800"/>
+          </a:xfrm>
+          <a:prstGeom prst="rect">
+            <a:avLst/>
+          </a:prstGeom>
+          <a:solidFill>
+            <a:schemeClr val="tx1"/>
+          </a:solidFill>
+          <a:ln>
+            <a:noFill/>
+          </a:ln>
+        </p:spPr>
+        <p:style>
+          <a:lnRef idx="2">
+            <a:schemeClr val="accent1">
+              <a:shade val="50000"/>
+            </a:schemeClr>
+          </a:lnRef>
+          <a:fillRef idx="1">
+            <a:schemeClr val="accent1"/>
+          </a:fillRef>
+          <a:effectRef idx="0">
+            <a:schemeClr val="accent1"/>
+          </a:effectRef>
+          <a:fontRef idx="minor">
+            <a:schemeClr val="lt1"/>
+          </a:fontRef>
+        </p:style>
+      </p:sp>
+      <p:sp>
+        <p:nvSpPr>
+          <p:cNvPr id="2" name="Title 1"/>
           <p:cNvSpPr>
             <a:spLocks noGrp="1"/>
           </p:cNvSpPr>
@@ -142,34 +190,34 @@
         </p:nvSpPr>
         <p:spPr>
           <a:xfrm>
-            <a:off x="1524000" y="1122363"/>
-            <a:ext cx="9144000" cy="2387600"/>
-          </a:xfrm>
-        </p:spPr>
-        <p:txBody>
-          <a:bodyPr anchor="b"/>
+            <a:off x="365759" y="2166364"/>
+            <a:ext cx="11471565" cy="1739347"/>
+          </a:xfrm>
+        </p:spPr>
+        <p:txBody>
+          <a:bodyPr tIns="45720" bIns="45720" anchor="ctr">
+            <a:normAutofit/>
+          </a:bodyPr>
           <a:lstStyle>
             <a:lvl1pPr algn="ctr">
-              <a:defRPr sz="6000"/>
+              <a:lnSpc>
+                <a:spcPct val="80000"/>
+              </a:lnSpc>
+              <a:defRPr sz="6000" spc="150" baseline="0"/>
             </a:lvl1pPr>
           </a:lstStyle>
           <a:p>
             <a:r>
-              <a:rPr kumimoji="1" lang="ja-JP" altLang="en-US"/>
+              <a:rPr lang="ja-JP" altLang="en-US"/>
               <a:t>マスター タイトルの書式設定</a:t>
             </a:r>
-          </a:p>
-        </p:txBody>
-      </p:sp>
-      <p:sp>
-        <p:nvSpPr>
-          <p:cNvPr id="3" name="字幕 2">
-            <a:extLst>
-              <a:ext uri="{FF2B5EF4-FFF2-40B4-BE49-F238E27FC236}">
-                <a16:creationId xmlns:a16="http://schemas.microsoft.com/office/drawing/2014/main" id="{541F7DB9-2073-46CE-884D-45DE1C2102D8}"/>
-              </a:ext>
-            </a:extLst>
-          </p:cNvPr>
+            <a:endParaRPr lang="en-US" dirty="0"/>
+          </a:p>
+        </p:txBody>
+      </p:sp>
+      <p:sp>
+        <p:nvSpPr>
+          <p:cNvPr id="3" name="Subtitle 2"/>
           <p:cNvSpPr>
             <a:spLocks noGrp="1"/>
           </p:cNvSpPr>
@@ -179,16 +227,18 @@
         </p:nvSpPr>
         <p:spPr>
           <a:xfrm>
-            <a:off x="1524000" y="3602038"/>
-            <a:ext cx="9144000" cy="1655762"/>
-          </a:xfrm>
-        </p:spPr>
-        <p:txBody>
-          <a:bodyPr/>
+            <a:off x="1524000" y="3996250"/>
+            <a:ext cx="9144000" cy="1309255"/>
+          </a:xfrm>
+        </p:spPr>
+        <p:txBody>
+          <a:bodyPr>
+            <a:normAutofit/>
+          </a:bodyPr>
           <a:lstStyle>
             <a:lvl1pPr marL="0" indent="0" algn="ctr">
               <a:buNone/>
-              <a:defRPr sz="2400"/>
+              <a:defRPr sz="2000"/>
             </a:lvl1pPr>
             <a:lvl2pPr marL="457200" indent="0" algn="ctr">
               <a:buNone/>
@@ -196,50 +246,45 @@
             </a:lvl2pPr>
             <a:lvl3pPr marL="914400" indent="0" algn="ctr">
               <a:buNone/>
-              <a:defRPr sz="1800"/>
+              <a:defRPr sz="2000"/>
             </a:lvl3pPr>
             <a:lvl4pPr marL="1371600" indent="0" algn="ctr">
               <a:buNone/>
-              <a:defRPr sz="1600"/>
+              <a:defRPr sz="2000"/>
             </a:lvl4pPr>
             <a:lvl5pPr marL="1828800" indent="0" algn="ctr">
               <a:buNone/>
-              <a:defRPr sz="1600"/>
+              <a:defRPr sz="2000"/>
             </a:lvl5pPr>
             <a:lvl6pPr marL="2286000" indent="0" algn="ctr">
               <a:buNone/>
-              <a:defRPr sz="1600"/>
+              <a:defRPr sz="2000"/>
             </a:lvl6pPr>
             <a:lvl7pPr marL="2743200" indent="0" algn="ctr">
               <a:buNone/>
-              <a:defRPr sz="1600"/>
+              <a:defRPr sz="2000"/>
             </a:lvl7pPr>
             <a:lvl8pPr marL="3200400" indent="0" algn="ctr">
               <a:buNone/>
-              <a:defRPr sz="1600"/>
+              <a:defRPr sz="2000"/>
             </a:lvl8pPr>
             <a:lvl9pPr marL="3657600" indent="0" algn="ctr">
               <a:buNone/>
-              <a:defRPr sz="1600"/>
+              <a:defRPr sz="2000"/>
             </a:lvl9pPr>
           </a:lstStyle>
           <a:p>
             <a:r>
-              <a:rPr kumimoji="1" lang="ja-JP" altLang="en-US"/>
+              <a:rPr lang="ja-JP" altLang="en-US"/>
               <a:t>マスター サブタイトルの書式設定</a:t>
             </a:r>
-          </a:p>
-        </p:txBody>
-      </p:sp>
-      <p:sp>
-        <p:nvSpPr>
-          <p:cNvPr id="4" name="日付プレースホルダー 3">
-            <a:extLst>
-              <a:ext uri="{FF2B5EF4-FFF2-40B4-BE49-F238E27FC236}">
-                <a16:creationId xmlns:a16="http://schemas.microsoft.com/office/drawing/2014/main" id="{A48BD71A-A95A-4568-B66F-5DE2542D3B05}"/>
-              </a:ext>
-            </a:extLst>
-          </p:cNvPr>
+            <a:endParaRPr lang="en-US" dirty="0"/>
+          </a:p>
+        </p:txBody>
+      </p:sp>
+      <p:sp>
+        <p:nvSpPr>
+          <p:cNvPr id="4" name="Date Placeholder 3"/>
           <p:cNvSpPr>
             <a:spLocks noGrp="1"/>
           </p:cNvSpPr>
@@ -262,13 +307,7 @@
       </p:sp>
       <p:sp>
         <p:nvSpPr>
-          <p:cNvPr id="5" name="フッター プレースホルダー 4">
-            <a:extLst>
-              <a:ext uri="{FF2B5EF4-FFF2-40B4-BE49-F238E27FC236}">
-                <a16:creationId xmlns:a16="http://schemas.microsoft.com/office/drawing/2014/main" id="{1BAC9706-0DAC-4BBB-970B-D63DE6406091}"/>
-              </a:ext>
-            </a:extLst>
-          </p:cNvPr>
+          <p:cNvPr id="5" name="Footer Placeholder 4"/>
           <p:cNvSpPr>
             <a:spLocks noGrp="1"/>
           </p:cNvSpPr>
@@ -287,13 +326,7 @@
       </p:sp>
       <p:sp>
         <p:nvSpPr>
-          <p:cNvPr id="6" name="スライド番号プレースホルダー 5">
-            <a:extLst>
-              <a:ext uri="{FF2B5EF4-FFF2-40B4-BE49-F238E27FC236}">
-                <a16:creationId xmlns:a16="http://schemas.microsoft.com/office/drawing/2014/main" id="{CA4EBEEA-78CA-46A0-882B-3FB87E810380}"/>
-              </a:ext>
-            </a:extLst>
-          </p:cNvPr>
+          <p:cNvPr id="6" name="Slide Number Placeholder 5"/>
           <p:cNvSpPr>
             <a:spLocks noGrp="1"/>
           </p:cNvSpPr>
@@ -317,7 +350,7 @@
     </p:spTree>
     <p:extLst>
       <p:ext uri="{BB962C8B-B14F-4D97-AF65-F5344CB8AC3E}">
-        <p14:creationId xmlns:p14="http://schemas.microsoft.com/office/powerpoint/2010/main" val="851355213"/>
+        <p14:creationId xmlns:p14="http://schemas.microsoft.com/office/powerpoint/2010/main" val="1405934206"/>
       </p:ext>
     </p:extLst>
   </p:cSld>
@@ -346,13 +379,7 @@
       </p:grpSpPr>
       <p:sp>
         <p:nvSpPr>
-          <p:cNvPr id="2" name="タイトル 1">
-            <a:extLst>
-              <a:ext uri="{FF2B5EF4-FFF2-40B4-BE49-F238E27FC236}">
-                <a16:creationId xmlns:a16="http://schemas.microsoft.com/office/drawing/2014/main" id="{04020294-3F60-45F3-B334-AD7952DEE250}"/>
-              </a:ext>
-            </a:extLst>
-          </p:cNvPr>
+          <p:cNvPr id="2" name="Title 1"/>
           <p:cNvSpPr>
             <a:spLocks noGrp="1"/>
           </p:cNvSpPr>
@@ -366,21 +393,16 @@
           <a:lstStyle/>
           <a:p>
             <a:r>
-              <a:rPr kumimoji="1" lang="ja-JP" altLang="en-US"/>
+              <a:rPr lang="ja-JP" altLang="en-US"/>
               <a:t>マスター タイトルの書式設定</a:t>
             </a:r>
-          </a:p>
-        </p:txBody>
-      </p:sp>
-      <p:sp>
-        <p:nvSpPr>
-          <p:cNvPr id="3" name="縦書きテキスト プレースホルダー 2">
-            <a:extLst>
-              <a:ext uri="{FF2B5EF4-FFF2-40B4-BE49-F238E27FC236}">
-                <a16:creationId xmlns:a16="http://schemas.microsoft.com/office/drawing/2014/main" id="{EFAEF0A4-BEEC-4717-9BC9-53FEFE811CB0}"/>
-              </a:ext>
-            </a:extLst>
-          </p:cNvPr>
+            <a:endParaRPr lang="en-US" dirty="0"/>
+          </a:p>
+        </p:txBody>
+      </p:sp>
+      <p:sp>
+        <p:nvSpPr>
+          <p:cNvPr id="3" name="Vertical Text Placeholder 2"/>
           <p:cNvSpPr>
             <a:spLocks noGrp="1"/>
           </p:cNvSpPr>
@@ -395,81 +417,76 @@
           <a:p>
             <a:pPr lvl="0"/>
             <a:r>
-              <a:rPr kumimoji="1" lang="ja-JP" altLang="en-US"/>
+              <a:rPr lang="ja-JP" altLang="en-US"/>
               <a:t>マスター テキストの書式設定</a:t>
             </a:r>
           </a:p>
           <a:p>
             <a:pPr lvl="1"/>
             <a:r>
-              <a:rPr kumimoji="1" lang="ja-JP" altLang="en-US"/>
+              <a:rPr lang="ja-JP" altLang="en-US"/>
               <a:t>第 </a:t>
             </a:r>
             <a:r>
-              <a:rPr kumimoji="1" lang="en-US" altLang="ja-JP"/>
+              <a:rPr lang="en-US" altLang="ja-JP"/>
               <a:t>2 </a:t>
             </a:r>
             <a:r>
-              <a:rPr kumimoji="1" lang="ja-JP" altLang="en-US"/>
+              <a:rPr lang="ja-JP" altLang="en-US"/>
               <a:t>レベル</a:t>
             </a:r>
           </a:p>
           <a:p>
             <a:pPr lvl="2"/>
             <a:r>
-              <a:rPr kumimoji="1" lang="ja-JP" altLang="en-US"/>
+              <a:rPr lang="ja-JP" altLang="en-US"/>
               <a:t>第 </a:t>
             </a:r>
             <a:r>
-              <a:rPr kumimoji="1" lang="en-US" altLang="ja-JP"/>
+              <a:rPr lang="en-US" altLang="ja-JP"/>
               <a:t>3 </a:t>
             </a:r>
             <a:r>
-              <a:rPr kumimoji="1" lang="ja-JP" altLang="en-US"/>
+              <a:rPr lang="ja-JP" altLang="en-US"/>
               <a:t>レベル</a:t>
             </a:r>
           </a:p>
           <a:p>
             <a:pPr lvl="3"/>
             <a:r>
-              <a:rPr kumimoji="1" lang="ja-JP" altLang="en-US"/>
+              <a:rPr lang="ja-JP" altLang="en-US"/>
               <a:t>第 </a:t>
             </a:r>
             <a:r>
-              <a:rPr kumimoji="1" lang="en-US" altLang="ja-JP"/>
+              <a:rPr lang="en-US" altLang="ja-JP"/>
               <a:t>4 </a:t>
             </a:r>
             <a:r>
-              <a:rPr kumimoji="1" lang="ja-JP" altLang="en-US"/>
+              <a:rPr lang="ja-JP" altLang="en-US"/>
               <a:t>レベル</a:t>
             </a:r>
           </a:p>
           <a:p>
             <a:pPr lvl="4"/>
             <a:r>
-              <a:rPr kumimoji="1" lang="ja-JP" altLang="en-US"/>
+              <a:rPr lang="ja-JP" altLang="en-US"/>
               <a:t>第 </a:t>
             </a:r>
             <a:r>
-              <a:rPr kumimoji="1" lang="en-US" altLang="ja-JP"/>
+              <a:rPr lang="en-US" altLang="ja-JP"/>
               <a:t>5 </a:t>
             </a:r>
             <a:r>
-              <a:rPr kumimoji="1" lang="ja-JP" altLang="en-US"/>
+              <a:rPr lang="ja-JP" altLang="en-US"/>
               <a:t>レベル</a:t>
             </a:r>
-          </a:p>
-        </p:txBody>
-      </p:sp>
-      <p:sp>
-        <p:nvSpPr>
-          <p:cNvPr id="4" name="日付プレースホルダー 3">
-            <a:extLst>
-              <a:ext uri="{FF2B5EF4-FFF2-40B4-BE49-F238E27FC236}">
-                <a16:creationId xmlns:a16="http://schemas.microsoft.com/office/drawing/2014/main" id="{75E4B826-C154-4E5C-8C57-C244163B9B34}"/>
-              </a:ext>
-            </a:extLst>
-          </p:cNvPr>
+            <a:endParaRPr lang="en-US" dirty="0"/>
+          </a:p>
+        </p:txBody>
+      </p:sp>
+      <p:sp>
+        <p:nvSpPr>
+          <p:cNvPr id="4" name="Date Placeholder 3"/>
           <p:cNvSpPr>
             <a:spLocks noGrp="1"/>
           </p:cNvSpPr>
@@ -492,13 +509,7 @@
       </p:sp>
       <p:sp>
         <p:nvSpPr>
-          <p:cNvPr id="5" name="フッター プレースホルダー 4">
-            <a:extLst>
-              <a:ext uri="{FF2B5EF4-FFF2-40B4-BE49-F238E27FC236}">
-                <a16:creationId xmlns:a16="http://schemas.microsoft.com/office/drawing/2014/main" id="{9A440B09-3E60-430F-8CA8-1F23E6BB888D}"/>
-              </a:ext>
-            </a:extLst>
-          </p:cNvPr>
+          <p:cNvPr id="5" name="Footer Placeholder 4"/>
           <p:cNvSpPr>
             <a:spLocks noGrp="1"/>
           </p:cNvSpPr>
@@ -517,13 +528,7 @@
       </p:sp>
       <p:sp>
         <p:nvSpPr>
-          <p:cNvPr id="6" name="スライド番号プレースホルダー 5">
-            <a:extLst>
-              <a:ext uri="{FF2B5EF4-FFF2-40B4-BE49-F238E27FC236}">
-                <a16:creationId xmlns:a16="http://schemas.microsoft.com/office/drawing/2014/main" id="{C17D1F31-63FD-411F-A532-ABF0CD76E19D}"/>
-              </a:ext>
-            </a:extLst>
-          </p:cNvPr>
+          <p:cNvPr id="6" name="Slide Number Placeholder 5"/>
           <p:cNvSpPr>
             <a:spLocks noGrp="1"/>
           </p:cNvSpPr>
@@ -547,7 +552,7 @@
     </p:spTree>
     <p:extLst>
       <p:ext uri="{BB962C8B-B14F-4D97-AF65-F5344CB8AC3E}">
-        <p14:creationId xmlns:p14="http://schemas.microsoft.com/office/powerpoint/2010/main" val="846410268"/>
+        <p14:creationId xmlns:p14="http://schemas.microsoft.com/office/powerpoint/2010/main" val="3610970558"/>
       </p:ext>
     </p:extLst>
   </p:cSld>
@@ -558,7 +563,7 @@
 </file>
 
 <file path=ppt/slideLayouts/slideLayout11.xml><?xml version="1.0" encoding="utf-8"?>
-<p:sldLayout xmlns:a="http://schemas.openxmlformats.org/drawingml/2006/main" xmlns:r="http://schemas.openxmlformats.org/officeDocument/2006/relationships" xmlns:p="http://schemas.openxmlformats.org/presentationml/2006/main" type="vertTitleAndTx" preserve="1">
+<p:sldLayout xmlns:a="http://schemas.openxmlformats.org/drawingml/2006/main" xmlns:r="http://schemas.openxmlformats.org/officeDocument/2006/relationships" xmlns:p="http://schemas.openxmlformats.org/presentationml/2006/main" showMasterSp="0" type="vertTitleAndTx" preserve="1">
   <p:cSld name="縦書きタイトルと&#10;縦書きテキスト">
     <p:spTree>
       <p:nvGrpSpPr>
@@ -576,13 +581,45 @@
       </p:grpSpPr>
       <p:sp>
         <p:nvSpPr>
-          <p:cNvPr id="2" name="縦書きタイトル 1">
-            <a:extLst>
-              <a:ext uri="{FF2B5EF4-FFF2-40B4-BE49-F238E27FC236}">
-                <a16:creationId xmlns:a16="http://schemas.microsoft.com/office/drawing/2014/main" id="{628DA7B1-D563-4953-80E8-0705A0D785E4}"/>
-              </a:ext>
-            </a:extLst>
-          </p:cNvPr>
+          <p:cNvPr id="7" name="Rectangle 6"/>
+          <p:cNvSpPr/>
+          <p:nvPr/>
+        </p:nvSpPr>
+        <p:spPr>
+          <a:xfrm>
+            <a:off x="9019312" y="0"/>
+            <a:ext cx="2743200" cy="6858000"/>
+          </a:xfrm>
+          <a:prstGeom prst="rect">
+            <a:avLst/>
+          </a:prstGeom>
+          <a:solidFill>
+            <a:schemeClr val="tx1"/>
+          </a:solidFill>
+          <a:ln>
+            <a:noFill/>
+          </a:ln>
+        </p:spPr>
+        <p:style>
+          <a:lnRef idx="2">
+            <a:schemeClr val="accent1">
+              <a:shade val="50000"/>
+            </a:schemeClr>
+          </a:lnRef>
+          <a:fillRef idx="1">
+            <a:schemeClr val="accent1"/>
+          </a:fillRef>
+          <a:effectRef idx="0">
+            <a:schemeClr val="accent1"/>
+          </a:effectRef>
+          <a:fontRef idx="minor">
+            <a:schemeClr val="lt1"/>
+          </a:fontRef>
+        </p:style>
+      </p:sp>
+      <p:sp>
+        <p:nvSpPr>
+          <p:cNvPr id="2" name="Vertical Title 1"/>
           <p:cNvSpPr>
             <a:spLocks noGrp="1"/>
           </p:cNvSpPr>
@@ -592,8 +629,8 @@
         </p:nvSpPr>
         <p:spPr>
           <a:xfrm>
-            <a:off x="8724900" y="365125"/>
-            <a:ext cx="2628900" cy="5811838"/>
+            <a:off x="9160624" y="274638"/>
+            <a:ext cx="2402380" cy="5897562"/>
           </a:xfrm>
         </p:spPr>
         <p:txBody>
@@ -601,21 +638,16 @@
           <a:lstStyle/>
           <a:p>
             <a:r>
-              <a:rPr kumimoji="1" lang="ja-JP" altLang="en-US"/>
+              <a:rPr lang="ja-JP" altLang="en-US"/>
               <a:t>マスター タイトルの書式設定</a:t>
             </a:r>
-          </a:p>
-        </p:txBody>
-      </p:sp>
-      <p:sp>
-        <p:nvSpPr>
-          <p:cNvPr id="3" name="縦書きテキスト プレースホルダー 2">
-            <a:extLst>
-              <a:ext uri="{FF2B5EF4-FFF2-40B4-BE49-F238E27FC236}">
-                <a16:creationId xmlns:a16="http://schemas.microsoft.com/office/drawing/2014/main" id="{75BE7DD7-87B6-4266-86DB-F34BE140211A}"/>
-              </a:ext>
-            </a:extLst>
-          </p:cNvPr>
+            <a:endParaRPr lang="en-US" dirty="0"/>
+          </a:p>
+        </p:txBody>
+      </p:sp>
+      <p:sp>
+        <p:nvSpPr>
+          <p:cNvPr id="3" name="Vertical Text Placeholder 2"/>
           <p:cNvSpPr>
             <a:spLocks noGrp="1"/>
           </p:cNvSpPr>
@@ -625,8 +657,8 @@
         </p:nvSpPr>
         <p:spPr>
           <a:xfrm>
-            <a:off x="838200" y="365125"/>
-            <a:ext cx="7734300" cy="5811838"/>
+            <a:off x="838199" y="274638"/>
+            <a:ext cx="7973291" cy="5897562"/>
           </a:xfrm>
         </p:spPr>
         <p:txBody>
@@ -635,81 +667,76 @@
           <a:p>
             <a:pPr lvl="0"/>
             <a:r>
-              <a:rPr kumimoji="1" lang="ja-JP" altLang="en-US"/>
+              <a:rPr lang="ja-JP" altLang="en-US"/>
               <a:t>マスター テキストの書式設定</a:t>
             </a:r>
           </a:p>
           <a:p>
             <a:pPr lvl="1"/>
             <a:r>
-              <a:rPr kumimoji="1" lang="ja-JP" altLang="en-US"/>
+              <a:rPr lang="ja-JP" altLang="en-US"/>
               <a:t>第 </a:t>
             </a:r>
             <a:r>
-              <a:rPr kumimoji="1" lang="en-US" altLang="ja-JP"/>
+              <a:rPr lang="en-US" altLang="ja-JP"/>
               <a:t>2 </a:t>
             </a:r>
             <a:r>
-              <a:rPr kumimoji="1" lang="ja-JP" altLang="en-US"/>
+              <a:rPr lang="ja-JP" altLang="en-US"/>
               <a:t>レベル</a:t>
             </a:r>
           </a:p>
           <a:p>
             <a:pPr lvl="2"/>
             <a:r>
-              <a:rPr kumimoji="1" lang="ja-JP" altLang="en-US"/>
+              <a:rPr lang="ja-JP" altLang="en-US"/>
               <a:t>第 </a:t>
             </a:r>
             <a:r>
-              <a:rPr kumimoji="1" lang="en-US" altLang="ja-JP"/>
+              <a:rPr lang="en-US" altLang="ja-JP"/>
               <a:t>3 </a:t>
             </a:r>
             <a:r>
-              <a:rPr kumimoji="1" lang="ja-JP" altLang="en-US"/>
+              <a:rPr lang="ja-JP" altLang="en-US"/>
               <a:t>レベル</a:t>
             </a:r>
           </a:p>
           <a:p>
             <a:pPr lvl="3"/>
             <a:r>
-              <a:rPr kumimoji="1" lang="ja-JP" altLang="en-US"/>
+              <a:rPr lang="ja-JP" altLang="en-US"/>
               <a:t>第 </a:t>
             </a:r>
             <a:r>
-              <a:rPr kumimoji="1" lang="en-US" altLang="ja-JP"/>
+              <a:rPr lang="en-US" altLang="ja-JP"/>
               <a:t>4 </a:t>
             </a:r>
             <a:r>
-              <a:rPr kumimoji="1" lang="ja-JP" altLang="en-US"/>
+              <a:rPr lang="ja-JP" altLang="en-US"/>
               <a:t>レベル</a:t>
             </a:r>
           </a:p>
           <a:p>
             <a:pPr lvl="4"/>
             <a:r>
-              <a:rPr kumimoji="1" lang="ja-JP" altLang="en-US"/>
+              <a:rPr lang="ja-JP" altLang="en-US"/>
               <a:t>第 </a:t>
             </a:r>
             <a:r>
-              <a:rPr kumimoji="1" lang="en-US" altLang="ja-JP"/>
+              <a:rPr lang="en-US" altLang="ja-JP"/>
               <a:t>5 </a:t>
             </a:r>
             <a:r>
-              <a:rPr kumimoji="1" lang="ja-JP" altLang="en-US"/>
+              <a:rPr lang="ja-JP" altLang="en-US"/>
               <a:t>レベル</a:t>
             </a:r>
-          </a:p>
-        </p:txBody>
-      </p:sp>
-      <p:sp>
-        <p:nvSpPr>
-          <p:cNvPr id="4" name="日付プレースホルダー 3">
-            <a:extLst>
-              <a:ext uri="{FF2B5EF4-FFF2-40B4-BE49-F238E27FC236}">
-                <a16:creationId xmlns:a16="http://schemas.microsoft.com/office/drawing/2014/main" id="{609B6DDA-727C-4B9E-8014-CE5E980F4BD9}"/>
-              </a:ext>
-            </a:extLst>
-          </p:cNvPr>
+            <a:endParaRPr lang="en-US" dirty="0"/>
+          </a:p>
+        </p:txBody>
+      </p:sp>
+      <p:sp>
+        <p:nvSpPr>
+          <p:cNvPr id="4" name="Date Placeholder 3"/>
           <p:cNvSpPr>
             <a:spLocks noGrp="1"/>
           </p:cNvSpPr>
@@ -717,7 +744,12 @@
             <p:ph type="dt" sz="half" idx="10"/>
           </p:nvPr>
         </p:nvSpPr>
-        <p:spPr/>
+        <p:spPr>
+          <a:xfrm>
+            <a:off x="838200" y="6422854"/>
+            <a:ext cx="2743196" cy="365125"/>
+          </a:xfrm>
+        </p:spPr>
         <p:txBody>
           <a:bodyPr/>
           <a:lstStyle/>
@@ -732,13 +764,7 @@
       </p:sp>
       <p:sp>
         <p:nvSpPr>
-          <p:cNvPr id="5" name="フッター プレースホルダー 4">
-            <a:extLst>
-              <a:ext uri="{FF2B5EF4-FFF2-40B4-BE49-F238E27FC236}">
-                <a16:creationId xmlns:a16="http://schemas.microsoft.com/office/drawing/2014/main" id="{DC6EC353-CF15-4587-8A57-C43005217DFA}"/>
-              </a:ext>
-            </a:extLst>
-          </p:cNvPr>
+          <p:cNvPr id="5" name="Footer Placeholder 4"/>
           <p:cNvSpPr>
             <a:spLocks noGrp="1"/>
           </p:cNvSpPr>
@@ -746,7 +772,12 @@
             <p:ph type="ftr" sz="quarter" idx="11"/>
           </p:nvPr>
         </p:nvSpPr>
-        <p:spPr/>
+        <p:spPr>
+          <a:xfrm>
+            <a:off x="3776135" y="6422854"/>
+            <a:ext cx="4279669" cy="365125"/>
+          </a:xfrm>
+        </p:spPr>
         <p:txBody>
           <a:bodyPr/>
           <a:lstStyle/>
@@ -757,13 +788,7 @@
       </p:sp>
       <p:sp>
         <p:nvSpPr>
-          <p:cNvPr id="6" name="スライド番号プレースホルダー 5">
-            <a:extLst>
-              <a:ext uri="{FF2B5EF4-FFF2-40B4-BE49-F238E27FC236}">
-                <a16:creationId xmlns:a16="http://schemas.microsoft.com/office/drawing/2014/main" id="{C310D221-8458-4187-BBBF-915E20C36BCF}"/>
-              </a:ext>
-            </a:extLst>
-          </p:cNvPr>
+          <p:cNvPr id="6" name="Slide Number Placeholder 5"/>
           <p:cNvSpPr>
             <a:spLocks noGrp="1"/>
           </p:cNvSpPr>
@@ -771,7 +796,12 @@
             <p:ph type="sldNum" sz="quarter" idx="12"/>
           </p:nvPr>
         </p:nvSpPr>
-        <p:spPr/>
+        <p:spPr>
+          <a:xfrm>
+            <a:off x="8073048" y="6422854"/>
+            <a:ext cx="879759" cy="365125"/>
+          </a:xfrm>
+        </p:spPr>
         <p:txBody>
           <a:bodyPr/>
           <a:lstStyle/>
@@ -787,7 +817,7 @@
     </p:spTree>
     <p:extLst>
       <p:ext uri="{BB962C8B-B14F-4D97-AF65-F5344CB8AC3E}">
-        <p14:creationId xmlns:p14="http://schemas.microsoft.com/office/powerpoint/2010/main" val="2697374938"/>
+        <p14:creationId xmlns:p14="http://schemas.microsoft.com/office/powerpoint/2010/main" val="921391354"/>
       </p:ext>
     </p:extLst>
   </p:cSld>
@@ -816,13 +846,7 @@
       </p:grpSpPr>
       <p:sp>
         <p:nvSpPr>
-          <p:cNvPr id="2" name="タイトル 1">
-            <a:extLst>
-              <a:ext uri="{FF2B5EF4-FFF2-40B4-BE49-F238E27FC236}">
-                <a16:creationId xmlns:a16="http://schemas.microsoft.com/office/drawing/2014/main" id="{9DDBC43E-CA6D-4237-BF38-352E23CF23F2}"/>
-              </a:ext>
-            </a:extLst>
-          </p:cNvPr>
+          <p:cNvPr id="2" name="Title 1"/>
           <p:cNvSpPr>
             <a:spLocks noGrp="1"/>
           </p:cNvSpPr>
@@ -836,21 +860,16 @@
           <a:lstStyle/>
           <a:p>
             <a:r>
-              <a:rPr kumimoji="1" lang="ja-JP" altLang="en-US"/>
+              <a:rPr lang="ja-JP" altLang="en-US"/>
               <a:t>マスター タイトルの書式設定</a:t>
             </a:r>
-          </a:p>
-        </p:txBody>
-      </p:sp>
-      <p:sp>
-        <p:nvSpPr>
-          <p:cNvPr id="3" name="コンテンツ プレースホルダー 2">
-            <a:extLst>
-              <a:ext uri="{FF2B5EF4-FFF2-40B4-BE49-F238E27FC236}">
-                <a16:creationId xmlns:a16="http://schemas.microsoft.com/office/drawing/2014/main" id="{0022D6A6-4900-4408-B81D-9EB8B4D0511E}"/>
-              </a:ext>
-            </a:extLst>
-          </p:cNvPr>
+            <a:endParaRPr lang="en-US" dirty="0"/>
+          </a:p>
+        </p:txBody>
+      </p:sp>
+      <p:sp>
+        <p:nvSpPr>
+          <p:cNvPr id="3" name="Content Placeholder 2"/>
           <p:cNvSpPr>
             <a:spLocks noGrp="1"/>
           </p:cNvSpPr>
@@ -865,81 +884,76 @@
           <a:p>
             <a:pPr lvl="0"/>
             <a:r>
-              <a:rPr kumimoji="1" lang="ja-JP" altLang="en-US"/>
+              <a:rPr lang="ja-JP" altLang="en-US"/>
               <a:t>マスター テキストの書式設定</a:t>
             </a:r>
           </a:p>
           <a:p>
             <a:pPr lvl="1"/>
             <a:r>
-              <a:rPr kumimoji="1" lang="ja-JP" altLang="en-US"/>
+              <a:rPr lang="ja-JP" altLang="en-US"/>
               <a:t>第 </a:t>
             </a:r>
             <a:r>
-              <a:rPr kumimoji="1" lang="en-US" altLang="ja-JP"/>
+              <a:rPr lang="en-US" altLang="ja-JP"/>
               <a:t>2 </a:t>
             </a:r>
             <a:r>
-              <a:rPr kumimoji="1" lang="ja-JP" altLang="en-US"/>
+              <a:rPr lang="ja-JP" altLang="en-US"/>
               <a:t>レベル</a:t>
             </a:r>
           </a:p>
           <a:p>
             <a:pPr lvl="2"/>
             <a:r>
-              <a:rPr kumimoji="1" lang="ja-JP" altLang="en-US"/>
+              <a:rPr lang="ja-JP" altLang="en-US"/>
               <a:t>第 </a:t>
             </a:r>
             <a:r>
-              <a:rPr kumimoji="1" lang="en-US" altLang="ja-JP"/>
+              <a:rPr lang="en-US" altLang="ja-JP"/>
               <a:t>3 </a:t>
             </a:r>
             <a:r>
-              <a:rPr kumimoji="1" lang="ja-JP" altLang="en-US"/>
+              <a:rPr lang="ja-JP" altLang="en-US"/>
               <a:t>レベル</a:t>
             </a:r>
           </a:p>
           <a:p>
             <a:pPr lvl="3"/>
             <a:r>
-              <a:rPr kumimoji="1" lang="ja-JP" altLang="en-US"/>
+              <a:rPr lang="ja-JP" altLang="en-US"/>
               <a:t>第 </a:t>
             </a:r>
             <a:r>
-              <a:rPr kumimoji="1" lang="en-US" altLang="ja-JP"/>
+              <a:rPr lang="en-US" altLang="ja-JP"/>
               <a:t>4 </a:t>
             </a:r>
             <a:r>
-              <a:rPr kumimoji="1" lang="ja-JP" altLang="en-US"/>
+              <a:rPr lang="ja-JP" altLang="en-US"/>
               <a:t>レベル</a:t>
             </a:r>
           </a:p>
           <a:p>
             <a:pPr lvl="4"/>
             <a:r>
-              <a:rPr kumimoji="1" lang="ja-JP" altLang="en-US"/>
+              <a:rPr lang="ja-JP" altLang="en-US"/>
               <a:t>第 </a:t>
             </a:r>
             <a:r>
-              <a:rPr kumimoji="1" lang="en-US" altLang="ja-JP"/>
+              <a:rPr lang="en-US" altLang="ja-JP"/>
               <a:t>5 </a:t>
             </a:r>
             <a:r>
-              <a:rPr kumimoji="1" lang="ja-JP" altLang="en-US"/>
+              <a:rPr lang="ja-JP" altLang="en-US"/>
               <a:t>レベル</a:t>
             </a:r>
-          </a:p>
-        </p:txBody>
-      </p:sp>
-      <p:sp>
-        <p:nvSpPr>
-          <p:cNvPr id="4" name="日付プレースホルダー 3">
-            <a:extLst>
-              <a:ext uri="{FF2B5EF4-FFF2-40B4-BE49-F238E27FC236}">
-                <a16:creationId xmlns:a16="http://schemas.microsoft.com/office/drawing/2014/main" id="{FA3FA2B7-85EB-4FEA-98DB-E5F93FDC385B}"/>
-              </a:ext>
-            </a:extLst>
-          </p:cNvPr>
+            <a:endParaRPr lang="en-US" dirty="0"/>
+          </a:p>
+        </p:txBody>
+      </p:sp>
+      <p:sp>
+        <p:nvSpPr>
+          <p:cNvPr id="4" name="Date Placeholder 3"/>
           <p:cNvSpPr>
             <a:spLocks noGrp="1"/>
           </p:cNvSpPr>
@@ -962,13 +976,7 @@
       </p:sp>
       <p:sp>
         <p:nvSpPr>
-          <p:cNvPr id="5" name="フッター プレースホルダー 4">
-            <a:extLst>
-              <a:ext uri="{FF2B5EF4-FFF2-40B4-BE49-F238E27FC236}">
-                <a16:creationId xmlns:a16="http://schemas.microsoft.com/office/drawing/2014/main" id="{91EB280C-BB9A-470B-8E1F-AA4BD07FE45A}"/>
-              </a:ext>
-            </a:extLst>
-          </p:cNvPr>
+          <p:cNvPr id="5" name="Footer Placeholder 4"/>
           <p:cNvSpPr>
             <a:spLocks noGrp="1"/>
           </p:cNvSpPr>
@@ -987,13 +995,7 @@
       </p:sp>
       <p:sp>
         <p:nvSpPr>
-          <p:cNvPr id="6" name="スライド番号プレースホルダー 5">
-            <a:extLst>
-              <a:ext uri="{FF2B5EF4-FFF2-40B4-BE49-F238E27FC236}">
-                <a16:creationId xmlns:a16="http://schemas.microsoft.com/office/drawing/2014/main" id="{7FC99F43-D72D-4741-9D41-71D9EAED9221}"/>
-              </a:ext>
-            </a:extLst>
-          </p:cNvPr>
+          <p:cNvPr id="6" name="Slide Number Placeholder 5"/>
           <p:cNvSpPr>
             <a:spLocks noGrp="1"/>
           </p:cNvSpPr>
@@ -1017,7 +1019,7 @@
     </p:spTree>
     <p:extLst>
       <p:ext uri="{BB962C8B-B14F-4D97-AF65-F5344CB8AC3E}">
-        <p14:creationId xmlns:p14="http://schemas.microsoft.com/office/powerpoint/2010/main" val="2709182566"/>
+        <p14:creationId xmlns:p14="http://schemas.microsoft.com/office/powerpoint/2010/main" val="2667014255"/>
       </p:ext>
     </p:extLst>
   </p:cSld>
@@ -1028,8 +1030,13 @@
 </file>
 
 <file path=ppt/slideLayouts/slideLayout3.xml><?xml version="1.0" encoding="utf-8"?>
-<p:sldLayout xmlns:a="http://schemas.openxmlformats.org/drawingml/2006/main" xmlns:r="http://schemas.openxmlformats.org/officeDocument/2006/relationships" xmlns:p="http://schemas.openxmlformats.org/presentationml/2006/main" type="secHead" preserve="1">
+<p:sldLayout xmlns:a="http://schemas.openxmlformats.org/drawingml/2006/main" xmlns:r="http://schemas.openxmlformats.org/officeDocument/2006/relationships" xmlns:p="http://schemas.openxmlformats.org/presentationml/2006/main" showMasterSp="0" type="secHead" preserve="1">
   <p:cSld name="セクション見出し">
+    <p:bg>
+      <p:bgRef idx="1001">
+        <a:schemeClr val="bg1"/>
+      </p:bgRef>
+    </p:bg>
     <p:spTree>
       <p:nvGrpSpPr>
         <p:cNvPr id="1" name=""/>
@@ -1046,13 +1053,45 @@
       </p:grpSpPr>
       <p:sp>
         <p:nvSpPr>
-          <p:cNvPr id="2" name="タイトル 1">
-            <a:extLst>
-              <a:ext uri="{FF2B5EF4-FFF2-40B4-BE49-F238E27FC236}">
-                <a16:creationId xmlns:a16="http://schemas.microsoft.com/office/drawing/2014/main" id="{78524C60-06C0-48D9-A2CB-3DC145CDF8A7}"/>
-              </a:ext>
-            </a:extLst>
-          </p:cNvPr>
+          <p:cNvPr id="7" name="Rectangle 6"/>
+          <p:cNvSpPr/>
+          <p:nvPr/>
+        </p:nvSpPr>
+        <p:spPr>
+          <a:xfrm>
+            <a:off x="-6843" y="2059012"/>
+            <a:ext cx="12195668" cy="1828800"/>
+          </a:xfrm>
+          <a:prstGeom prst="rect">
+            <a:avLst/>
+          </a:prstGeom>
+          <a:solidFill>
+            <a:schemeClr val="tx2"/>
+          </a:solidFill>
+          <a:ln>
+            <a:noFill/>
+          </a:ln>
+        </p:spPr>
+        <p:style>
+          <a:lnRef idx="2">
+            <a:schemeClr val="accent1">
+              <a:shade val="50000"/>
+            </a:schemeClr>
+          </a:lnRef>
+          <a:fillRef idx="1">
+            <a:schemeClr val="accent1"/>
+          </a:fillRef>
+          <a:effectRef idx="0">
+            <a:schemeClr val="accent1"/>
+          </a:effectRef>
+          <a:fontRef idx="minor">
+            <a:schemeClr val="lt1"/>
+          </a:fontRef>
+        </p:style>
+      </p:sp>
+      <p:sp>
+        <p:nvSpPr>
+          <p:cNvPr id="2" name="Title 1"/>
           <p:cNvSpPr>
             <a:spLocks noGrp="1"/>
           </p:cNvSpPr>
@@ -1062,34 +1101,38 @@
         </p:nvSpPr>
         <p:spPr>
           <a:xfrm>
-            <a:off x="831850" y="1709738"/>
-            <a:ext cx="10515600" cy="2852737"/>
-          </a:xfrm>
-        </p:spPr>
-        <p:txBody>
-          <a:bodyPr anchor="b"/>
+            <a:off x="833191" y="2208879"/>
+            <a:ext cx="10515600" cy="1676400"/>
+          </a:xfrm>
+        </p:spPr>
+        <p:txBody>
+          <a:bodyPr anchor="ctr">
+            <a:noAutofit/>
+          </a:bodyPr>
           <a:lstStyle>
-            <a:lvl1pPr>
-              <a:defRPr sz="6000"/>
+            <a:lvl1pPr algn="ctr">
+              <a:lnSpc>
+                <a:spcPct val="80000"/>
+              </a:lnSpc>
+              <a:defRPr sz="6000" b="0" spc="150" baseline="0">
+                <a:solidFill>
+                  <a:schemeClr val="bg1"/>
+                </a:solidFill>
+              </a:defRPr>
             </a:lvl1pPr>
           </a:lstStyle>
           <a:p>
             <a:r>
-              <a:rPr kumimoji="1" lang="ja-JP" altLang="en-US"/>
+              <a:rPr lang="ja-JP" altLang="en-US"/>
               <a:t>マスター タイトルの書式設定</a:t>
             </a:r>
-          </a:p>
-        </p:txBody>
-      </p:sp>
-      <p:sp>
-        <p:nvSpPr>
-          <p:cNvPr id="3" name="テキスト プレースホルダー 2">
-            <a:extLst>
-              <a:ext uri="{FF2B5EF4-FFF2-40B4-BE49-F238E27FC236}">
-                <a16:creationId xmlns:a16="http://schemas.microsoft.com/office/drawing/2014/main" id="{284FBF9A-BCBF-48E7-ACBF-EF4597575F5A}"/>
-              </a:ext>
-            </a:extLst>
-          </p:cNvPr>
+            <a:endParaRPr lang="en-US" dirty="0"/>
+          </a:p>
+        </p:txBody>
+      </p:sp>
+      <p:sp>
+        <p:nvSpPr>
+          <p:cNvPr id="3" name="Text Placeholder 2"/>
           <p:cNvSpPr>
             <a:spLocks noGrp="1"/>
           </p:cNvSpPr>
@@ -1099,26 +1142,26 @@
         </p:nvSpPr>
         <p:spPr>
           <a:xfrm>
-            <a:off x="831850" y="4589463"/>
-            <a:ext cx="10515600" cy="1500187"/>
-          </a:xfrm>
-        </p:spPr>
-        <p:txBody>
-          <a:bodyPr/>
+            <a:off x="833191" y="4010334"/>
+            <a:ext cx="10515600" cy="1174639"/>
+          </a:xfrm>
+        </p:spPr>
+        <p:txBody>
+          <a:bodyPr anchor="t">
+            <a:normAutofit/>
+          </a:bodyPr>
           <a:lstStyle>
-            <a:lvl1pPr marL="0" indent="0">
-              <a:buNone/>
-              <a:defRPr sz="2400">
+            <a:lvl1pPr marL="0" indent="0" algn="ctr">
+              <a:buNone/>
+              <a:defRPr sz="2000">
                 <a:solidFill>
-                  <a:schemeClr val="tx1">
-                    <a:tint val="75000"/>
-                  </a:schemeClr>
+                  <a:schemeClr val="tx2"/>
                 </a:solidFill>
               </a:defRPr>
             </a:lvl1pPr>
             <a:lvl2pPr marL="457200" indent="0">
               <a:buNone/>
-              <a:defRPr sz="2000">
+              <a:defRPr sz="1800">
                 <a:solidFill>
                   <a:schemeClr val="tx1">
                     <a:tint val="75000"/>
@@ -1128,7 +1171,7 @@
             </a:lvl2pPr>
             <a:lvl3pPr marL="914400" indent="0">
               <a:buNone/>
-              <a:defRPr sz="1800">
+              <a:defRPr sz="1600">
                 <a:solidFill>
                   <a:schemeClr val="tx1">
                     <a:tint val="75000"/>
@@ -1138,7 +1181,7 @@
             </a:lvl3pPr>
             <a:lvl4pPr marL="1371600" indent="0">
               <a:buNone/>
-              <a:defRPr sz="1600">
+              <a:defRPr sz="1400">
                 <a:solidFill>
                   <a:schemeClr val="tx1">
                     <a:tint val="75000"/>
@@ -1148,7 +1191,7 @@
             </a:lvl4pPr>
             <a:lvl5pPr marL="1828800" indent="0">
               <a:buNone/>
-              <a:defRPr sz="1600">
+              <a:defRPr sz="1400">
                 <a:solidFill>
                   <a:schemeClr val="tx1">
                     <a:tint val="75000"/>
@@ -1158,7 +1201,7 @@
             </a:lvl5pPr>
             <a:lvl6pPr marL="2286000" indent="0">
               <a:buNone/>
-              <a:defRPr sz="1600">
+              <a:defRPr sz="1400">
                 <a:solidFill>
                   <a:schemeClr val="tx1">
                     <a:tint val="75000"/>
@@ -1168,7 +1211,7 @@
             </a:lvl6pPr>
             <a:lvl7pPr marL="2743200" indent="0">
               <a:buNone/>
-              <a:defRPr sz="1600">
+              <a:defRPr sz="1400">
                 <a:solidFill>
                   <a:schemeClr val="tx1">
                     <a:tint val="75000"/>
@@ -1178,7 +1221,7 @@
             </a:lvl7pPr>
             <a:lvl8pPr marL="3200400" indent="0">
               <a:buNone/>
-              <a:defRPr sz="1600">
+              <a:defRPr sz="1400">
                 <a:solidFill>
                   <a:schemeClr val="tx1">
                     <a:tint val="75000"/>
@@ -1188,7 +1231,7 @@
             </a:lvl8pPr>
             <a:lvl9pPr marL="3657600" indent="0">
               <a:buNone/>
-              <a:defRPr sz="1600">
+              <a:defRPr sz="1400">
                 <a:solidFill>
                   <a:schemeClr val="tx1">
                     <a:tint val="75000"/>
@@ -1200,7 +1243,7 @@
           <a:p>
             <a:pPr lvl="0"/>
             <a:r>
-              <a:rPr kumimoji="1" lang="ja-JP" altLang="en-US"/>
+              <a:rPr lang="ja-JP" altLang="en-US"/>
               <a:t>マスター テキストの書式設定</a:t>
             </a:r>
           </a:p>
@@ -1208,13 +1251,7 @@
       </p:sp>
       <p:sp>
         <p:nvSpPr>
-          <p:cNvPr id="4" name="日付プレースホルダー 3">
-            <a:extLst>
-              <a:ext uri="{FF2B5EF4-FFF2-40B4-BE49-F238E27FC236}">
-                <a16:creationId xmlns:a16="http://schemas.microsoft.com/office/drawing/2014/main" id="{A6274E96-BDA8-45C4-8486-311077EE3EFC}"/>
-              </a:ext>
-            </a:extLst>
-          </p:cNvPr>
+          <p:cNvPr id="4" name="Date Placeholder 3"/>
           <p:cNvSpPr>
             <a:spLocks noGrp="1"/>
           </p:cNvSpPr>
@@ -1225,7 +1262,15 @@
         <p:spPr/>
         <p:txBody>
           <a:bodyPr/>
-          <a:lstStyle/>
+          <a:lstStyle>
+            <a:lvl1pPr>
+              <a:defRPr>
+                <a:solidFill>
+                  <a:schemeClr val="tx2"/>
+                </a:solidFill>
+              </a:defRPr>
+            </a:lvl1pPr>
+          </a:lstStyle>
           <a:p>
             <a:fld id="{B54082EB-7310-4475-A08C-DCB487D4A438}" type="datetimeFigureOut">
               <a:rPr kumimoji="1" lang="ja-JP" altLang="en-US" smtClean="0"/>
@@ -1237,13 +1282,7 @@
       </p:sp>
       <p:sp>
         <p:nvSpPr>
-          <p:cNvPr id="5" name="フッター プレースホルダー 4">
-            <a:extLst>
-              <a:ext uri="{FF2B5EF4-FFF2-40B4-BE49-F238E27FC236}">
-                <a16:creationId xmlns:a16="http://schemas.microsoft.com/office/drawing/2014/main" id="{9AAD525C-685C-4871-8C9D-6842D45D7552}"/>
-              </a:ext>
-            </a:extLst>
-          </p:cNvPr>
+          <p:cNvPr id="5" name="Footer Placeholder 4"/>
           <p:cNvSpPr>
             <a:spLocks noGrp="1"/>
           </p:cNvSpPr>
@@ -1254,7 +1293,15 @@
         <p:spPr/>
         <p:txBody>
           <a:bodyPr/>
-          <a:lstStyle/>
+          <a:lstStyle>
+            <a:lvl1pPr>
+              <a:defRPr>
+                <a:solidFill>
+                  <a:schemeClr val="tx2"/>
+                </a:solidFill>
+              </a:defRPr>
+            </a:lvl1pPr>
+          </a:lstStyle>
           <a:p>
             <a:endParaRPr kumimoji="1" lang="ja-JP" altLang="en-US"/>
           </a:p>
@@ -1262,13 +1309,7 @@
       </p:sp>
       <p:sp>
         <p:nvSpPr>
-          <p:cNvPr id="6" name="スライド番号プレースホルダー 5">
-            <a:extLst>
-              <a:ext uri="{FF2B5EF4-FFF2-40B4-BE49-F238E27FC236}">
-                <a16:creationId xmlns:a16="http://schemas.microsoft.com/office/drawing/2014/main" id="{42D0A644-0D48-49F2-ADE4-AF26C53E19B3}"/>
-              </a:ext>
-            </a:extLst>
-          </p:cNvPr>
+          <p:cNvPr id="6" name="Slide Number Placeholder 5"/>
           <p:cNvSpPr>
             <a:spLocks noGrp="1"/>
           </p:cNvSpPr>
@@ -1279,7 +1320,15 @@
         <p:spPr/>
         <p:txBody>
           <a:bodyPr/>
-          <a:lstStyle/>
+          <a:lstStyle>
+            <a:lvl1pPr>
+              <a:defRPr>
+                <a:solidFill>
+                  <a:schemeClr val="tx2"/>
+                </a:solidFill>
+              </a:defRPr>
+            </a:lvl1pPr>
+          </a:lstStyle>
           <a:p>
             <a:fld id="{F1E6B135-549C-4FBB-A38B-275489D4A0A4}" type="slidenum">
               <a:rPr kumimoji="1" lang="ja-JP" altLang="en-US" smtClean="0"/>
@@ -1292,12 +1341,12 @@
     </p:spTree>
     <p:extLst>
       <p:ext uri="{BB962C8B-B14F-4D97-AF65-F5344CB8AC3E}">
-        <p14:creationId xmlns:p14="http://schemas.microsoft.com/office/powerpoint/2010/main" val="4146301224"/>
+        <p14:creationId xmlns:p14="http://schemas.microsoft.com/office/powerpoint/2010/main" val="4068447984"/>
       </p:ext>
     </p:extLst>
   </p:cSld>
   <p:clrMapOvr>
-    <a:masterClrMapping/>
+    <a:overrideClrMapping bg1="lt1" tx1="dk1" bg2="lt2" tx2="dk2" accent1="accent1" accent2="accent2" accent3="accent3" accent4="accent4" accent5="accent5" accent6="accent6" hlink="hlink" folHlink="folHlink"/>
   </p:clrMapOvr>
 </p:sldLayout>
 </file>
@@ -1321,13 +1370,7 @@
       </p:grpSpPr>
       <p:sp>
         <p:nvSpPr>
-          <p:cNvPr id="2" name="タイトル 1">
-            <a:extLst>
-              <a:ext uri="{FF2B5EF4-FFF2-40B4-BE49-F238E27FC236}">
-                <a16:creationId xmlns:a16="http://schemas.microsoft.com/office/drawing/2014/main" id="{FCD9B96D-CD56-4131-BF43-72A41CFBF57B}"/>
-              </a:ext>
-            </a:extLst>
-          </p:cNvPr>
+          <p:cNvPr id="8" name="Title 7"/>
           <p:cNvSpPr>
             <a:spLocks noGrp="1"/>
           </p:cNvSpPr>
@@ -1341,21 +1384,16 @@
           <a:lstStyle/>
           <a:p>
             <a:r>
-              <a:rPr kumimoji="1" lang="ja-JP" altLang="en-US"/>
+              <a:rPr lang="ja-JP" altLang="en-US"/>
               <a:t>マスター タイトルの書式設定</a:t>
             </a:r>
-          </a:p>
-        </p:txBody>
-      </p:sp>
-      <p:sp>
-        <p:nvSpPr>
-          <p:cNvPr id="3" name="コンテンツ プレースホルダー 2">
-            <a:extLst>
-              <a:ext uri="{FF2B5EF4-FFF2-40B4-BE49-F238E27FC236}">
-                <a16:creationId xmlns:a16="http://schemas.microsoft.com/office/drawing/2014/main" id="{368E8986-15DF-499E-A1C7-454BDB1AB796}"/>
-              </a:ext>
-            </a:extLst>
-          </p:cNvPr>
+            <a:endParaRPr lang="en-US" dirty="0"/>
+          </a:p>
+        </p:txBody>
+      </p:sp>
+      <p:sp>
+        <p:nvSpPr>
+          <p:cNvPr id="3" name="Content Placeholder 2"/>
           <p:cNvSpPr>
             <a:spLocks noGrp="1"/>
           </p:cNvSpPr>
@@ -1365,91 +1403,114 @@
         </p:nvSpPr>
         <p:spPr>
           <a:xfrm>
-            <a:off x="838200" y="1825625"/>
-            <a:ext cx="5181600" cy="4351338"/>
+            <a:off x="1205344" y="2011680"/>
+            <a:ext cx="4754880" cy="4206240"/>
           </a:xfrm>
         </p:spPr>
         <p:txBody>
           <a:bodyPr/>
-          <a:lstStyle/>
+          <a:lstStyle>
+            <a:lvl1pPr>
+              <a:defRPr sz="2200"/>
+            </a:lvl1pPr>
+            <a:lvl2pPr>
+              <a:defRPr sz="2000"/>
+            </a:lvl2pPr>
+            <a:lvl3pPr>
+              <a:defRPr sz="1800"/>
+            </a:lvl3pPr>
+            <a:lvl4pPr>
+              <a:defRPr sz="1600"/>
+            </a:lvl4pPr>
+            <a:lvl5pPr>
+              <a:defRPr sz="1600"/>
+            </a:lvl5pPr>
+            <a:lvl6pPr>
+              <a:defRPr sz="1600"/>
+            </a:lvl6pPr>
+            <a:lvl7pPr>
+              <a:defRPr sz="1600"/>
+            </a:lvl7pPr>
+            <a:lvl8pPr>
+              <a:defRPr sz="1600"/>
+            </a:lvl8pPr>
+            <a:lvl9pPr>
+              <a:defRPr sz="1600"/>
+            </a:lvl9pPr>
+          </a:lstStyle>
           <a:p>
             <a:pPr lvl="0"/>
             <a:r>
-              <a:rPr kumimoji="1" lang="ja-JP" altLang="en-US"/>
+              <a:rPr lang="ja-JP" altLang="en-US"/>
               <a:t>マスター テキストの書式設定</a:t>
             </a:r>
           </a:p>
           <a:p>
             <a:pPr lvl="1"/>
             <a:r>
-              <a:rPr kumimoji="1" lang="ja-JP" altLang="en-US"/>
+              <a:rPr lang="ja-JP" altLang="en-US"/>
               <a:t>第 </a:t>
             </a:r>
             <a:r>
-              <a:rPr kumimoji="1" lang="en-US" altLang="ja-JP"/>
+              <a:rPr lang="en-US" altLang="ja-JP"/>
               <a:t>2 </a:t>
             </a:r>
             <a:r>
-              <a:rPr kumimoji="1" lang="ja-JP" altLang="en-US"/>
+              <a:rPr lang="ja-JP" altLang="en-US"/>
               <a:t>レベル</a:t>
             </a:r>
           </a:p>
           <a:p>
             <a:pPr lvl="2"/>
             <a:r>
-              <a:rPr kumimoji="1" lang="ja-JP" altLang="en-US"/>
+              <a:rPr lang="ja-JP" altLang="en-US"/>
               <a:t>第 </a:t>
             </a:r>
             <a:r>
-              <a:rPr kumimoji="1" lang="en-US" altLang="ja-JP"/>
+              <a:rPr lang="en-US" altLang="ja-JP"/>
               <a:t>3 </a:t>
             </a:r>
             <a:r>
-              <a:rPr kumimoji="1" lang="ja-JP" altLang="en-US"/>
+              <a:rPr lang="ja-JP" altLang="en-US"/>
               <a:t>レベル</a:t>
             </a:r>
           </a:p>
           <a:p>
             <a:pPr lvl="3"/>
             <a:r>
-              <a:rPr kumimoji="1" lang="ja-JP" altLang="en-US"/>
+              <a:rPr lang="ja-JP" altLang="en-US"/>
               <a:t>第 </a:t>
             </a:r>
             <a:r>
-              <a:rPr kumimoji="1" lang="en-US" altLang="ja-JP"/>
+              <a:rPr lang="en-US" altLang="ja-JP"/>
               <a:t>4 </a:t>
             </a:r>
             <a:r>
-              <a:rPr kumimoji="1" lang="ja-JP" altLang="en-US"/>
+              <a:rPr lang="ja-JP" altLang="en-US"/>
               <a:t>レベル</a:t>
             </a:r>
           </a:p>
           <a:p>
             <a:pPr lvl="4"/>
             <a:r>
-              <a:rPr kumimoji="1" lang="ja-JP" altLang="en-US"/>
+              <a:rPr lang="ja-JP" altLang="en-US"/>
               <a:t>第 </a:t>
             </a:r>
             <a:r>
-              <a:rPr kumimoji="1" lang="en-US" altLang="ja-JP"/>
+              <a:rPr lang="en-US" altLang="ja-JP"/>
               <a:t>5 </a:t>
             </a:r>
             <a:r>
-              <a:rPr kumimoji="1" lang="ja-JP" altLang="en-US"/>
+              <a:rPr lang="ja-JP" altLang="en-US"/>
               <a:t>レベル</a:t>
             </a:r>
-          </a:p>
-        </p:txBody>
-      </p:sp>
-      <p:sp>
-        <p:nvSpPr>
-          <p:cNvPr id="4" name="コンテンツ プレースホルダー 3">
-            <a:extLst>
-              <a:ext uri="{FF2B5EF4-FFF2-40B4-BE49-F238E27FC236}">
-                <a16:creationId xmlns:a16="http://schemas.microsoft.com/office/drawing/2014/main" id="{4B888D50-E507-4B2A-A379-B52290475698}"/>
-              </a:ext>
-            </a:extLst>
-          </p:cNvPr>
+            <a:endParaRPr lang="en-US" dirty="0"/>
+          </a:p>
+        </p:txBody>
+      </p:sp>
+      <p:sp>
+        <p:nvSpPr>
+          <p:cNvPr id="4" name="Content Placeholder 3"/>
           <p:cNvSpPr>
             <a:spLocks noGrp="1"/>
           </p:cNvSpPr>
@@ -1459,91 +1520,114 @@
         </p:nvSpPr>
         <p:spPr>
           <a:xfrm>
-            <a:off x="6172200" y="1825625"/>
-            <a:ext cx="5181600" cy="4351338"/>
+            <a:off x="6230391" y="2011680"/>
+            <a:ext cx="4754880" cy="4206240"/>
           </a:xfrm>
         </p:spPr>
         <p:txBody>
           <a:bodyPr/>
-          <a:lstStyle/>
+          <a:lstStyle>
+            <a:lvl1pPr>
+              <a:defRPr sz="2200"/>
+            </a:lvl1pPr>
+            <a:lvl2pPr>
+              <a:defRPr sz="2000"/>
+            </a:lvl2pPr>
+            <a:lvl3pPr>
+              <a:defRPr sz="1800"/>
+            </a:lvl3pPr>
+            <a:lvl4pPr>
+              <a:defRPr sz="1600"/>
+            </a:lvl4pPr>
+            <a:lvl5pPr>
+              <a:defRPr sz="1600"/>
+            </a:lvl5pPr>
+            <a:lvl6pPr>
+              <a:defRPr sz="1600"/>
+            </a:lvl6pPr>
+            <a:lvl7pPr>
+              <a:defRPr sz="1600"/>
+            </a:lvl7pPr>
+            <a:lvl8pPr>
+              <a:defRPr sz="1600"/>
+            </a:lvl8pPr>
+            <a:lvl9pPr>
+              <a:defRPr sz="1600"/>
+            </a:lvl9pPr>
+          </a:lstStyle>
           <a:p>
             <a:pPr lvl="0"/>
             <a:r>
-              <a:rPr kumimoji="1" lang="ja-JP" altLang="en-US"/>
+              <a:rPr lang="ja-JP" altLang="en-US"/>
               <a:t>マスター テキストの書式設定</a:t>
             </a:r>
           </a:p>
           <a:p>
             <a:pPr lvl="1"/>
             <a:r>
-              <a:rPr kumimoji="1" lang="ja-JP" altLang="en-US"/>
+              <a:rPr lang="ja-JP" altLang="en-US"/>
               <a:t>第 </a:t>
             </a:r>
             <a:r>
-              <a:rPr kumimoji="1" lang="en-US" altLang="ja-JP"/>
+              <a:rPr lang="en-US" altLang="ja-JP"/>
               <a:t>2 </a:t>
             </a:r>
             <a:r>
-              <a:rPr kumimoji="1" lang="ja-JP" altLang="en-US"/>
+              <a:rPr lang="ja-JP" altLang="en-US"/>
               <a:t>レベル</a:t>
             </a:r>
           </a:p>
           <a:p>
             <a:pPr lvl="2"/>
             <a:r>
-              <a:rPr kumimoji="1" lang="ja-JP" altLang="en-US"/>
+              <a:rPr lang="ja-JP" altLang="en-US"/>
               <a:t>第 </a:t>
             </a:r>
             <a:r>
-              <a:rPr kumimoji="1" lang="en-US" altLang="ja-JP"/>
+              <a:rPr lang="en-US" altLang="ja-JP"/>
               <a:t>3 </a:t>
             </a:r>
             <a:r>
-              <a:rPr kumimoji="1" lang="ja-JP" altLang="en-US"/>
+              <a:rPr lang="ja-JP" altLang="en-US"/>
               <a:t>レベル</a:t>
             </a:r>
           </a:p>
           <a:p>
             <a:pPr lvl="3"/>
             <a:r>
-              <a:rPr kumimoji="1" lang="ja-JP" altLang="en-US"/>
+              <a:rPr lang="ja-JP" altLang="en-US"/>
               <a:t>第 </a:t>
             </a:r>
             <a:r>
-              <a:rPr kumimoji="1" lang="en-US" altLang="ja-JP"/>
+              <a:rPr lang="en-US" altLang="ja-JP"/>
               <a:t>4 </a:t>
             </a:r>
             <a:r>
-              <a:rPr kumimoji="1" lang="ja-JP" altLang="en-US"/>
+              <a:rPr lang="ja-JP" altLang="en-US"/>
               <a:t>レベル</a:t>
             </a:r>
           </a:p>
           <a:p>
             <a:pPr lvl="4"/>
             <a:r>
-              <a:rPr kumimoji="1" lang="ja-JP" altLang="en-US"/>
+              <a:rPr lang="ja-JP" altLang="en-US"/>
               <a:t>第 </a:t>
             </a:r>
             <a:r>
-              <a:rPr kumimoji="1" lang="en-US" altLang="ja-JP"/>
+              <a:rPr lang="en-US" altLang="ja-JP"/>
               <a:t>5 </a:t>
             </a:r>
             <a:r>
-              <a:rPr kumimoji="1" lang="ja-JP" altLang="en-US"/>
+              <a:rPr lang="ja-JP" altLang="en-US"/>
               <a:t>レベル</a:t>
             </a:r>
-          </a:p>
-        </p:txBody>
-      </p:sp>
-      <p:sp>
-        <p:nvSpPr>
-          <p:cNvPr id="5" name="日付プレースホルダー 4">
-            <a:extLst>
-              <a:ext uri="{FF2B5EF4-FFF2-40B4-BE49-F238E27FC236}">
-                <a16:creationId xmlns:a16="http://schemas.microsoft.com/office/drawing/2014/main" id="{C9520F7F-CA2F-421B-8C44-DB55900A06F4}"/>
-              </a:ext>
-            </a:extLst>
-          </p:cNvPr>
+            <a:endParaRPr lang="en-US" dirty="0"/>
+          </a:p>
+        </p:txBody>
+      </p:sp>
+      <p:sp>
+        <p:nvSpPr>
+          <p:cNvPr id="5" name="Date Placeholder 4"/>
           <p:cNvSpPr>
             <a:spLocks noGrp="1"/>
           </p:cNvSpPr>
@@ -1566,13 +1650,7 @@
       </p:sp>
       <p:sp>
         <p:nvSpPr>
-          <p:cNvPr id="6" name="フッター プレースホルダー 5">
-            <a:extLst>
-              <a:ext uri="{FF2B5EF4-FFF2-40B4-BE49-F238E27FC236}">
-                <a16:creationId xmlns:a16="http://schemas.microsoft.com/office/drawing/2014/main" id="{43C954D3-43B6-41D9-9772-BFE375B3669A}"/>
-              </a:ext>
-            </a:extLst>
-          </p:cNvPr>
+          <p:cNvPr id="6" name="Footer Placeholder 5"/>
           <p:cNvSpPr>
             <a:spLocks noGrp="1"/>
           </p:cNvSpPr>
@@ -1591,13 +1669,7 @@
       </p:sp>
       <p:sp>
         <p:nvSpPr>
-          <p:cNvPr id="7" name="スライド番号プレースホルダー 6">
-            <a:extLst>
-              <a:ext uri="{FF2B5EF4-FFF2-40B4-BE49-F238E27FC236}">
-                <a16:creationId xmlns:a16="http://schemas.microsoft.com/office/drawing/2014/main" id="{3E46FB55-B783-4050-8051-2C7410C80D5F}"/>
-              </a:ext>
-            </a:extLst>
-          </p:cNvPr>
+          <p:cNvPr id="7" name="Slide Number Placeholder 6"/>
           <p:cNvSpPr>
             <a:spLocks noGrp="1"/>
           </p:cNvSpPr>
@@ -1621,7 +1693,7 @@
     </p:spTree>
     <p:extLst>
       <p:ext uri="{BB962C8B-B14F-4D97-AF65-F5344CB8AC3E}">
-        <p14:creationId xmlns:p14="http://schemas.microsoft.com/office/powerpoint/2010/main" val="12261268"/>
+        <p14:creationId xmlns:p14="http://schemas.microsoft.com/office/powerpoint/2010/main" val="3279906686"/>
       </p:ext>
     </p:extLst>
   </p:cSld>
@@ -1650,13 +1722,7 @@
       </p:grpSpPr>
       <p:sp>
         <p:nvSpPr>
-          <p:cNvPr id="2" name="タイトル 1">
-            <a:extLst>
-              <a:ext uri="{FF2B5EF4-FFF2-40B4-BE49-F238E27FC236}">
-                <a16:creationId xmlns:a16="http://schemas.microsoft.com/office/drawing/2014/main" id="{A8A6C304-1E8B-4913-A578-D750C561B836}"/>
-              </a:ext>
-            </a:extLst>
-          </p:cNvPr>
+          <p:cNvPr id="10" name="Title 9"/>
           <p:cNvSpPr>
             <a:spLocks noGrp="1"/>
           </p:cNvSpPr>
@@ -1664,32 +1730,22 @@
             <p:ph type="title"/>
           </p:nvPr>
         </p:nvSpPr>
-        <p:spPr>
-          <a:xfrm>
-            <a:off x="839788" y="365125"/>
-            <a:ext cx="10515600" cy="1325563"/>
-          </a:xfrm>
-        </p:spPr>
+        <p:spPr/>
         <p:txBody>
           <a:bodyPr/>
           <a:lstStyle/>
           <a:p>
             <a:r>
-              <a:rPr kumimoji="1" lang="ja-JP" altLang="en-US"/>
+              <a:rPr lang="ja-JP" altLang="en-US"/>
               <a:t>マスター タイトルの書式設定</a:t>
             </a:r>
-          </a:p>
-        </p:txBody>
-      </p:sp>
-      <p:sp>
-        <p:nvSpPr>
-          <p:cNvPr id="3" name="テキスト プレースホルダー 2">
-            <a:extLst>
-              <a:ext uri="{FF2B5EF4-FFF2-40B4-BE49-F238E27FC236}">
-                <a16:creationId xmlns:a16="http://schemas.microsoft.com/office/drawing/2014/main" id="{916C5997-66F4-47A2-AE4F-5950A158F15A}"/>
-              </a:ext>
-            </a:extLst>
-          </p:cNvPr>
+            <a:endParaRPr lang="en-US" dirty="0"/>
+          </a:p>
+        </p:txBody>
+      </p:sp>
+      <p:sp>
+        <p:nvSpPr>
+          <p:cNvPr id="3" name="Text Placeholder 2"/>
           <p:cNvSpPr>
             <a:spLocks noGrp="1"/>
           </p:cNvSpPr>
@@ -1699,16 +1755,18 @@
         </p:nvSpPr>
         <p:spPr>
           <a:xfrm>
-            <a:off x="839788" y="1681163"/>
-            <a:ext cx="5157787" cy="823912"/>
-          </a:xfrm>
-        </p:spPr>
-        <p:txBody>
-          <a:bodyPr anchor="b"/>
+            <a:off x="1207008" y="1913470"/>
+            <a:ext cx="4754880" cy="743094"/>
+          </a:xfrm>
+        </p:spPr>
+        <p:txBody>
+          <a:bodyPr anchor="ctr">
+            <a:normAutofit/>
+          </a:bodyPr>
           <a:lstStyle>
             <a:lvl1pPr marL="0" indent="0">
               <a:buNone/>
-              <a:defRPr sz="2400" b="1"/>
+              <a:defRPr sz="2100" b="1"/>
             </a:lvl1pPr>
             <a:lvl2pPr marL="457200" indent="0">
               <a:buNone/>
@@ -1746,7 +1804,7 @@
           <a:p>
             <a:pPr lvl="0"/>
             <a:r>
-              <a:rPr kumimoji="1" lang="ja-JP" altLang="en-US"/>
+              <a:rPr lang="ja-JP" altLang="en-US"/>
               <a:t>マスター テキストの書式設定</a:t>
             </a:r>
           </a:p>
@@ -1754,13 +1812,7 @@
       </p:sp>
       <p:sp>
         <p:nvSpPr>
-          <p:cNvPr id="4" name="コンテンツ プレースホルダー 3">
-            <a:extLst>
-              <a:ext uri="{FF2B5EF4-FFF2-40B4-BE49-F238E27FC236}">
-                <a16:creationId xmlns:a16="http://schemas.microsoft.com/office/drawing/2014/main" id="{27125EE6-558D-4455-BDED-D6B7A6E17517}"/>
-              </a:ext>
-            </a:extLst>
-          </p:cNvPr>
+          <p:cNvPr id="4" name="Content Placeholder 3"/>
           <p:cNvSpPr>
             <a:spLocks noGrp="1"/>
           </p:cNvSpPr>
@@ -1770,91 +1822,114 @@
         </p:nvSpPr>
         <p:spPr>
           <a:xfrm>
-            <a:off x="839788" y="2505075"/>
-            <a:ext cx="5157787" cy="3684588"/>
+            <a:off x="1207008" y="2656566"/>
+            <a:ext cx="4754880" cy="3566160"/>
           </a:xfrm>
         </p:spPr>
         <p:txBody>
           <a:bodyPr/>
-          <a:lstStyle/>
+          <a:lstStyle>
+            <a:lvl1pPr>
+              <a:defRPr sz="2200"/>
+            </a:lvl1pPr>
+            <a:lvl2pPr>
+              <a:defRPr sz="2000"/>
+            </a:lvl2pPr>
+            <a:lvl3pPr>
+              <a:defRPr sz="1800"/>
+            </a:lvl3pPr>
+            <a:lvl4pPr>
+              <a:defRPr sz="1600"/>
+            </a:lvl4pPr>
+            <a:lvl5pPr>
+              <a:defRPr sz="1600"/>
+            </a:lvl5pPr>
+            <a:lvl6pPr>
+              <a:defRPr sz="1600"/>
+            </a:lvl6pPr>
+            <a:lvl7pPr>
+              <a:defRPr sz="1600"/>
+            </a:lvl7pPr>
+            <a:lvl8pPr>
+              <a:defRPr sz="1600"/>
+            </a:lvl8pPr>
+            <a:lvl9pPr>
+              <a:defRPr sz="1600"/>
+            </a:lvl9pPr>
+          </a:lstStyle>
           <a:p>
             <a:pPr lvl="0"/>
             <a:r>
-              <a:rPr kumimoji="1" lang="ja-JP" altLang="en-US"/>
+              <a:rPr lang="ja-JP" altLang="en-US"/>
               <a:t>マスター テキストの書式設定</a:t>
             </a:r>
           </a:p>
           <a:p>
             <a:pPr lvl="1"/>
             <a:r>
-              <a:rPr kumimoji="1" lang="ja-JP" altLang="en-US"/>
+              <a:rPr lang="ja-JP" altLang="en-US"/>
               <a:t>第 </a:t>
             </a:r>
             <a:r>
-              <a:rPr kumimoji="1" lang="en-US" altLang="ja-JP"/>
+              <a:rPr lang="en-US" altLang="ja-JP"/>
               <a:t>2 </a:t>
             </a:r>
             <a:r>
-              <a:rPr kumimoji="1" lang="ja-JP" altLang="en-US"/>
+              <a:rPr lang="ja-JP" altLang="en-US"/>
               <a:t>レベル</a:t>
             </a:r>
           </a:p>
           <a:p>
             <a:pPr lvl="2"/>
             <a:r>
-              <a:rPr kumimoji="1" lang="ja-JP" altLang="en-US"/>
+              <a:rPr lang="ja-JP" altLang="en-US"/>
               <a:t>第 </a:t>
             </a:r>
             <a:r>
-              <a:rPr kumimoji="1" lang="en-US" altLang="ja-JP"/>
+              <a:rPr lang="en-US" altLang="ja-JP"/>
               <a:t>3 </a:t>
             </a:r>
             <a:r>
-              <a:rPr kumimoji="1" lang="ja-JP" altLang="en-US"/>
+              <a:rPr lang="ja-JP" altLang="en-US"/>
               <a:t>レベル</a:t>
             </a:r>
           </a:p>
           <a:p>
             <a:pPr lvl="3"/>
             <a:r>
-              <a:rPr kumimoji="1" lang="ja-JP" altLang="en-US"/>
+              <a:rPr lang="ja-JP" altLang="en-US"/>
               <a:t>第 </a:t>
             </a:r>
             <a:r>
-              <a:rPr kumimoji="1" lang="en-US" altLang="ja-JP"/>
+              <a:rPr lang="en-US" altLang="ja-JP"/>
               <a:t>4 </a:t>
             </a:r>
             <a:r>
-              <a:rPr kumimoji="1" lang="ja-JP" altLang="en-US"/>
+              <a:rPr lang="ja-JP" altLang="en-US"/>
               <a:t>レベル</a:t>
             </a:r>
           </a:p>
           <a:p>
             <a:pPr lvl="4"/>
             <a:r>
-              <a:rPr kumimoji="1" lang="ja-JP" altLang="en-US"/>
+              <a:rPr lang="ja-JP" altLang="en-US"/>
               <a:t>第 </a:t>
             </a:r>
             <a:r>
-              <a:rPr kumimoji="1" lang="en-US" altLang="ja-JP"/>
+              <a:rPr lang="en-US" altLang="ja-JP"/>
               <a:t>5 </a:t>
             </a:r>
             <a:r>
-              <a:rPr kumimoji="1" lang="ja-JP" altLang="en-US"/>
+              <a:rPr lang="ja-JP" altLang="en-US"/>
               <a:t>レベル</a:t>
             </a:r>
-          </a:p>
-        </p:txBody>
-      </p:sp>
-      <p:sp>
-        <p:nvSpPr>
-          <p:cNvPr id="5" name="テキスト プレースホルダー 4">
-            <a:extLst>
-              <a:ext uri="{FF2B5EF4-FFF2-40B4-BE49-F238E27FC236}">
-                <a16:creationId xmlns:a16="http://schemas.microsoft.com/office/drawing/2014/main" id="{EA067183-90F6-4EDF-9B66-A291E2860B42}"/>
-              </a:ext>
-            </a:extLst>
-          </p:cNvPr>
+            <a:endParaRPr lang="en-US" dirty="0"/>
+          </a:p>
+        </p:txBody>
+      </p:sp>
+      <p:sp>
+        <p:nvSpPr>
+          <p:cNvPr id="5" name="Text Placeholder 4"/>
           <p:cNvSpPr>
             <a:spLocks noGrp="1"/>
           </p:cNvSpPr>
@@ -1864,16 +1939,18 @@
         </p:nvSpPr>
         <p:spPr>
           <a:xfrm>
-            <a:off x="6172200" y="1681163"/>
-            <a:ext cx="5183188" cy="823912"/>
-          </a:xfrm>
-        </p:spPr>
-        <p:txBody>
-          <a:bodyPr anchor="b"/>
+            <a:off x="6231230" y="1913470"/>
+            <a:ext cx="4754880" cy="743094"/>
+          </a:xfrm>
+        </p:spPr>
+        <p:txBody>
+          <a:bodyPr anchor="ctr">
+            <a:normAutofit/>
+          </a:bodyPr>
           <a:lstStyle>
             <a:lvl1pPr marL="0" indent="0">
               <a:buNone/>
-              <a:defRPr sz="2400" b="1"/>
+              <a:defRPr sz="2100" b="1"/>
             </a:lvl1pPr>
             <a:lvl2pPr marL="457200" indent="0">
               <a:buNone/>
@@ -1911,7 +1988,7 @@
           <a:p>
             <a:pPr lvl="0"/>
             <a:r>
-              <a:rPr kumimoji="1" lang="ja-JP" altLang="en-US"/>
+              <a:rPr lang="ja-JP" altLang="en-US"/>
               <a:t>マスター テキストの書式設定</a:t>
             </a:r>
           </a:p>
@@ -1919,13 +1996,7 @@
       </p:sp>
       <p:sp>
         <p:nvSpPr>
-          <p:cNvPr id="6" name="コンテンツ プレースホルダー 5">
-            <a:extLst>
-              <a:ext uri="{FF2B5EF4-FFF2-40B4-BE49-F238E27FC236}">
-                <a16:creationId xmlns:a16="http://schemas.microsoft.com/office/drawing/2014/main" id="{BB754655-791C-4D88-A8D9-FDB0DD028222}"/>
-              </a:ext>
-            </a:extLst>
-          </p:cNvPr>
+          <p:cNvPr id="6" name="Content Placeholder 5"/>
           <p:cNvSpPr>
             <a:spLocks noGrp="1"/>
           </p:cNvSpPr>
@@ -1935,91 +2006,114 @@
         </p:nvSpPr>
         <p:spPr>
           <a:xfrm>
-            <a:off x="6172200" y="2505075"/>
-            <a:ext cx="5183188" cy="3684588"/>
+            <a:off x="6231230" y="2656564"/>
+            <a:ext cx="4754880" cy="3566160"/>
           </a:xfrm>
         </p:spPr>
         <p:txBody>
           <a:bodyPr/>
-          <a:lstStyle/>
+          <a:lstStyle>
+            <a:lvl1pPr>
+              <a:defRPr sz="2200"/>
+            </a:lvl1pPr>
+            <a:lvl2pPr>
+              <a:defRPr sz="2000"/>
+            </a:lvl2pPr>
+            <a:lvl3pPr>
+              <a:defRPr sz="1800"/>
+            </a:lvl3pPr>
+            <a:lvl4pPr>
+              <a:defRPr sz="1600"/>
+            </a:lvl4pPr>
+            <a:lvl5pPr>
+              <a:defRPr sz="1600"/>
+            </a:lvl5pPr>
+            <a:lvl6pPr>
+              <a:defRPr sz="1600"/>
+            </a:lvl6pPr>
+            <a:lvl7pPr>
+              <a:defRPr sz="1600"/>
+            </a:lvl7pPr>
+            <a:lvl8pPr>
+              <a:defRPr sz="1600"/>
+            </a:lvl8pPr>
+            <a:lvl9pPr>
+              <a:defRPr sz="1600"/>
+            </a:lvl9pPr>
+          </a:lstStyle>
           <a:p>
             <a:pPr lvl="0"/>
             <a:r>
-              <a:rPr kumimoji="1" lang="ja-JP" altLang="en-US"/>
+              <a:rPr lang="ja-JP" altLang="en-US"/>
               <a:t>マスター テキストの書式設定</a:t>
             </a:r>
           </a:p>
           <a:p>
             <a:pPr lvl="1"/>
             <a:r>
-              <a:rPr kumimoji="1" lang="ja-JP" altLang="en-US"/>
+              <a:rPr lang="ja-JP" altLang="en-US"/>
               <a:t>第 </a:t>
             </a:r>
             <a:r>
-              <a:rPr kumimoji="1" lang="en-US" altLang="ja-JP"/>
+              <a:rPr lang="en-US" altLang="ja-JP"/>
               <a:t>2 </a:t>
             </a:r>
             <a:r>
-              <a:rPr kumimoji="1" lang="ja-JP" altLang="en-US"/>
+              <a:rPr lang="ja-JP" altLang="en-US"/>
               <a:t>レベル</a:t>
             </a:r>
           </a:p>
           <a:p>
             <a:pPr lvl="2"/>
             <a:r>
-              <a:rPr kumimoji="1" lang="ja-JP" altLang="en-US"/>
+              <a:rPr lang="ja-JP" altLang="en-US"/>
               <a:t>第 </a:t>
             </a:r>
             <a:r>
-              <a:rPr kumimoji="1" lang="en-US" altLang="ja-JP"/>
+              <a:rPr lang="en-US" altLang="ja-JP"/>
               <a:t>3 </a:t>
             </a:r>
             <a:r>
-              <a:rPr kumimoji="1" lang="ja-JP" altLang="en-US"/>
+              <a:rPr lang="ja-JP" altLang="en-US"/>
               <a:t>レベル</a:t>
             </a:r>
           </a:p>
           <a:p>
             <a:pPr lvl="3"/>
             <a:r>
-              <a:rPr kumimoji="1" lang="ja-JP" altLang="en-US"/>
+              <a:rPr lang="ja-JP" altLang="en-US"/>
               <a:t>第 </a:t>
             </a:r>
             <a:r>
-              <a:rPr kumimoji="1" lang="en-US" altLang="ja-JP"/>
+              <a:rPr lang="en-US" altLang="ja-JP"/>
               <a:t>4 </a:t>
             </a:r>
             <a:r>
-              <a:rPr kumimoji="1" lang="ja-JP" altLang="en-US"/>
+              <a:rPr lang="ja-JP" altLang="en-US"/>
               <a:t>レベル</a:t>
             </a:r>
           </a:p>
           <a:p>
             <a:pPr lvl="4"/>
             <a:r>
-              <a:rPr kumimoji="1" lang="ja-JP" altLang="en-US"/>
+              <a:rPr lang="ja-JP" altLang="en-US"/>
               <a:t>第 </a:t>
             </a:r>
             <a:r>
-              <a:rPr kumimoji="1" lang="en-US" altLang="ja-JP"/>
+              <a:rPr lang="en-US" altLang="ja-JP"/>
               <a:t>5 </a:t>
             </a:r>
             <a:r>
-              <a:rPr kumimoji="1" lang="ja-JP" altLang="en-US"/>
+              <a:rPr lang="ja-JP" altLang="en-US"/>
               <a:t>レベル</a:t>
             </a:r>
-          </a:p>
-        </p:txBody>
-      </p:sp>
-      <p:sp>
-        <p:nvSpPr>
-          <p:cNvPr id="7" name="日付プレースホルダー 6">
-            <a:extLst>
-              <a:ext uri="{FF2B5EF4-FFF2-40B4-BE49-F238E27FC236}">
-                <a16:creationId xmlns:a16="http://schemas.microsoft.com/office/drawing/2014/main" id="{891FE095-02C9-434D-B225-677B5A760BE2}"/>
-              </a:ext>
-            </a:extLst>
-          </p:cNvPr>
+            <a:endParaRPr lang="en-US" dirty="0"/>
+          </a:p>
+        </p:txBody>
+      </p:sp>
+      <p:sp>
+        <p:nvSpPr>
+          <p:cNvPr id="7" name="Date Placeholder 6"/>
           <p:cNvSpPr>
             <a:spLocks noGrp="1"/>
           </p:cNvSpPr>
@@ -2042,13 +2136,7 @@
       </p:sp>
       <p:sp>
         <p:nvSpPr>
-          <p:cNvPr id="8" name="フッター プレースホルダー 7">
-            <a:extLst>
-              <a:ext uri="{FF2B5EF4-FFF2-40B4-BE49-F238E27FC236}">
-                <a16:creationId xmlns:a16="http://schemas.microsoft.com/office/drawing/2014/main" id="{18859849-AE24-4EFA-B693-F1A5FAD4F1BE}"/>
-              </a:ext>
-            </a:extLst>
-          </p:cNvPr>
+          <p:cNvPr id="8" name="Footer Placeholder 7"/>
           <p:cNvSpPr>
             <a:spLocks noGrp="1"/>
           </p:cNvSpPr>
@@ -2067,13 +2155,7 @@
       </p:sp>
       <p:sp>
         <p:nvSpPr>
-          <p:cNvPr id="9" name="スライド番号プレースホルダー 8">
-            <a:extLst>
-              <a:ext uri="{FF2B5EF4-FFF2-40B4-BE49-F238E27FC236}">
-                <a16:creationId xmlns:a16="http://schemas.microsoft.com/office/drawing/2014/main" id="{341BBF90-AA0C-43E6-B520-9702F9423B12}"/>
-              </a:ext>
-            </a:extLst>
-          </p:cNvPr>
+          <p:cNvPr id="9" name="Slide Number Placeholder 8"/>
           <p:cNvSpPr>
             <a:spLocks noGrp="1"/>
           </p:cNvSpPr>
@@ -2097,7 +2179,7 @@
     </p:spTree>
     <p:extLst>
       <p:ext uri="{BB962C8B-B14F-4D97-AF65-F5344CB8AC3E}">
-        <p14:creationId xmlns:p14="http://schemas.microsoft.com/office/powerpoint/2010/main" val="2896472339"/>
+        <p14:creationId xmlns:p14="http://schemas.microsoft.com/office/powerpoint/2010/main" val="2675138336"/>
       </p:ext>
     </p:extLst>
   </p:cSld>
@@ -2126,13 +2208,7 @@
       </p:grpSpPr>
       <p:sp>
         <p:nvSpPr>
-          <p:cNvPr id="2" name="タイトル 1">
-            <a:extLst>
-              <a:ext uri="{FF2B5EF4-FFF2-40B4-BE49-F238E27FC236}">
-                <a16:creationId xmlns:a16="http://schemas.microsoft.com/office/drawing/2014/main" id="{33F2FD25-647A-4E21-A4F2-486467B3548C}"/>
-              </a:ext>
-            </a:extLst>
-          </p:cNvPr>
+          <p:cNvPr id="2" name="Title 1"/>
           <p:cNvSpPr>
             <a:spLocks noGrp="1"/>
           </p:cNvSpPr>
@@ -2146,21 +2222,16 @@
           <a:lstStyle/>
           <a:p>
             <a:r>
-              <a:rPr kumimoji="1" lang="ja-JP" altLang="en-US"/>
+              <a:rPr lang="ja-JP" altLang="en-US"/>
               <a:t>マスター タイトルの書式設定</a:t>
             </a:r>
-          </a:p>
-        </p:txBody>
-      </p:sp>
-      <p:sp>
-        <p:nvSpPr>
-          <p:cNvPr id="3" name="日付プレースホルダー 2">
-            <a:extLst>
-              <a:ext uri="{FF2B5EF4-FFF2-40B4-BE49-F238E27FC236}">
-                <a16:creationId xmlns:a16="http://schemas.microsoft.com/office/drawing/2014/main" id="{270372AF-3AE5-4F84-A322-2C08F50FEEA5}"/>
-              </a:ext>
-            </a:extLst>
-          </p:cNvPr>
+            <a:endParaRPr lang="en-US" dirty="0"/>
+          </a:p>
+        </p:txBody>
+      </p:sp>
+      <p:sp>
+        <p:nvSpPr>
+          <p:cNvPr id="3" name="Date Placeholder 2"/>
           <p:cNvSpPr>
             <a:spLocks noGrp="1"/>
           </p:cNvSpPr>
@@ -2183,13 +2254,7 @@
       </p:sp>
       <p:sp>
         <p:nvSpPr>
-          <p:cNvPr id="4" name="フッター プレースホルダー 3">
-            <a:extLst>
-              <a:ext uri="{FF2B5EF4-FFF2-40B4-BE49-F238E27FC236}">
-                <a16:creationId xmlns:a16="http://schemas.microsoft.com/office/drawing/2014/main" id="{9957F43B-7E6C-42FD-8AFA-FBA9B3F93348}"/>
-              </a:ext>
-            </a:extLst>
-          </p:cNvPr>
+          <p:cNvPr id="4" name="Footer Placeholder 3"/>
           <p:cNvSpPr>
             <a:spLocks noGrp="1"/>
           </p:cNvSpPr>
@@ -2208,13 +2273,7 @@
       </p:sp>
       <p:sp>
         <p:nvSpPr>
-          <p:cNvPr id="5" name="スライド番号プレースホルダー 4">
-            <a:extLst>
-              <a:ext uri="{FF2B5EF4-FFF2-40B4-BE49-F238E27FC236}">
-                <a16:creationId xmlns:a16="http://schemas.microsoft.com/office/drawing/2014/main" id="{7B7F5688-998B-4817-A1B5-EC2A758C8D8E}"/>
-              </a:ext>
-            </a:extLst>
-          </p:cNvPr>
+          <p:cNvPr id="5" name="Slide Number Placeholder 4"/>
           <p:cNvSpPr>
             <a:spLocks noGrp="1"/>
           </p:cNvSpPr>
@@ -2238,7 +2297,7 @@
     </p:spTree>
     <p:extLst>
       <p:ext uri="{BB962C8B-B14F-4D97-AF65-F5344CB8AC3E}">
-        <p14:creationId xmlns:p14="http://schemas.microsoft.com/office/powerpoint/2010/main" val="1206816025"/>
+        <p14:creationId xmlns:p14="http://schemas.microsoft.com/office/powerpoint/2010/main" val="2531576481"/>
       </p:ext>
     </p:extLst>
   </p:cSld>
@@ -2249,7 +2308,7 @@
 </file>
 
 <file path=ppt/slideLayouts/slideLayout7.xml><?xml version="1.0" encoding="utf-8"?>
-<p:sldLayout xmlns:a="http://schemas.openxmlformats.org/drawingml/2006/main" xmlns:r="http://schemas.openxmlformats.org/officeDocument/2006/relationships" xmlns:p="http://schemas.openxmlformats.org/presentationml/2006/main" type="blank" preserve="1">
+<p:sldLayout xmlns:a="http://schemas.openxmlformats.org/drawingml/2006/main" xmlns:r="http://schemas.openxmlformats.org/officeDocument/2006/relationships" xmlns:p="http://schemas.openxmlformats.org/presentationml/2006/main" showMasterSp="0" type="blank" preserve="1">
   <p:cSld name="白紙">
     <p:spTree>
       <p:nvGrpSpPr>
@@ -2267,13 +2326,7 @@
       </p:grpSpPr>
       <p:sp>
         <p:nvSpPr>
-          <p:cNvPr id="2" name="日付プレースホルダー 1">
-            <a:extLst>
-              <a:ext uri="{FF2B5EF4-FFF2-40B4-BE49-F238E27FC236}">
-                <a16:creationId xmlns:a16="http://schemas.microsoft.com/office/drawing/2014/main" id="{001669B4-8B77-4661-ADF2-6F55218B9DDE}"/>
-              </a:ext>
-            </a:extLst>
-          </p:cNvPr>
+          <p:cNvPr id="2" name="Date Placeholder 1"/>
           <p:cNvSpPr>
             <a:spLocks noGrp="1"/>
           </p:cNvSpPr>
@@ -2296,13 +2349,7 @@
       </p:sp>
       <p:sp>
         <p:nvSpPr>
-          <p:cNvPr id="3" name="フッター プレースホルダー 2">
-            <a:extLst>
-              <a:ext uri="{FF2B5EF4-FFF2-40B4-BE49-F238E27FC236}">
-                <a16:creationId xmlns:a16="http://schemas.microsoft.com/office/drawing/2014/main" id="{2C7A2A5A-1FFA-4F45-9061-40181C22D9A3}"/>
-              </a:ext>
-            </a:extLst>
-          </p:cNvPr>
+          <p:cNvPr id="3" name="Footer Placeholder 2"/>
           <p:cNvSpPr>
             <a:spLocks noGrp="1"/>
           </p:cNvSpPr>
@@ -2321,13 +2368,7 @@
       </p:sp>
       <p:sp>
         <p:nvSpPr>
-          <p:cNvPr id="4" name="スライド番号プレースホルダー 3">
-            <a:extLst>
-              <a:ext uri="{FF2B5EF4-FFF2-40B4-BE49-F238E27FC236}">
-                <a16:creationId xmlns:a16="http://schemas.microsoft.com/office/drawing/2014/main" id="{728C545A-AE55-46F1-97D8-B95BD5F920D0}"/>
-              </a:ext>
-            </a:extLst>
-          </p:cNvPr>
+          <p:cNvPr id="4" name="Slide Number Placeholder 3"/>
           <p:cNvSpPr>
             <a:spLocks noGrp="1"/>
           </p:cNvSpPr>
@@ -2351,7 +2392,7 @@
     </p:spTree>
     <p:extLst>
       <p:ext uri="{BB962C8B-B14F-4D97-AF65-F5344CB8AC3E}">
-        <p14:creationId xmlns:p14="http://schemas.microsoft.com/office/powerpoint/2010/main" val="281983657"/>
+        <p14:creationId xmlns:p14="http://schemas.microsoft.com/office/powerpoint/2010/main" val="676180849"/>
       </p:ext>
     </p:extLst>
   </p:cSld>
@@ -2380,13 +2421,7 @@
       </p:grpSpPr>
       <p:sp>
         <p:nvSpPr>
-          <p:cNvPr id="2" name="タイトル 1">
-            <a:extLst>
-              <a:ext uri="{FF2B5EF4-FFF2-40B4-BE49-F238E27FC236}">
-                <a16:creationId xmlns:a16="http://schemas.microsoft.com/office/drawing/2014/main" id="{28AFE734-F42B-4E37-93B3-DB32BBD2FF05}"/>
-              </a:ext>
-            </a:extLst>
-          </p:cNvPr>
+          <p:cNvPr id="8" name="Title 7"/>
           <p:cNvSpPr>
             <a:spLocks noGrp="1"/>
           </p:cNvSpPr>
@@ -2394,36 +2429,22 @@
             <p:ph type="title"/>
           </p:nvPr>
         </p:nvSpPr>
-        <p:spPr>
-          <a:xfrm>
-            <a:off x="839788" y="457200"/>
-            <a:ext cx="3932237" cy="1600200"/>
-          </a:xfrm>
-        </p:spPr>
-        <p:txBody>
-          <a:bodyPr anchor="b"/>
-          <a:lstStyle>
-            <a:lvl1pPr>
-              <a:defRPr sz="3200"/>
-            </a:lvl1pPr>
-          </a:lstStyle>
-          <a:p>
-            <a:r>
-              <a:rPr kumimoji="1" lang="ja-JP" altLang="en-US"/>
+        <p:spPr/>
+        <p:txBody>
+          <a:bodyPr/>
+          <a:lstStyle/>
+          <a:p>
+            <a:r>
+              <a:rPr lang="ja-JP" altLang="en-US"/>
               <a:t>マスター タイトルの書式設定</a:t>
             </a:r>
-          </a:p>
-        </p:txBody>
-      </p:sp>
-      <p:sp>
-        <p:nvSpPr>
-          <p:cNvPr id="3" name="コンテンツ プレースホルダー 2">
-            <a:extLst>
-              <a:ext uri="{FF2B5EF4-FFF2-40B4-BE49-F238E27FC236}">
-                <a16:creationId xmlns:a16="http://schemas.microsoft.com/office/drawing/2014/main" id="{3BF7ACA6-E0CD-4408-B4E5-40EC98679B0A}"/>
-              </a:ext>
-            </a:extLst>
-          </p:cNvPr>
+            <a:endParaRPr lang="en-US" dirty="0"/>
+          </a:p>
+        </p:txBody>
+      </p:sp>
+      <p:sp>
+        <p:nvSpPr>
+          <p:cNvPr id="3" name="Content Placeholder 2"/>
           <p:cNvSpPr>
             <a:spLocks noGrp="1"/>
           </p:cNvSpPr>
@@ -2433,8 +2454,8 @@
         </p:nvSpPr>
         <p:spPr>
           <a:xfrm>
-            <a:off x="5183188" y="987425"/>
-            <a:ext cx="6172200" cy="4873625"/>
+            <a:off x="1207008" y="2120054"/>
+            <a:ext cx="6126480" cy="4114800"/>
           </a:xfrm>
         </p:spPr>
         <p:txBody>
@@ -2471,81 +2492,76 @@
           <a:p>
             <a:pPr lvl="0"/>
             <a:r>
-              <a:rPr kumimoji="1" lang="ja-JP" altLang="en-US"/>
+              <a:rPr lang="ja-JP" altLang="en-US"/>
               <a:t>マスター テキストの書式設定</a:t>
             </a:r>
           </a:p>
           <a:p>
             <a:pPr lvl="1"/>
             <a:r>
-              <a:rPr kumimoji="1" lang="ja-JP" altLang="en-US"/>
+              <a:rPr lang="ja-JP" altLang="en-US"/>
               <a:t>第 </a:t>
             </a:r>
             <a:r>
-              <a:rPr kumimoji="1" lang="en-US" altLang="ja-JP"/>
+              <a:rPr lang="en-US" altLang="ja-JP"/>
               <a:t>2 </a:t>
             </a:r>
             <a:r>
-              <a:rPr kumimoji="1" lang="ja-JP" altLang="en-US"/>
+              <a:rPr lang="ja-JP" altLang="en-US"/>
               <a:t>レベル</a:t>
             </a:r>
           </a:p>
           <a:p>
             <a:pPr lvl="2"/>
             <a:r>
-              <a:rPr kumimoji="1" lang="ja-JP" altLang="en-US"/>
+              <a:rPr lang="ja-JP" altLang="en-US"/>
               <a:t>第 </a:t>
             </a:r>
             <a:r>
-              <a:rPr kumimoji="1" lang="en-US" altLang="ja-JP"/>
+              <a:rPr lang="en-US" altLang="ja-JP"/>
               <a:t>3 </a:t>
             </a:r>
             <a:r>
-              <a:rPr kumimoji="1" lang="ja-JP" altLang="en-US"/>
+              <a:rPr lang="ja-JP" altLang="en-US"/>
               <a:t>レベル</a:t>
             </a:r>
           </a:p>
           <a:p>
             <a:pPr lvl="3"/>
             <a:r>
-              <a:rPr kumimoji="1" lang="ja-JP" altLang="en-US"/>
+              <a:rPr lang="ja-JP" altLang="en-US"/>
               <a:t>第 </a:t>
             </a:r>
             <a:r>
-              <a:rPr kumimoji="1" lang="en-US" altLang="ja-JP"/>
+              <a:rPr lang="en-US" altLang="ja-JP"/>
               <a:t>4 </a:t>
             </a:r>
             <a:r>
-              <a:rPr kumimoji="1" lang="ja-JP" altLang="en-US"/>
+              <a:rPr lang="ja-JP" altLang="en-US"/>
               <a:t>レベル</a:t>
             </a:r>
           </a:p>
           <a:p>
             <a:pPr lvl="4"/>
             <a:r>
-              <a:rPr kumimoji="1" lang="ja-JP" altLang="en-US"/>
+              <a:rPr lang="ja-JP" altLang="en-US"/>
               <a:t>第 </a:t>
             </a:r>
             <a:r>
-              <a:rPr kumimoji="1" lang="en-US" altLang="ja-JP"/>
+              <a:rPr lang="en-US" altLang="ja-JP"/>
               <a:t>5 </a:t>
             </a:r>
             <a:r>
-              <a:rPr kumimoji="1" lang="ja-JP" altLang="en-US"/>
+              <a:rPr lang="ja-JP" altLang="en-US"/>
               <a:t>レベル</a:t>
             </a:r>
-          </a:p>
-        </p:txBody>
-      </p:sp>
-      <p:sp>
-        <p:nvSpPr>
-          <p:cNvPr id="4" name="テキスト プレースホルダー 3">
-            <a:extLst>
-              <a:ext uri="{FF2B5EF4-FFF2-40B4-BE49-F238E27FC236}">
-                <a16:creationId xmlns:a16="http://schemas.microsoft.com/office/drawing/2014/main" id="{A41D5848-BF0A-4FF7-BD04-6BE15F818E89}"/>
-              </a:ext>
-            </a:extLst>
-          </p:cNvPr>
+            <a:endParaRPr lang="en-US" dirty="0"/>
+          </a:p>
+        </p:txBody>
+      </p:sp>
+      <p:sp>
+        <p:nvSpPr>
+          <p:cNvPr id="4" name="Text Placeholder 3"/>
           <p:cNvSpPr>
             <a:spLocks noGrp="1"/>
           </p:cNvSpPr>
@@ -2555,54 +2571,59 @@
         </p:nvSpPr>
         <p:spPr>
           <a:xfrm>
-            <a:off x="839788" y="2057400"/>
-            <a:ext cx="3932237" cy="3811588"/>
-          </a:xfrm>
-        </p:spPr>
-        <p:txBody>
-          <a:bodyPr/>
+            <a:off x="7789023" y="2147486"/>
+            <a:ext cx="3200400" cy="3432319"/>
+          </a:xfrm>
+        </p:spPr>
+        <p:txBody>
+          <a:bodyPr>
+            <a:normAutofit/>
+          </a:bodyPr>
           <a:lstStyle>
             <a:lvl1pPr marL="0" indent="0">
-              <a:buNone/>
-              <a:defRPr sz="1600"/>
+              <a:lnSpc>
+                <a:spcPct val="95000"/>
+              </a:lnSpc>
+              <a:buNone/>
+              <a:defRPr sz="1800"/>
             </a:lvl1pPr>
             <a:lvl2pPr marL="457200" indent="0">
               <a:buNone/>
-              <a:defRPr sz="1400"/>
+              <a:defRPr sz="1200"/>
             </a:lvl2pPr>
             <a:lvl3pPr marL="914400" indent="0">
               <a:buNone/>
-              <a:defRPr sz="1200"/>
+              <a:defRPr sz="1000"/>
             </a:lvl3pPr>
             <a:lvl4pPr marL="1371600" indent="0">
               <a:buNone/>
-              <a:defRPr sz="1000"/>
+              <a:defRPr sz="900"/>
             </a:lvl4pPr>
             <a:lvl5pPr marL="1828800" indent="0">
               <a:buNone/>
-              <a:defRPr sz="1000"/>
+              <a:defRPr sz="900"/>
             </a:lvl5pPr>
             <a:lvl6pPr marL="2286000" indent="0">
               <a:buNone/>
-              <a:defRPr sz="1000"/>
+              <a:defRPr sz="900"/>
             </a:lvl6pPr>
             <a:lvl7pPr marL="2743200" indent="0">
               <a:buNone/>
-              <a:defRPr sz="1000"/>
+              <a:defRPr sz="900"/>
             </a:lvl7pPr>
             <a:lvl8pPr marL="3200400" indent="0">
               <a:buNone/>
-              <a:defRPr sz="1000"/>
+              <a:defRPr sz="900"/>
             </a:lvl8pPr>
             <a:lvl9pPr marL="3657600" indent="0">
               <a:buNone/>
-              <a:defRPr sz="1000"/>
+              <a:defRPr sz="900"/>
             </a:lvl9pPr>
           </a:lstStyle>
           <a:p>
             <a:pPr lvl="0"/>
             <a:r>
-              <a:rPr kumimoji="1" lang="ja-JP" altLang="en-US"/>
+              <a:rPr lang="ja-JP" altLang="en-US"/>
               <a:t>マスター テキストの書式設定</a:t>
             </a:r>
           </a:p>
@@ -2610,13 +2631,7 @@
       </p:sp>
       <p:sp>
         <p:nvSpPr>
-          <p:cNvPr id="5" name="日付プレースホルダー 4">
-            <a:extLst>
-              <a:ext uri="{FF2B5EF4-FFF2-40B4-BE49-F238E27FC236}">
-                <a16:creationId xmlns:a16="http://schemas.microsoft.com/office/drawing/2014/main" id="{3678BADE-DE61-4713-A10C-D1E39D67AD62}"/>
-              </a:ext>
-            </a:extLst>
-          </p:cNvPr>
+          <p:cNvPr id="5" name="Date Placeholder 4"/>
           <p:cNvSpPr>
             <a:spLocks noGrp="1"/>
           </p:cNvSpPr>
@@ -2639,13 +2654,7 @@
       </p:sp>
       <p:sp>
         <p:nvSpPr>
-          <p:cNvPr id="6" name="フッター プレースホルダー 5">
-            <a:extLst>
-              <a:ext uri="{FF2B5EF4-FFF2-40B4-BE49-F238E27FC236}">
-                <a16:creationId xmlns:a16="http://schemas.microsoft.com/office/drawing/2014/main" id="{39DBE3C3-48F1-4A27-AD03-9A2DAD81FBA4}"/>
-              </a:ext>
-            </a:extLst>
-          </p:cNvPr>
+          <p:cNvPr id="6" name="Footer Placeholder 5"/>
           <p:cNvSpPr>
             <a:spLocks noGrp="1"/>
           </p:cNvSpPr>
@@ -2664,13 +2673,7 @@
       </p:sp>
       <p:sp>
         <p:nvSpPr>
-          <p:cNvPr id="7" name="スライド番号プレースホルダー 6">
-            <a:extLst>
-              <a:ext uri="{FF2B5EF4-FFF2-40B4-BE49-F238E27FC236}">
-                <a16:creationId xmlns:a16="http://schemas.microsoft.com/office/drawing/2014/main" id="{39978025-B54D-4678-9825-06F42E4B7B1A}"/>
-              </a:ext>
-            </a:extLst>
-          </p:cNvPr>
+          <p:cNvPr id="7" name="Slide Number Placeholder 6"/>
           <p:cNvSpPr>
             <a:spLocks noGrp="1"/>
           </p:cNvSpPr>
@@ -2694,7 +2697,7 @@
     </p:spTree>
     <p:extLst>
       <p:ext uri="{BB962C8B-B14F-4D97-AF65-F5344CB8AC3E}">
-        <p14:creationId xmlns:p14="http://schemas.microsoft.com/office/powerpoint/2010/main" val="1301814019"/>
+        <p14:creationId xmlns:p14="http://schemas.microsoft.com/office/powerpoint/2010/main" val="713697046"/>
       </p:ext>
     </p:extLst>
   </p:cSld>
@@ -2723,13 +2726,7 @@
       </p:grpSpPr>
       <p:sp>
         <p:nvSpPr>
-          <p:cNvPr id="2" name="タイトル 1">
-            <a:extLst>
-              <a:ext uri="{FF2B5EF4-FFF2-40B4-BE49-F238E27FC236}">
-                <a16:creationId xmlns:a16="http://schemas.microsoft.com/office/drawing/2014/main" id="{43C15EB0-C9B7-4A2D-A352-67AD0EFB47C4}"/>
-              </a:ext>
-            </a:extLst>
-          </p:cNvPr>
+          <p:cNvPr id="8" name="Title 7"/>
           <p:cNvSpPr>
             <a:spLocks noGrp="1"/>
           </p:cNvSpPr>
@@ -2737,55 +2734,53 @@
             <p:ph type="title"/>
           </p:nvPr>
         </p:nvSpPr>
-        <p:spPr>
-          <a:xfrm>
-            <a:off x="839788" y="457200"/>
-            <a:ext cx="3932237" cy="1600200"/>
-          </a:xfrm>
-        </p:spPr>
-        <p:txBody>
-          <a:bodyPr anchor="b"/>
+        <p:spPr/>
+        <p:txBody>
+          <a:bodyPr/>
+          <a:lstStyle/>
+          <a:p>
+            <a:r>
+              <a:rPr lang="ja-JP" altLang="en-US"/>
+              <a:t>マスター タイトルの書式設定</a:t>
+            </a:r>
+            <a:endParaRPr lang="en-US" dirty="0"/>
+          </a:p>
+        </p:txBody>
+      </p:sp>
+      <p:sp>
+        <p:nvSpPr>
+          <p:cNvPr id="3" name="Picture Placeholder 2"/>
+          <p:cNvSpPr>
+            <a:spLocks noGrp="1" noChangeAspect="1"/>
+          </p:cNvSpPr>
+          <p:nvPr>
+            <p:ph type="pic" idx="1"/>
+          </p:nvPr>
+        </p:nvSpPr>
+        <p:spPr>
+          <a:xfrm>
+            <a:off x="1280160" y="2211494"/>
+            <a:ext cx="6126480" cy="3931920"/>
+          </a:xfrm>
+          <a:solidFill>
+            <a:schemeClr val="tx2">
+              <a:lumMod val="60000"/>
+              <a:lumOff val="40000"/>
+            </a:schemeClr>
+          </a:solidFill>
+        </p:spPr>
+        <p:txBody>
+          <a:bodyPr tIns="365760" anchor="t"/>
           <a:lstStyle>
-            <a:lvl1pPr>
-              <a:defRPr sz="3200"/>
-            </a:lvl1pPr>
-          </a:lstStyle>
-          <a:p>
-            <a:r>
-              <a:rPr kumimoji="1" lang="ja-JP" altLang="en-US"/>
-              <a:t>マスター タイトルの書式設定</a:t>
-            </a:r>
-          </a:p>
-        </p:txBody>
-      </p:sp>
-      <p:sp>
-        <p:nvSpPr>
-          <p:cNvPr id="3" name="図プレースホルダー 2">
-            <a:extLst>
-              <a:ext uri="{FF2B5EF4-FFF2-40B4-BE49-F238E27FC236}">
-                <a16:creationId xmlns:a16="http://schemas.microsoft.com/office/drawing/2014/main" id="{5BDE3C89-2918-4661-8F81-C48E16C8E6B9}"/>
-              </a:ext>
-            </a:extLst>
-          </p:cNvPr>
-          <p:cNvSpPr>
-            <a:spLocks noGrp="1"/>
-          </p:cNvSpPr>
-          <p:nvPr>
-            <p:ph type="pic" idx="1"/>
-          </p:nvPr>
-        </p:nvSpPr>
-        <p:spPr>
-          <a:xfrm>
-            <a:off x="5183188" y="987425"/>
-            <a:ext cx="6172200" cy="4873625"/>
-          </a:xfrm>
-        </p:spPr>
-        <p:txBody>
-          <a:bodyPr/>
-          <a:lstStyle>
-            <a:lvl1pPr marL="0" indent="0">
-              <a:buNone/>
-              <a:defRPr sz="3200"/>
+            <a:lvl1pPr marL="0" indent="0" algn="ctr">
+              <a:buNone/>
+              <a:defRPr sz="3200">
+                <a:solidFill>
+                  <a:schemeClr val="tx1">
+                    <a:lumMod val="50000"/>
+                  </a:schemeClr>
+                </a:solidFill>
+              </a:defRPr>
             </a:lvl1pPr>
             <a:lvl2pPr marL="457200" indent="0">
               <a:buNone/>
@@ -2821,19 +2816,17 @@
             </a:lvl9pPr>
           </a:lstStyle>
           <a:p>
-            <a:endParaRPr kumimoji="1" lang="ja-JP" altLang="en-US"/>
-          </a:p>
-        </p:txBody>
-      </p:sp>
-      <p:sp>
-        <p:nvSpPr>
-          <p:cNvPr id="4" name="テキスト プレースホルダー 3">
-            <a:extLst>
-              <a:ext uri="{FF2B5EF4-FFF2-40B4-BE49-F238E27FC236}">
-                <a16:creationId xmlns:a16="http://schemas.microsoft.com/office/drawing/2014/main" id="{C2ACB4D8-D6B4-4509-8158-8953E7760AFC}"/>
-              </a:ext>
-            </a:extLst>
-          </p:cNvPr>
+            <a:r>
+              <a:rPr lang="ja-JP" altLang="en-US"/>
+              <a:t>アイコンをクリックして図を追加</a:t>
+            </a:r>
+            <a:endParaRPr lang="en-US" dirty="0"/>
+          </a:p>
+        </p:txBody>
+      </p:sp>
+      <p:sp>
+        <p:nvSpPr>
+          <p:cNvPr id="4" name="Text Placeholder 3"/>
           <p:cNvSpPr>
             <a:spLocks noGrp="1"/>
           </p:cNvSpPr>
@@ -2843,54 +2836,59 @@
         </p:nvSpPr>
         <p:spPr>
           <a:xfrm>
-            <a:off x="839788" y="2057400"/>
-            <a:ext cx="3932237" cy="3811588"/>
-          </a:xfrm>
-        </p:spPr>
-        <p:txBody>
-          <a:bodyPr/>
+            <a:off x="7790688" y="2150621"/>
+            <a:ext cx="3200400" cy="3429000"/>
+          </a:xfrm>
+        </p:spPr>
+        <p:txBody>
+          <a:bodyPr>
+            <a:normAutofit/>
+          </a:bodyPr>
           <a:lstStyle>
             <a:lvl1pPr marL="0" indent="0">
-              <a:buNone/>
-              <a:defRPr sz="1600"/>
+              <a:lnSpc>
+                <a:spcPct val="95000"/>
+              </a:lnSpc>
+              <a:buNone/>
+              <a:defRPr sz="1800"/>
             </a:lvl1pPr>
             <a:lvl2pPr marL="457200" indent="0">
               <a:buNone/>
-              <a:defRPr sz="1400"/>
+              <a:defRPr sz="1200"/>
             </a:lvl2pPr>
             <a:lvl3pPr marL="914400" indent="0">
               <a:buNone/>
-              <a:defRPr sz="1200"/>
+              <a:defRPr sz="1000"/>
             </a:lvl3pPr>
             <a:lvl4pPr marL="1371600" indent="0">
               <a:buNone/>
-              <a:defRPr sz="1000"/>
+              <a:defRPr sz="900"/>
             </a:lvl4pPr>
             <a:lvl5pPr marL="1828800" indent="0">
               <a:buNone/>
-              <a:defRPr sz="1000"/>
+              <a:defRPr sz="900"/>
             </a:lvl5pPr>
             <a:lvl6pPr marL="2286000" indent="0">
               <a:buNone/>
-              <a:defRPr sz="1000"/>
+              <a:defRPr sz="900"/>
             </a:lvl6pPr>
             <a:lvl7pPr marL="2743200" indent="0">
               <a:buNone/>
-              <a:defRPr sz="1000"/>
+              <a:defRPr sz="900"/>
             </a:lvl7pPr>
             <a:lvl8pPr marL="3200400" indent="0">
               <a:buNone/>
-              <a:defRPr sz="1000"/>
+              <a:defRPr sz="900"/>
             </a:lvl8pPr>
             <a:lvl9pPr marL="3657600" indent="0">
               <a:buNone/>
-              <a:defRPr sz="1000"/>
+              <a:defRPr sz="900"/>
             </a:lvl9pPr>
           </a:lstStyle>
           <a:p>
             <a:pPr lvl="0"/>
             <a:r>
-              <a:rPr kumimoji="1" lang="ja-JP" altLang="en-US"/>
+              <a:rPr lang="ja-JP" altLang="en-US"/>
               <a:t>マスター テキストの書式設定</a:t>
             </a:r>
           </a:p>
@@ -2898,13 +2896,7 @@
       </p:sp>
       <p:sp>
         <p:nvSpPr>
-          <p:cNvPr id="5" name="日付プレースホルダー 4">
-            <a:extLst>
-              <a:ext uri="{FF2B5EF4-FFF2-40B4-BE49-F238E27FC236}">
-                <a16:creationId xmlns:a16="http://schemas.microsoft.com/office/drawing/2014/main" id="{73B042DE-5976-48C1-94A1-D2CF7C85ACC1}"/>
-              </a:ext>
-            </a:extLst>
-          </p:cNvPr>
+          <p:cNvPr id="5" name="Date Placeholder 4"/>
           <p:cNvSpPr>
             <a:spLocks noGrp="1"/>
           </p:cNvSpPr>
@@ -2927,13 +2919,7 @@
       </p:sp>
       <p:sp>
         <p:nvSpPr>
-          <p:cNvPr id="6" name="フッター プレースホルダー 5">
-            <a:extLst>
-              <a:ext uri="{FF2B5EF4-FFF2-40B4-BE49-F238E27FC236}">
-                <a16:creationId xmlns:a16="http://schemas.microsoft.com/office/drawing/2014/main" id="{90E64DCA-9ABE-40F4-834C-DCC7CB8D5311}"/>
-              </a:ext>
-            </a:extLst>
-          </p:cNvPr>
+          <p:cNvPr id="6" name="Footer Placeholder 5"/>
           <p:cNvSpPr>
             <a:spLocks noGrp="1"/>
           </p:cNvSpPr>
@@ -2952,13 +2938,7 @@
       </p:sp>
       <p:sp>
         <p:nvSpPr>
-          <p:cNvPr id="7" name="スライド番号プレースホルダー 6">
-            <a:extLst>
-              <a:ext uri="{FF2B5EF4-FFF2-40B4-BE49-F238E27FC236}">
-                <a16:creationId xmlns:a16="http://schemas.microsoft.com/office/drawing/2014/main" id="{FC4B3100-AC6D-4862-9320-C21B2CF766C5}"/>
-              </a:ext>
-            </a:extLst>
-          </p:cNvPr>
+          <p:cNvPr id="7" name="Slide Number Placeholder 6"/>
           <p:cNvSpPr>
             <a:spLocks noGrp="1"/>
           </p:cNvSpPr>
@@ -2982,7 +2962,7 @@
     </p:spTree>
     <p:extLst>
       <p:ext uri="{BB962C8B-B14F-4D97-AF65-F5344CB8AC3E}">
-        <p14:creationId xmlns:p14="http://schemas.microsoft.com/office/powerpoint/2010/main" val="3800750951"/>
+        <p14:creationId xmlns:p14="http://schemas.microsoft.com/office/powerpoint/2010/main" val="1017053649"/>
       </p:ext>
     </p:extLst>
   </p:cSld>
@@ -2997,7 +2977,7 @@
   <p:cSld>
     <p:bg>
       <p:bgRef idx="1001">
-        <a:schemeClr val="bg1"/>
+        <a:schemeClr val="bg2"/>
       </p:bgRef>
     </p:bg>
     <p:spTree>
@@ -3016,28 +2996,60 @@
       </p:grpSpPr>
       <p:sp>
         <p:nvSpPr>
-          <p:cNvPr id="2" name="タイトル プレースホルダー 1">
-            <a:extLst>
-              <a:ext uri="{FF2B5EF4-FFF2-40B4-BE49-F238E27FC236}">
-                <a16:creationId xmlns:a16="http://schemas.microsoft.com/office/drawing/2014/main" id="{2F7CE7C8-CF17-427B-89C5-4E9814D0C214}"/>
-              </a:ext>
-            </a:extLst>
-          </p:cNvPr>
-          <p:cNvSpPr>
-            <a:spLocks noGrp="1"/>
-          </p:cNvSpPr>
-          <p:nvPr>
-            <p:ph type="title"/>
-          </p:nvPr>
-        </p:nvSpPr>
-        <p:spPr>
-          <a:xfrm>
-            <a:off x="838200" y="365125"/>
-            <a:ext cx="10515600" cy="1325563"/>
+          <p:cNvPr id="7" name="Rectangle 6"/>
+          <p:cNvSpPr/>
+          <p:nvPr/>
+        </p:nvSpPr>
+        <p:spPr>
+          <a:xfrm>
+            <a:off x="483" y="176109"/>
+            <a:ext cx="12188952" cy="1645919"/>
           </a:xfrm>
           <a:prstGeom prst="rect">
             <a:avLst/>
           </a:prstGeom>
+          <a:solidFill>
+            <a:schemeClr val="tx1"/>
+          </a:solidFill>
+          <a:ln>
+            <a:noFill/>
+          </a:ln>
+        </p:spPr>
+        <p:style>
+          <a:lnRef idx="2">
+            <a:schemeClr val="accent1">
+              <a:shade val="50000"/>
+            </a:schemeClr>
+          </a:lnRef>
+          <a:fillRef idx="1">
+            <a:schemeClr val="accent1"/>
+          </a:fillRef>
+          <a:effectRef idx="0">
+            <a:schemeClr val="accent1"/>
+          </a:effectRef>
+          <a:fontRef idx="minor">
+            <a:schemeClr val="lt1"/>
+          </a:fontRef>
+        </p:style>
+      </p:sp>
+      <p:sp>
+        <p:nvSpPr>
+          <p:cNvPr id="2" name="Title Placeholder 1"/>
+          <p:cNvSpPr>
+            <a:spLocks noGrp="1"/>
+          </p:cNvSpPr>
+          <p:nvPr>
+            <p:ph type="title"/>
+          </p:nvPr>
+        </p:nvSpPr>
+        <p:spPr>
+          <a:xfrm>
+            <a:off x="1202919" y="284176"/>
+            <a:ext cx="9784080" cy="1508760"/>
+          </a:xfrm>
+          <a:prstGeom prst="rect">
+            <a:avLst/>
+          </a:prstGeom>
         </p:spPr>
         <p:txBody>
           <a:bodyPr vert="horz" lIns="91440" tIns="45720" rIns="91440" bIns="45720" rtlCol="0" anchor="ctr">
@@ -3046,21 +3058,16 @@
           <a:lstStyle/>
           <a:p>
             <a:r>
-              <a:rPr kumimoji="1" lang="ja-JP" altLang="en-US"/>
+              <a:rPr lang="ja-JP" altLang="en-US"/>
               <a:t>マスター タイトルの書式設定</a:t>
             </a:r>
-          </a:p>
-        </p:txBody>
-      </p:sp>
-      <p:sp>
-        <p:nvSpPr>
-          <p:cNvPr id="3" name="テキスト プレースホルダー 2">
-            <a:extLst>
-              <a:ext uri="{FF2B5EF4-FFF2-40B4-BE49-F238E27FC236}">
-                <a16:creationId xmlns:a16="http://schemas.microsoft.com/office/drawing/2014/main" id="{B4F28662-C6C7-4FBA-8E8A-B2C58D04EDAE}"/>
-              </a:ext>
-            </a:extLst>
-          </p:cNvPr>
+            <a:endParaRPr lang="en-US" dirty="0"/>
+          </a:p>
+        </p:txBody>
+      </p:sp>
+      <p:sp>
+        <p:nvSpPr>
+          <p:cNvPr id="3" name="Text Placeholder 2"/>
           <p:cNvSpPr>
             <a:spLocks noGrp="1"/>
           </p:cNvSpPr>
@@ -3070,8 +3077,8 @@
         </p:nvSpPr>
         <p:spPr>
           <a:xfrm>
-            <a:off x="838200" y="1825625"/>
-            <a:ext cx="10515600" cy="4351338"/>
+            <a:off x="1202919" y="2011680"/>
+            <a:ext cx="9784080" cy="4206240"/>
           </a:xfrm>
           <a:prstGeom prst="rect">
             <a:avLst/>
@@ -3085,81 +3092,76 @@
           <a:p>
             <a:pPr lvl="0"/>
             <a:r>
-              <a:rPr kumimoji="1" lang="ja-JP" altLang="en-US"/>
+              <a:rPr lang="ja-JP" altLang="en-US"/>
               <a:t>マスター テキストの書式設定</a:t>
             </a:r>
           </a:p>
           <a:p>
             <a:pPr lvl="1"/>
             <a:r>
-              <a:rPr kumimoji="1" lang="ja-JP" altLang="en-US"/>
+              <a:rPr lang="ja-JP" altLang="en-US"/>
               <a:t>第 </a:t>
             </a:r>
             <a:r>
-              <a:rPr kumimoji="1" lang="en-US" altLang="ja-JP"/>
+              <a:rPr lang="en-US" altLang="ja-JP"/>
               <a:t>2 </a:t>
             </a:r>
             <a:r>
-              <a:rPr kumimoji="1" lang="ja-JP" altLang="en-US"/>
+              <a:rPr lang="ja-JP" altLang="en-US"/>
               <a:t>レベル</a:t>
             </a:r>
           </a:p>
           <a:p>
             <a:pPr lvl="2"/>
             <a:r>
-              <a:rPr kumimoji="1" lang="ja-JP" altLang="en-US"/>
+              <a:rPr lang="ja-JP" altLang="en-US"/>
               <a:t>第 </a:t>
             </a:r>
             <a:r>
-              <a:rPr kumimoji="1" lang="en-US" altLang="ja-JP"/>
+              <a:rPr lang="en-US" altLang="ja-JP"/>
               <a:t>3 </a:t>
             </a:r>
             <a:r>
-              <a:rPr kumimoji="1" lang="ja-JP" altLang="en-US"/>
+              <a:rPr lang="ja-JP" altLang="en-US"/>
               <a:t>レベル</a:t>
             </a:r>
           </a:p>
           <a:p>
             <a:pPr lvl="3"/>
             <a:r>
-              <a:rPr kumimoji="1" lang="ja-JP" altLang="en-US"/>
+              <a:rPr lang="ja-JP" altLang="en-US"/>
               <a:t>第 </a:t>
             </a:r>
             <a:r>
-              <a:rPr kumimoji="1" lang="en-US" altLang="ja-JP"/>
+              <a:rPr lang="en-US" altLang="ja-JP"/>
               <a:t>4 </a:t>
             </a:r>
             <a:r>
-              <a:rPr kumimoji="1" lang="ja-JP" altLang="en-US"/>
+              <a:rPr lang="ja-JP" altLang="en-US"/>
               <a:t>レベル</a:t>
             </a:r>
           </a:p>
           <a:p>
             <a:pPr lvl="4"/>
             <a:r>
-              <a:rPr kumimoji="1" lang="ja-JP" altLang="en-US"/>
+              <a:rPr lang="ja-JP" altLang="en-US"/>
               <a:t>第 </a:t>
             </a:r>
             <a:r>
-              <a:rPr kumimoji="1" lang="en-US" altLang="ja-JP"/>
+              <a:rPr lang="en-US" altLang="ja-JP"/>
               <a:t>5 </a:t>
             </a:r>
             <a:r>
-              <a:rPr kumimoji="1" lang="ja-JP" altLang="en-US"/>
+              <a:rPr lang="ja-JP" altLang="en-US"/>
               <a:t>レベル</a:t>
             </a:r>
-          </a:p>
-        </p:txBody>
-      </p:sp>
-      <p:sp>
-        <p:nvSpPr>
-          <p:cNvPr id="4" name="日付プレースホルダー 3">
-            <a:extLst>
-              <a:ext uri="{FF2B5EF4-FFF2-40B4-BE49-F238E27FC236}">
-                <a16:creationId xmlns:a16="http://schemas.microsoft.com/office/drawing/2014/main" id="{04A66DCC-2055-4DF2-ABBC-6FBB849D69E7}"/>
-              </a:ext>
-            </a:extLst>
-          </p:cNvPr>
+            <a:endParaRPr lang="en-US" dirty="0"/>
+          </a:p>
+        </p:txBody>
+      </p:sp>
+      <p:sp>
+        <p:nvSpPr>
+          <p:cNvPr id="4" name="Date Placeholder 3"/>
           <p:cNvSpPr>
             <a:spLocks noGrp="1"/>
           </p:cNvSpPr>
@@ -3169,22 +3171,20 @@
         </p:nvSpPr>
         <p:spPr>
           <a:xfrm>
-            <a:off x="838200" y="6356350"/>
-            <a:ext cx="2743200" cy="365125"/>
+            <a:off x="1202266" y="6422854"/>
+            <a:ext cx="3000894" cy="365125"/>
           </a:xfrm>
           <a:prstGeom prst="rect">
             <a:avLst/>
           </a:prstGeom>
         </p:spPr>
         <p:txBody>
-          <a:bodyPr vert="horz" lIns="91440" tIns="45720" rIns="91440" bIns="45720" rtlCol="0" anchor="ctr"/>
+          <a:bodyPr vert="horz" lIns="91440" tIns="45720" rIns="45720" bIns="45720" rtlCol="0" anchor="ctr"/>
           <a:lstStyle>
             <a:lvl1pPr algn="l">
-              <a:defRPr sz="1200">
+              <a:defRPr sz="1050">
                 <a:solidFill>
-                  <a:schemeClr val="tx1">
-                    <a:tint val="75000"/>
-                  </a:schemeClr>
+                  <a:schemeClr val="tx1"/>
                 </a:solidFill>
               </a:defRPr>
             </a:lvl1pPr>
@@ -3200,13 +3200,7 @@
       </p:sp>
       <p:sp>
         <p:nvSpPr>
-          <p:cNvPr id="5" name="フッター プレースホルダー 4">
-            <a:extLst>
-              <a:ext uri="{FF2B5EF4-FFF2-40B4-BE49-F238E27FC236}">
-                <a16:creationId xmlns:a16="http://schemas.microsoft.com/office/drawing/2014/main" id="{0A3613AE-D69A-4806-ADC4-DF5160B62303}"/>
-              </a:ext>
-            </a:extLst>
-          </p:cNvPr>
+          <p:cNvPr id="5" name="Footer Placeholder 4"/>
           <p:cNvSpPr>
             <a:spLocks noGrp="1"/>
           </p:cNvSpPr>
@@ -3216,8 +3210,8 @@
         </p:nvSpPr>
         <p:spPr>
           <a:xfrm>
-            <a:off x="4038600" y="6356350"/>
-            <a:ext cx="4114800" cy="365125"/>
+            <a:off x="5596471" y="6422854"/>
+            <a:ext cx="5044440" cy="365125"/>
           </a:xfrm>
           <a:prstGeom prst="rect">
             <a:avLst/>
@@ -3226,12 +3220,10 @@
         <p:txBody>
           <a:bodyPr vert="horz" lIns="91440" tIns="45720" rIns="91440" bIns="45720" rtlCol="0" anchor="ctr"/>
           <a:lstStyle>
-            <a:lvl1pPr algn="ctr">
-              <a:defRPr sz="1200">
+            <a:lvl1pPr algn="r">
+              <a:defRPr sz="1050">
                 <a:solidFill>
-                  <a:schemeClr val="tx1">
-                    <a:tint val="75000"/>
-                  </a:schemeClr>
+                  <a:schemeClr val="tx1"/>
                 </a:solidFill>
               </a:defRPr>
             </a:lvl1pPr>
@@ -3243,13 +3235,7 @@
       </p:sp>
       <p:sp>
         <p:nvSpPr>
-          <p:cNvPr id="6" name="スライド番号プレースホルダー 5">
-            <a:extLst>
-              <a:ext uri="{FF2B5EF4-FFF2-40B4-BE49-F238E27FC236}">
-                <a16:creationId xmlns:a16="http://schemas.microsoft.com/office/drawing/2014/main" id="{4790895D-DDE7-4D2E-8F5C-B52C41EA4DAC}"/>
-              </a:ext>
-            </a:extLst>
-          </p:cNvPr>
+          <p:cNvPr id="6" name="Slide Number Placeholder 5"/>
           <p:cNvSpPr>
             <a:spLocks noGrp="1"/>
           </p:cNvSpPr>
@@ -3259,22 +3245,20 @@
         </p:nvSpPr>
         <p:spPr>
           <a:xfrm>
-            <a:off x="8610600" y="6356350"/>
-            <a:ext cx="2743200" cy="365125"/>
+            <a:off x="10658927" y="6422854"/>
+            <a:ext cx="946264" cy="365125"/>
           </a:xfrm>
           <a:prstGeom prst="rect">
             <a:avLst/>
           </a:prstGeom>
         </p:spPr>
         <p:txBody>
-          <a:bodyPr vert="horz" lIns="91440" tIns="45720" rIns="91440" bIns="45720" rtlCol="0" anchor="ctr"/>
+          <a:bodyPr vert="horz" lIns="45720" tIns="45720" rIns="91440" bIns="45720" rtlCol="0" anchor="ctr"/>
           <a:lstStyle>
-            <a:lvl1pPr algn="r">
-              <a:defRPr sz="1200">
+            <a:lvl1pPr algn="l">
+              <a:defRPr sz="1200" b="0">
                 <a:solidFill>
-                  <a:schemeClr val="tx1">
-                    <a:tint val="75000"/>
-                  </a:schemeClr>
+                  <a:schemeClr val="tx1"/>
                 </a:solidFill>
               </a:defRPr>
             </a:lvl1pPr>
@@ -3291,37 +3275,37 @@
     </p:spTree>
     <p:extLst>
       <p:ext uri="{BB962C8B-B14F-4D97-AF65-F5344CB8AC3E}">
-        <p14:creationId xmlns:p14="http://schemas.microsoft.com/office/powerpoint/2010/main" val="1615057245"/>
+        <p14:creationId xmlns:p14="http://schemas.microsoft.com/office/powerpoint/2010/main" val="3921751281"/>
       </p:ext>
     </p:extLst>
   </p:cSld>
-  <p:clrMap bg1="lt1" tx1="dk1" bg2="lt2" tx2="dk2" accent1="accent1" accent2="accent2" accent3="accent3" accent4="accent4" accent5="accent5" accent6="accent6" hlink="hlink" folHlink="folHlink"/>
+  <p:clrMap bg1="dk1" tx1="lt1" bg2="dk2" tx2="lt2" accent1="accent1" accent2="accent2" accent3="accent3" accent4="accent4" accent5="accent5" accent6="accent6" hlink="hlink" folHlink="folHlink"/>
   <p:sldLayoutIdLst>
-    <p:sldLayoutId id="2147483649" r:id="rId1"/>
-    <p:sldLayoutId id="2147483650" r:id="rId2"/>
-    <p:sldLayoutId id="2147483651" r:id="rId3"/>
-    <p:sldLayoutId id="2147483652" r:id="rId4"/>
-    <p:sldLayoutId id="2147483653" r:id="rId5"/>
-    <p:sldLayoutId id="2147483654" r:id="rId6"/>
-    <p:sldLayoutId id="2147483655" r:id="rId7"/>
-    <p:sldLayoutId id="2147483656" r:id="rId8"/>
-    <p:sldLayoutId id="2147483657" r:id="rId9"/>
-    <p:sldLayoutId id="2147483658" r:id="rId10"/>
-    <p:sldLayoutId id="2147483659" r:id="rId11"/>
+    <p:sldLayoutId id="2147483708" r:id="rId1"/>
+    <p:sldLayoutId id="2147483709" r:id="rId2"/>
+    <p:sldLayoutId id="2147483710" r:id="rId3"/>
+    <p:sldLayoutId id="2147483711" r:id="rId4"/>
+    <p:sldLayoutId id="2147483712" r:id="rId5"/>
+    <p:sldLayoutId id="2147483713" r:id="rId6"/>
+    <p:sldLayoutId id="2147483714" r:id="rId7"/>
+    <p:sldLayoutId id="2147483715" r:id="rId8"/>
+    <p:sldLayoutId id="2147483716" r:id="rId9"/>
+    <p:sldLayoutId id="2147483717" r:id="rId10"/>
+    <p:sldLayoutId id="2147483718" r:id="rId11"/>
   </p:sldLayoutIdLst>
   <p:txStyles>
     <p:titleStyle>
       <a:lvl1pPr algn="l" defTabSz="914400" rtl="0" eaLnBrk="1" latinLnBrk="0" hangingPunct="1">
         <a:lnSpc>
-          <a:spcPct val="90000"/>
+          <a:spcPct val="85000"/>
         </a:lnSpc>
         <a:spcBef>
           <a:spcPct val="0"/>
         </a:spcBef>
         <a:buNone/>
-        <a:defRPr kumimoji="1" sz="4400" kern="1200">
+        <a:defRPr kumimoji="1" sz="4000" kern="1200" cap="all" baseline="0">
           <a:solidFill>
-            <a:schemeClr val="tx1"/>
+            <a:schemeClr val="bg2"/>
           </a:solidFill>
           <a:latin typeface="+mj-lt"/>
           <a:ea typeface="+mj-ea"/>
@@ -3330,16 +3314,22 @@
       </a:lvl1pPr>
     </p:titleStyle>
     <p:bodyStyle>
-      <a:lvl1pPr marL="228600" indent="-228600" algn="l" defTabSz="914400" rtl="0" eaLnBrk="1" latinLnBrk="0" hangingPunct="1">
+      <a:lvl1pPr marL="182880" indent="-182880" algn="l" defTabSz="914400" rtl="0" eaLnBrk="1" latinLnBrk="0" hangingPunct="1">
         <a:lnSpc>
           <a:spcPct val="90000"/>
         </a:lnSpc>
         <a:spcBef>
-          <a:spcPts val="1000"/>
+          <a:spcPts val="1200"/>
         </a:spcBef>
-        <a:buFont typeface="Arial" panose="020B0604020202020204" pitchFamily="34" charset="0"/>
-        <a:buChar char="•"/>
-        <a:defRPr kumimoji="1" sz="2800" kern="1200">
+        <a:spcAft>
+          <a:spcPts val="200"/>
+        </a:spcAft>
+        <a:buClr>
+          <a:schemeClr val="tx1"/>
+        </a:buClr>
+        <a:buFont typeface="Wingdings" pitchFamily="2" charset="2"/>
+        <a:buChar char=""/>
+        <a:defRPr kumimoji="1" sz="2200" kern="1200">
           <a:solidFill>
             <a:schemeClr val="tx1"/>
           </a:solidFill>
@@ -3348,16 +3338,22 @@
           <a:cs typeface="+mn-cs"/>
         </a:defRPr>
       </a:lvl1pPr>
-      <a:lvl2pPr marL="685800" indent="-228600" algn="l" defTabSz="914400" rtl="0" eaLnBrk="1" latinLnBrk="0" hangingPunct="1">
+      <a:lvl2pPr marL="411480" indent="-182880" algn="l" defTabSz="914400" rtl="0" eaLnBrk="1" latinLnBrk="0" hangingPunct="1">
         <a:lnSpc>
           <a:spcPct val="90000"/>
         </a:lnSpc>
         <a:spcBef>
-          <a:spcPts val="500"/>
+          <a:spcPts val="200"/>
         </a:spcBef>
-        <a:buFont typeface="Arial" panose="020B0604020202020204" pitchFamily="34" charset="0"/>
-        <a:buChar char="•"/>
-        <a:defRPr kumimoji="1" sz="2400" kern="1200">
+        <a:spcAft>
+          <a:spcPts val="400"/>
+        </a:spcAft>
+        <a:buClr>
+          <a:schemeClr val="tx1"/>
+        </a:buClr>
+        <a:buFont typeface="Wingdings" pitchFamily="2" charset="2"/>
+        <a:buChar char=""/>
+        <a:defRPr kumimoji="1" sz="2000" kern="1200">
           <a:solidFill>
             <a:schemeClr val="tx1"/>
           </a:solidFill>
@@ -3366,16 +3362,22 @@
           <a:cs typeface="+mn-cs"/>
         </a:defRPr>
       </a:lvl2pPr>
-      <a:lvl3pPr marL="1143000" indent="-228600" algn="l" defTabSz="914400" rtl="0" eaLnBrk="1" latinLnBrk="0" hangingPunct="1">
+      <a:lvl3pPr marL="640080" indent="-182880" algn="l" defTabSz="914400" rtl="0" eaLnBrk="1" latinLnBrk="0" hangingPunct="1">
         <a:lnSpc>
           <a:spcPct val="90000"/>
         </a:lnSpc>
         <a:spcBef>
-          <a:spcPts val="500"/>
+          <a:spcPts val="200"/>
         </a:spcBef>
-        <a:buFont typeface="Arial" panose="020B0604020202020204" pitchFamily="34" charset="0"/>
-        <a:buChar char="•"/>
-        <a:defRPr kumimoji="1" sz="2000" kern="1200">
+        <a:spcAft>
+          <a:spcPts val="400"/>
+        </a:spcAft>
+        <a:buClr>
+          <a:schemeClr val="tx1"/>
+        </a:buClr>
+        <a:buFont typeface="Wingdings" pitchFamily="2" charset="2"/>
+        <a:buChar char=""/>
+        <a:defRPr kumimoji="1" sz="1800" kern="1200">
           <a:solidFill>
             <a:schemeClr val="tx1"/>
           </a:solidFill>
@@ -3384,16 +3386,22 @@
           <a:cs typeface="+mn-cs"/>
         </a:defRPr>
       </a:lvl3pPr>
-      <a:lvl4pPr marL="1600200" indent="-228600" algn="l" defTabSz="914400" rtl="0" eaLnBrk="1" latinLnBrk="0" hangingPunct="1">
+      <a:lvl4pPr marL="868680" indent="-182880" algn="l" defTabSz="914400" rtl="0" eaLnBrk="1" latinLnBrk="0" hangingPunct="1">
         <a:lnSpc>
           <a:spcPct val="90000"/>
         </a:lnSpc>
         <a:spcBef>
-          <a:spcPts val="500"/>
+          <a:spcPts val="200"/>
         </a:spcBef>
-        <a:buFont typeface="Arial" panose="020B0604020202020204" pitchFamily="34" charset="0"/>
-        <a:buChar char="•"/>
-        <a:defRPr kumimoji="1" sz="1800" kern="1200">
+        <a:spcAft>
+          <a:spcPts val="400"/>
+        </a:spcAft>
+        <a:buClr>
+          <a:schemeClr val="tx1"/>
+        </a:buClr>
+        <a:buFont typeface="Wingdings" pitchFamily="2" charset="2"/>
+        <a:buChar char=""/>
+        <a:defRPr kumimoji="1" sz="1600" kern="1200">
           <a:solidFill>
             <a:schemeClr val="tx1"/>
           </a:solidFill>
@@ -3402,16 +3410,22 @@
           <a:cs typeface="+mn-cs"/>
         </a:defRPr>
       </a:lvl4pPr>
-      <a:lvl5pPr marL="2057400" indent="-228600" algn="l" defTabSz="914400" rtl="0" eaLnBrk="1" latinLnBrk="0" hangingPunct="1">
+      <a:lvl5pPr marL="1097280" indent="-182880" algn="l" defTabSz="914400" rtl="0" eaLnBrk="1" latinLnBrk="0" hangingPunct="1">
         <a:lnSpc>
           <a:spcPct val="90000"/>
         </a:lnSpc>
         <a:spcBef>
-          <a:spcPts val="500"/>
+          <a:spcPts val="200"/>
         </a:spcBef>
-        <a:buFont typeface="Arial" panose="020B0604020202020204" pitchFamily="34" charset="0"/>
-        <a:buChar char="•"/>
-        <a:defRPr kumimoji="1" sz="1800" kern="1200">
+        <a:spcAft>
+          <a:spcPts val="400"/>
+        </a:spcAft>
+        <a:buClr>
+          <a:schemeClr val="tx1"/>
+        </a:buClr>
+        <a:buFont typeface="Wingdings" pitchFamily="2" charset="2"/>
+        <a:buChar char=""/>
+        <a:defRPr kumimoji="1" sz="1600" kern="1200">
           <a:solidFill>
             <a:schemeClr val="tx1"/>
           </a:solidFill>
@@ -3420,16 +3434,22 @@
           <a:cs typeface="+mn-cs"/>
         </a:defRPr>
       </a:lvl5pPr>
-      <a:lvl6pPr marL="2514600" indent="-228600" algn="l" defTabSz="914400" rtl="0" eaLnBrk="1" latinLnBrk="0" hangingPunct="1">
+      <a:lvl6pPr marL="1284600" indent="-228600" algn="l" defTabSz="914400" rtl="0" eaLnBrk="1" latinLnBrk="0" hangingPunct="1">
         <a:lnSpc>
           <a:spcPct val="90000"/>
         </a:lnSpc>
         <a:spcBef>
-          <a:spcPts val="500"/>
+          <a:spcPts val="200"/>
         </a:spcBef>
-        <a:buFont typeface="Arial" panose="020B0604020202020204" pitchFamily="34" charset="0"/>
-        <a:buChar char="•"/>
-        <a:defRPr kumimoji="1" sz="1800" kern="1200">
+        <a:spcAft>
+          <a:spcPts val="400"/>
+        </a:spcAft>
+        <a:buClr>
+          <a:schemeClr val="tx1"/>
+        </a:buClr>
+        <a:buFont typeface="Wingdings" pitchFamily="2" charset="2"/>
+        <a:buChar char=""/>
+        <a:defRPr kumimoji="1" sz="1600" kern="1200">
           <a:solidFill>
             <a:schemeClr val="tx1"/>
           </a:solidFill>
@@ -3438,16 +3458,22 @@
           <a:cs typeface="+mn-cs"/>
         </a:defRPr>
       </a:lvl6pPr>
-      <a:lvl7pPr marL="2971800" indent="-228600" algn="l" defTabSz="914400" rtl="0" eaLnBrk="1" latinLnBrk="0" hangingPunct="1">
+      <a:lvl7pPr marL="1471800" indent="-228600" algn="l" defTabSz="914400" rtl="0" eaLnBrk="1" latinLnBrk="0" hangingPunct="1">
         <a:lnSpc>
           <a:spcPct val="90000"/>
         </a:lnSpc>
         <a:spcBef>
-          <a:spcPts val="500"/>
+          <a:spcPts val="200"/>
         </a:spcBef>
-        <a:buFont typeface="Arial" panose="020B0604020202020204" pitchFamily="34" charset="0"/>
-        <a:buChar char="•"/>
-        <a:defRPr kumimoji="1" sz="1800" kern="1200">
+        <a:spcAft>
+          <a:spcPts val="400"/>
+        </a:spcAft>
+        <a:buClr>
+          <a:schemeClr val="tx1"/>
+        </a:buClr>
+        <a:buFont typeface="Wingdings" pitchFamily="2" charset="2"/>
+        <a:buChar char=""/>
+        <a:defRPr kumimoji="1" sz="1600" kern="1200">
           <a:solidFill>
             <a:schemeClr val="tx1"/>
           </a:solidFill>
@@ -3456,16 +3482,22 @@
           <a:cs typeface="+mn-cs"/>
         </a:defRPr>
       </a:lvl7pPr>
-      <a:lvl8pPr marL="3429000" indent="-228600" algn="l" defTabSz="914400" rtl="0" eaLnBrk="1" latinLnBrk="0" hangingPunct="1">
+      <a:lvl8pPr marL="1629000" indent="-228600" algn="l" defTabSz="914400" rtl="0" eaLnBrk="1" latinLnBrk="0" hangingPunct="1">
         <a:lnSpc>
           <a:spcPct val="90000"/>
         </a:lnSpc>
         <a:spcBef>
-          <a:spcPts val="500"/>
+          <a:spcPts val="200"/>
         </a:spcBef>
-        <a:buFont typeface="Arial" panose="020B0604020202020204" pitchFamily="34" charset="0"/>
-        <a:buChar char="•"/>
-        <a:defRPr kumimoji="1" sz="1800" kern="1200">
+        <a:spcAft>
+          <a:spcPts val="400"/>
+        </a:spcAft>
+        <a:buClr>
+          <a:schemeClr val="tx1"/>
+        </a:buClr>
+        <a:buFont typeface="Wingdings" pitchFamily="2" charset="2"/>
+        <a:buChar char=""/>
+        <a:defRPr kumimoji="1" sz="1600" kern="1200">
           <a:solidFill>
             <a:schemeClr val="tx1"/>
           </a:solidFill>
@@ -3474,16 +3506,22 @@
           <a:cs typeface="+mn-cs"/>
         </a:defRPr>
       </a:lvl8pPr>
-      <a:lvl9pPr marL="3886200" indent="-228600" algn="l" defTabSz="914400" rtl="0" eaLnBrk="1" latinLnBrk="0" hangingPunct="1">
+      <a:lvl9pPr marL="1806200" indent="-228600" algn="l" defTabSz="914400" rtl="0" eaLnBrk="1" latinLnBrk="0" hangingPunct="1">
         <a:lnSpc>
           <a:spcPct val="90000"/>
         </a:lnSpc>
         <a:spcBef>
-          <a:spcPts val="500"/>
+          <a:spcPts val="200"/>
         </a:spcBef>
-        <a:buFont typeface="Arial" panose="020B0604020202020204" pitchFamily="34" charset="0"/>
-        <a:buChar char="•"/>
-        <a:defRPr kumimoji="1" sz="1800" kern="1200">
+        <a:spcAft>
+          <a:spcPts val="400"/>
+        </a:spcAft>
+        <a:buClr>
+          <a:schemeClr val="tx1"/>
+        </a:buClr>
+        <a:buFont typeface="Wingdings" pitchFamily="2" charset="2"/>
+        <a:buChar char=""/>
+        <a:defRPr kumimoji="1" sz="1600" kern="1200">
           <a:solidFill>
             <a:schemeClr val="tx1"/>
           </a:solidFill>
@@ -3495,7 +3533,7 @@
     </p:bodyStyle>
     <p:otherStyle>
       <a:defPPr>
-        <a:defRPr lang="ja-JP"/>
+        <a:defRPr lang="en-US"/>
       </a:defPPr>
       <a:lvl1pPr marL="0" algn="l" defTabSz="914400" rtl="0" eaLnBrk="1" latinLnBrk="0" hangingPunct="1">
         <a:defRPr kumimoji="1" sz="1800" kern="1200">
@@ -3595,6 +3633,14 @@
 <file path=ppt/slides/slide1.xml><?xml version="1.0" encoding="utf-8"?>
 <p:sld xmlns:a="http://schemas.openxmlformats.org/drawingml/2006/main" xmlns:r="http://schemas.openxmlformats.org/officeDocument/2006/relationships" xmlns:p="http://schemas.openxmlformats.org/presentationml/2006/main">
   <p:cSld>
+    <p:bg>
+      <p:bgPr>
+        <a:solidFill>
+          <a:srgbClr val="AEE2FF"/>
+        </a:solidFill>
+        <a:effectLst/>
+      </p:bgPr>
+    </p:bg>
     <p:spTree>
       <p:nvGrpSpPr>
         <p:cNvPr id="1" name=""/>
@@ -3611,31 +3657,6 @@
       </p:grpSpPr>
       <p:sp>
         <p:nvSpPr>
-          <p:cNvPr id="2" name="タイトル 1">
-            <a:extLst>
-              <a:ext uri="{FF2B5EF4-FFF2-40B4-BE49-F238E27FC236}">
-                <a16:creationId xmlns:a16="http://schemas.microsoft.com/office/drawing/2014/main" id="{4C2AF252-2873-44BB-B921-98DB9F1FD5F3}"/>
-              </a:ext>
-            </a:extLst>
-          </p:cNvPr>
-          <p:cNvSpPr>
-            <a:spLocks noGrp="1"/>
-          </p:cNvSpPr>
-          <p:nvPr>
-            <p:ph type="ctrTitle"/>
-          </p:nvPr>
-        </p:nvSpPr>
-        <p:spPr/>
-        <p:txBody>
-          <a:bodyPr/>
-          <a:lstStyle/>
-          <a:p>
-            <a:endParaRPr kumimoji="1" lang="ja-JP" altLang="en-US"/>
-          </a:p>
-        </p:txBody>
-      </p:sp>
-      <p:sp>
-        <p:nvSpPr>
           <p:cNvPr id="3" name="字幕 2">
             <a:extLst>
               <a:ext uri="{FF2B5EF4-FFF2-40B4-BE49-F238E27FC236}">
@@ -3652,10 +3673,111 @@
         </p:nvSpPr>
         <p:spPr/>
         <p:txBody>
-          <a:bodyPr/>
-          <a:lstStyle/>
-          <a:p>
-            <a:endParaRPr kumimoji="1" lang="ja-JP" altLang="en-US"/>
+          <a:bodyPr>
+            <a:normAutofit/>
+          </a:bodyPr>
+          <a:lstStyle/>
+          <a:p>
+            <a:r>
+              <a:rPr kumimoji="1" lang="en-US" altLang="ja-JP" sz="4000" dirty="0">
+                <a:latin typeface="Amasis MT Pro" panose="020B0604020202020204" pitchFamily="18" charset="0"/>
+              </a:rPr>
+              <a:t>Eat well, Live well</a:t>
+            </a:r>
+            <a:endParaRPr kumimoji="1" lang="ja-JP" altLang="en-US" sz="4000" dirty="0">
+              <a:latin typeface="Amasis MT Pro" panose="020B0604020202020204" pitchFamily="18" charset="0"/>
+            </a:endParaRPr>
+          </a:p>
+        </p:txBody>
+      </p:sp>
+      <p:pic>
+        <p:nvPicPr>
+          <p:cNvPr id="5" name="図 4" descr="アイコン&#10;&#10;自動的に生成された説明">
+            <a:extLst>
+              <a:ext uri="{FF2B5EF4-FFF2-40B4-BE49-F238E27FC236}">
+                <a16:creationId xmlns:a16="http://schemas.microsoft.com/office/drawing/2014/main" id="{D4312EBF-BCA0-4EFB-94FB-9DEF84B878B1}"/>
+              </a:ext>
+            </a:extLst>
+          </p:cNvPr>
+          <p:cNvPicPr>
+            <a:picLocks noChangeAspect="1"/>
+          </p:cNvPicPr>
+          <p:nvPr/>
+        </p:nvPicPr>
+        <p:blipFill>
+          <a:blip r:embed="rId2">
+            <a:extLst>
+              <a:ext uri="{28A0092B-C50C-407E-A947-70E740481C1C}">
+                <a14:useLocalDpi xmlns:a14="http://schemas.microsoft.com/office/drawing/2010/main" val="0"/>
+              </a:ext>
+            </a:extLst>
+          </a:blip>
+          <a:stretch>
+            <a:fillRect/>
+          </a:stretch>
+        </p:blipFill>
+        <p:spPr>
+          <a:xfrm>
+            <a:off x="2200162" y="1851291"/>
+            <a:ext cx="7791676" cy="2020918"/>
+          </a:xfrm>
+          <a:prstGeom prst="rect">
+            <a:avLst/>
+          </a:prstGeom>
+        </p:spPr>
+      </p:pic>
+      <p:sp>
+        <p:nvSpPr>
+          <p:cNvPr id="6" name="テキスト ボックス 5">
+            <a:extLst>
+              <a:ext uri="{FF2B5EF4-FFF2-40B4-BE49-F238E27FC236}">
+                <a16:creationId xmlns:a16="http://schemas.microsoft.com/office/drawing/2014/main" id="{FD8476F4-51BB-4039-B633-2D4B2BC37225}"/>
+              </a:ext>
+            </a:extLst>
+          </p:cNvPr>
+          <p:cNvSpPr txBox="1"/>
+          <p:nvPr/>
+        </p:nvSpPr>
+        <p:spPr>
+          <a:xfrm>
+            <a:off x="574040" y="6139225"/>
+            <a:ext cx="11043920" cy="523220"/>
+          </a:xfrm>
+          <a:prstGeom prst="rect">
+            <a:avLst/>
+          </a:prstGeom>
+          <a:noFill/>
+        </p:spPr>
+        <p:txBody>
+          <a:bodyPr wrap="square" rtlCol="0">
+            <a:spAutoFit/>
+          </a:bodyPr>
+          <a:lstStyle/>
+          <a:p>
+            <a:r>
+              <a:rPr kumimoji="1" lang="ja-JP" altLang="en-US" sz="2800" dirty="0">
+                <a:latin typeface="UD デジタル 教科書体 NP-R" panose="02020400000000000000" pitchFamily="18" charset="-128"/>
+                <a:ea typeface="UD デジタル 教科書体 NP-R" panose="02020400000000000000" pitchFamily="18" charset="-128"/>
+              </a:rPr>
+              <a:t>加藤龍　</a:t>
+            </a:r>
+            <a:r>
+              <a:rPr kumimoji="1" lang="ja-JP" altLang="en-US" sz="2800" b="1" dirty="0">
+                <a:solidFill>
+                  <a:srgbClr val="008000"/>
+                </a:solidFill>
+                <a:latin typeface="UD デジタル 教科書体 NP-R" panose="02020400000000000000" pitchFamily="18" charset="-128"/>
+                <a:ea typeface="UD デジタル 教科書体 NP-R" panose="02020400000000000000" pitchFamily="18" charset="-128"/>
+              </a:rPr>
+              <a:t>山本純</a:t>
+            </a:r>
+            <a:r>
+              <a:rPr kumimoji="1" lang="ja-JP" altLang="en-US" sz="2800" dirty="0">
+                <a:latin typeface="UD デジタル 教科書体 NP-R" panose="02020400000000000000" pitchFamily="18" charset="-128"/>
+                <a:ea typeface="UD デジタル 教科書体 NP-R" panose="02020400000000000000" pitchFamily="18" charset="-128"/>
+              </a:rPr>
+              <a:t>　クォンテワン　柿崎真大　猪瀬理子　石松未紗紀</a:t>
+            </a:r>
           </a:p>
         </p:txBody>
       </p:sp>
@@ -3672,111 +3794,2076 @@
 </p:sld>
 </file>
 
+<file path=ppt/slides/slide10.xml><?xml version="1.0" encoding="utf-8"?>
+<p:sld xmlns:a="http://schemas.openxmlformats.org/drawingml/2006/main" xmlns:r="http://schemas.openxmlformats.org/officeDocument/2006/relationships" xmlns:p="http://schemas.openxmlformats.org/presentationml/2006/main">
+  <p:cSld>
+    <p:bg>
+      <p:bgPr>
+        <a:solidFill>
+          <a:srgbClr val="AEE2FF"/>
+        </a:solidFill>
+        <a:effectLst/>
+      </p:bgPr>
+    </p:bg>
+    <p:spTree>
+      <p:nvGrpSpPr>
+        <p:cNvPr id="1" name=""/>
+        <p:cNvGrpSpPr/>
+        <p:nvPr/>
+      </p:nvGrpSpPr>
+      <p:grpSpPr>
+        <a:xfrm>
+          <a:off x="0" y="0"/>
+          <a:ext cx="0" cy="0"/>
+          <a:chOff x="0" y="0"/>
+          <a:chExt cx="0" cy="0"/>
+        </a:xfrm>
+      </p:grpSpPr>
+      <p:sp>
+        <p:nvSpPr>
+          <p:cNvPr id="2" name="正方形/長方形 1">
+            <a:extLst>
+              <a:ext uri="{FF2B5EF4-FFF2-40B4-BE49-F238E27FC236}">
+                <a16:creationId xmlns:a16="http://schemas.microsoft.com/office/drawing/2014/main" id="{5B096CB1-87E5-4B06-B864-486CBCC10EE2}"/>
+              </a:ext>
+            </a:extLst>
+          </p:cNvPr>
+          <p:cNvSpPr/>
+          <p:nvPr/>
+        </p:nvSpPr>
+        <p:spPr>
+          <a:xfrm>
+            <a:off x="436880" y="406400"/>
+            <a:ext cx="11318240" cy="6045200"/>
+          </a:xfrm>
+          <a:prstGeom prst="rect">
+            <a:avLst/>
+          </a:prstGeom>
+          <a:solidFill>
+            <a:schemeClr val="tx1"/>
+          </a:solidFill>
+          <a:ln>
+            <a:noFill/>
+          </a:ln>
+        </p:spPr>
+        <p:style>
+          <a:lnRef idx="2">
+            <a:schemeClr val="accent1">
+              <a:shade val="50000"/>
+            </a:schemeClr>
+          </a:lnRef>
+          <a:fillRef idx="1">
+            <a:schemeClr val="accent1"/>
+          </a:fillRef>
+          <a:effectRef idx="0">
+            <a:schemeClr val="accent1"/>
+          </a:effectRef>
+          <a:fontRef idx="minor">
+            <a:schemeClr val="lt1"/>
+          </a:fontRef>
+        </p:style>
+        <p:txBody>
+          <a:bodyPr rtlCol="0" anchor="ctr"/>
+          <a:lstStyle/>
+          <a:p>
+            <a:pPr algn="ctr"/>
+            <a:endParaRPr kumimoji="1" lang="ja-JP" altLang="en-US"/>
+          </a:p>
+        </p:txBody>
+      </p:sp>
+    </p:spTree>
+    <p:extLst>
+      <p:ext uri="{BB962C8B-B14F-4D97-AF65-F5344CB8AC3E}">
+        <p14:creationId xmlns:p14="http://schemas.microsoft.com/office/powerpoint/2010/main" val="3925511992"/>
+      </p:ext>
+    </p:extLst>
+  </p:cSld>
+  <p:clrMapOvr>
+    <a:masterClrMapping/>
+  </p:clrMapOvr>
+</p:sld>
+</file>
+
+<file path=ppt/slides/slide11.xml><?xml version="1.0" encoding="utf-8"?>
+<p:sld xmlns:a="http://schemas.openxmlformats.org/drawingml/2006/main" xmlns:r="http://schemas.openxmlformats.org/officeDocument/2006/relationships" xmlns:p="http://schemas.openxmlformats.org/presentationml/2006/main">
+  <p:cSld>
+    <p:bg>
+      <p:bgPr>
+        <a:solidFill>
+          <a:srgbClr val="AEE2FF"/>
+        </a:solidFill>
+        <a:effectLst/>
+      </p:bgPr>
+    </p:bg>
+    <p:spTree>
+      <p:nvGrpSpPr>
+        <p:cNvPr id="1" name=""/>
+        <p:cNvGrpSpPr/>
+        <p:nvPr/>
+      </p:nvGrpSpPr>
+      <p:grpSpPr>
+        <a:xfrm>
+          <a:off x="0" y="0"/>
+          <a:ext cx="0" cy="0"/>
+          <a:chOff x="0" y="0"/>
+          <a:chExt cx="0" cy="0"/>
+        </a:xfrm>
+      </p:grpSpPr>
+      <p:sp>
+        <p:nvSpPr>
+          <p:cNvPr id="2" name="正方形/長方形 1">
+            <a:extLst>
+              <a:ext uri="{FF2B5EF4-FFF2-40B4-BE49-F238E27FC236}">
+                <a16:creationId xmlns:a16="http://schemas.microsoft.com/office/drawing/2014/main" id="{5B096CB1-87E5-4B06-B864-486CBCC10EE2}"/>
+              </a:ext>
+            </a:extLst>
+          </p:cNvPr>
+          <p:cNvSpPr/>
+          <p:nvPr/>
+        </p:nvSpPr>
+        <p:spPr>
+          <a:xfrm>
+            <a:off x="436880" y="406400"/>
+            <a:ext cx="11318240" cy="6045200"/>
+          </a:xfrm>
+          <a:prstGeom prst="rect">
+            <a:avLst/>
+          </a:prstGeom>
+          <a:solidFill>
+            <a:schemeClr val="tx1"/>
+          </a:solidFill>
+          <a:ln>
+            <a:noFill/>
+          </a:ln>
+        </p:spPr>
+        <p:style>
+          <a:lnRef idx="2">
+            <a:schemeClr val="accent1">
+              <a:shade val="50000"/>
+            </a:schemeClr>
+          </a:lnRef>
+          <a:fillRef idx="1">
+            <a:schemeClr val="accent1"/>
+          </a:fillRef>
+          <a:effectRef idx="0">
+            <a:schemeClr val="accent1"/>
+          </a:effectRef>
+          <a:fontRef idx="minor">
+            <a:schemeClr val="lt1"/>
+          </a:fontRef>
+        </p:style>
+        <p:txBody>
+          <a:bodyPr rtlCol="0" anchor="ctr"/>
+          <a:lstStyle/>
+          <a:p>
+            <a:pPr algn="ctr"/>
+            <a:endParaRPr kumimoji="1" lang="ja-JP" altLang="en-US"/>
+          </a:p>
+        </p:txBody>
+      </p:sp>
+      <p:pic>
+        <p:nvPicPr>
+          <p:cNvPr id="4" name="図 3" descr="グラフ&#10;&#10;自動的に生成された説明">
+            <a:extLst>
+              <a:ext uri="{FF2B5EF4-FFF2-40B4-BE49-F238E27FC236}">
+                <a16:creationId xmlns:a16="http://schemas.microsoft.com/office/drawing/2014/main" id="{A2CEF732-C480-46AF-9E84-0BF9BD0B47D2}"/>
+              </a:ext>
+            </a:extLst>
+          </p:cNvPr>
+          <p:cNvPicPr>
+            <a:picLocks noChangeAspect="1"/>
+          </p:cNvPicPr>
+          <p:nvPr/>
+        </p:nvPicPr>
+        <p:blipFill>
+          <a:blip r:embed="rId2">
+            <a:extLst>
+              <a:ext uri="{28A0092B-C50C-407E-A947-70E740481C1C}">
+                <a14:useLocalDpi xmlns:a14="http://schemas.microsoft.com/office/drawing/2010/main" val="0"/>
+              </a:ext>
+            </a:extLst>
+          </a:blip>
+          <a:stretch>
+            <a:fillRect/>
+          </a:stretch>
+        </p:blipFill>
+        <p:spPr>
+          <a:xfrm>
+            <a:off x="11033760" y="5704840"/>
+            <a:ext cx="985520" cy="985520"/>
+          </a:xfrm>
+          <a:prstGeom prst="rect">
+            <a:avLst/>
+          </a:prstGeom>
+        </p:spPr>
+      </p:pic>
+      <p:pic>
+        <p:nvPicPr>
+          <p:cNvPr id="5" name="図 4">
+            <a:extLst>
+              <a:ext uri="{FF2B5EF4-FFF2-40B4-BE49-F238E27FC236}">
+                <a16:creationId xmlns:a16="http://schemas.microsoft.com/office/drawing/2014/main" id="{44DF5A4D-94B9-4ACC-A06B-74494C6401F3}"/>
+              </a:ext>
+            </a:extLst>
+          </p:cNvPr>
+          <p:cNvPicPr>
+            <a:picLocks noChangeAspect="1"/>
+          </p:cNvPicPr>
+          <p:nvPr/>
+        </p:nvPicPr>
+        <p:blipFill>
+          <a:blip r:embed="rId3"/>
+          <a:stretch>
+            <a:fillRect/>
+          </a:stretch>
+        </p:blipFill>
+        <p:spPr>
+          <a:xfrm>
+            <a:off x="2547499" y="2123678"/>
+            <a:ext cx="7097001" cy="2610644"/>
+          </a:xfrm>
+          <a:prstGeom prst="rect">
+            <a:avLst/>
+          </a:prstGeom>
+        </p:spPr>
+      </p:pic>
+      <p:sp>
+        <p:nvSpPr>
+          <p:cNvPr id="9" name="テキスト ボックス 8">
+            <a:extLst>
+              <a:ext uri="{FF2B5EF4-FFF2-40B4-BE49-F238E27FC236}">
+                <a16:creationId xmlns:a16="http://schemas.microsoft.com/office/drawing/2014/main" id="{3F9AE884-8F8E-4C50-876C-8B99DDA5D075}"/>
+              </a:ext>
+            </a:extLst>
+          </p:cNvPr>
+          <p:cNvSpPr txBox="1"/>
+          <p:nvPr/>
+        </p:nvSpPr>
+        <p:spPr>
+          <a:xfrm>
+            <a:off x="8087360" y="4836160"/>
+            <a:ext cx="2712720" cy="369332"/>
+          </a:xfrm>
+          <a:prstGeom prst="rect">
+            <a:avLst/>
+          </a:prstGeom>
+          <a:noFill/>
+        </p:spPr>
+        <p:txBody>
+          <a:bodyPr wrap="square" rtlCol="0">
+            <a:spAutoFit/>
+          </a:bodyPr>
+          <a:lstStyle/>
+          <a:p>
+            <a:r>
+              <a:rPr kumimoji="1" lang="en-US" altLang="ja-JP" dirty="0">
+                <a:solidFill>
+                  <a:schemeClr val="bg1"/>
+                </a:solidFill>
+                <a:latin typeface="UD デジタル 教科書体 NP-R" panose="02020400000000000000" pitchFamily="18" charset="-128"/>
+                <a:ea typeface="UD デジタル 教科書体 NP-R" panose="02020400000000000000" pitchFamily="18" charset="-128"/>
+              </a:rPr>
+              <a:t>※</a:t>
+            </a:r>
+            <a:r>
+              <a:rPr kumimoji="1" lang="ja-JP" altLang="en-US" dirty="0">
+                <a:solidFill>
+                  <a:schemeClr val="bg1"/>
+                </a:solidFill>
+                <a:latin typeface="UD デジタル 教科書体 NP-R" panose="02020400000000000000" pitchFamily="18" charset="-128"/>
+                <a:ea typeface="UD デジタル 教科書体 NP-R" panose="02020400000000000000" pitchFamily="18" charset="-128"/>
+              </a:rPr>
+              <a:t>外部設計書</a:t>
+            </a:r>
+          </a:p>
+        </p:txBody>
+      </p:sp>
+    </p:spTree>
+    <p:extLst>
+      <p:ext uri="{BB962C8B-B14F-4D97-AF65-F5344CB8AC3E}">
+        <p14:creationId xmlns:p14="http://schemas.microsoft.com/office/powerpoint/2010/main" val="109115079"/>
+      </p:ext>
+    </p:extLst>
+  </p:cSld>
+  <p:clrMapOvr>
+    <a:masterClrMapping/>
+  </p:clrMapOvr>
+</p:sld>
+</file>
+
+<file path=ppt/slides/slide12.xml><?xml version="1.0" encoding="utf-8"?>
+<p:sld xmlns:a="http://schemas.openxmlformats.org/drawingml/2006/main" xmlns:r="http://schemas.openxmlformats.org/officeDocument/2006/relationships" xmlns:p="http://schemas.openxmlformats.org/presentationml/2006/main">
+  <p:cSld>
+    <p:bg>
+      <p:bgPr>
+        <a:solidFill>
+          <a:srgbClr val="AEE2FF"/>
+        </a:solidFill>
+        <a:effectLst/>
+      </p:bgPr>
+    </p:bg>
+    <p:spTree>
+      <p:nvGrpSpPr>
+        <p:cNvPr id="1" name=""/>
+        <p:cNvGrpSpPr/>
+        <p:nvPr/>
+      </p:nvGrpSpPr>
+      <p:grpSpPr>
+        <a:xfrm>
+          <a:off x="0" y="0"/>
+          <a:ext cx="0" cy="0"/>
+          <a:chOff x="0" y="0"/>
+          <a:chExt cx="0" cy="0"/>
+        </a:xfrm>
+      </p:grpSpPr>
+      <p:sp>
+        <p:nvSpPr>
+          <p:cNvPr id="2" name="正方形/長方形 1">
+            <a:extLst>
+              <a:ext uri="{FF2B5EF4-FFF2-40B4-BE49-F238E27FC236}">
+                <a16:creationId xmlns:a16="http://schemas.microsoft.com/office/drawing/2014/main" id="{5B096CB1-87E5-4B06-B864-486CBCC10EE2}"/>
+              </a:ext>
+            </a:extLst>
+          </p:cNvPr>
+          <p:cNvSpPr/>
+          <p:nvPr/>
+        </p:nvSpPr>
+        <p:spPr>
+          <a:xfrm>
+            <a:off x="436880" y="406400"/>
+            <a:ext cx="11318240" cy="6045200"/>
+          </a:xfrm>
+          <a:prstGeom prst="rect">
+            <a:avLst/>
+          </a:prstGeom>
+          <a:solidFill>
+            <a:schemeClr val="tx1"/>
+          </a:solidFill>
+          <a:ln>
+            <a:noFill/>
+          </a:ln>
+        </p:spPr>
+        <p:style>
+          <a:lnRef idx="2">
+            <a:schemeClr val="accent1">
+              <a:shade val="50000"/>
+            </a:schemeClr>
+          </a:lnRef>
+          <a:fillRef idx="1">
+            <a:schemeClr val="accent1"/>
+          </a:fillRef>
+          <a:effectRef idx="0">
+            <a:schemeClr val="accent1"/>
+          </a:effectRef>
+          <a:fontRef idx="minor">
+            <a:schemeClr val="lt1"/>
+          </a:fontRef>
+        </p:style>
+        <p:txBody>
+          <a:bodyPr rtlCol="0" anchor="ctr"/>
+          <a:lstStyle/>
+          <a:p>
+            <a:pPr algn="ctr"/>
+            <a:endParaRPr kumimoji="1" lang="ja-JP" altLang="en-US"/>
+          </a:p>
+        </p:txBody>
+      </p:sp>
+      <p:pic>
+        <p:nvPicPr>
+          <p:cNvPr id="4" name="図 3" descr="グラフ&#10;&#10;自動的に生成された説明">
+            <a:extLst>
+              <a:ext uri="{FF2B5EF4-FFF2-40B4-BE49-F238E27FC236}">
+                <a16:creationId xmlns:a16="http://schemas.microsoft.com/office/drawing/2014/main" id="{A2CEF732-C480-46AF-9E84-0BF9BD0B47D2}"/>
+              </a:ext>
+            </a:extLst>
+          </p:cNvPr>
+          <p:cNvPicPr>
+            <a:picLocks noChangeAspect="1"/>
+          </p:cNvPicPr>
+          <p:nvPr/>
+        </p:nvPicPr>
+        <p:blipFill>
+          <a:blip r:embed="rId2">
+            <a:extLst>
+              <a:ext uri="{28A0092B-C50C-407E-A947-70E740481C1C}">
+                <a14:useLocalDpi xmlns:a14="http://schemas.microsoft.com/office/drawing/2010/main" val="0"/>
+              </a:ext>
+            </a:extLst>
+          </a:blip>
+          <a:stretch>
+            <a:fillRect/>
+          </a:stretch>
+        </p:blipFill>
+        <p:spPr>
+          <a:xfrm>
+            <a:off x="11033760" y="5704840"/>
+            <a:ext cx="985520" cy="985520"/>
+          </a:xfrm>
+          <a:prstGeom prst="rect">
+            <a:avLst/>
+          </a:prstGeom>
+        </p:spPr>
+      </p:pic>
+      <p:pic>
+        <p:nvPicPr>
+          <p:cNvPr id="5" name="図 4">
+            <a:extLst>
+              <a:ext uri="{FF2B5EF4-FFF2-40B4-BE49-F238E27FC236}">
+                <a16:creationId xmlns:a16="http://schemas.microsoft.com/office/drawing/2014/main" id="{44DF5A4D-94B9-4ACC-A06B-74494C6401F3}"/>
+              </a:ext>
+            </a:extLst>
+          </p:cNvPr>
+          <p:cNvPicPr>
+            <a:picLocks noChangeAspect="1"/>
+          </p:cNvPicPr>
+          <p:nvPr/>
+        </p:nvPicPr>
+        <p:blipFill>
+          <a:blip r:embed="rId3"/>
+          <a:stretch>
+            <a:fillRect/>
+          </a:stretch>
+        </p:blipFill>
+        <p:spPr>
+          <a:xfrm>
+            <a:off x="2547499" y="2123678"/>
+            <a:ext cx="7097001" cy="2610644"/>
+          </a:xfrm>
+          <a:prstGeom prst="rect">
+            <a:avLst/>
+          </a:prstGeom>
+        </p:spPr>
+      </p:pic>
+      <p:sp>
+        <p:nvSpPr>
+          <p:cNvPr id="6" name="テキスト ボックス 5">
+            <a:extLst>
+              <a:ext uri="{FF2B5EF4-FFF2-40B4-BE49-F238E27FC236}">
+                <a16:creationId xmlns:a16="http://schemas.microsoft.com/office/drawing/2014/main" id="{8CE54139-FB3B-4A85-885E-48D908F91BA3}"/>
+              </a:ext>
+            </a:extLst>
+          </p:cNvPr>
+          <p:cNvSpPr txBox="1"/>
+          <p:nvPr/>
+        </p:nvSpPr>
+        <p:spPr>
+          <a:xfrm>
+            <a:off x="0" y="0"/>
+            <a:ext cx="12192000" cy="6858000"/>
+          </a:xfrm>
+          <a:prstGeom prst="rect">
+            <a:avLst/>
+          </a:prstGeom>
+          <a:solidFill>
+            <a:srgbClr val="AEE2FF">
+              <a:alpha val="73000"/>
+            </a:srgbClr>
+          </a:solidFill>
+        </p:spPr>
+        <p:txBody>
+          <a:bodyPr wrap="square" rtlCol="0">
+            <a:spAutoFit/>
+          </a:bodyPr>
+          <a:lstStyle/>
+          <a:p>
+            <a:endParaRPr kumimoji="1" lang="ja-JP" altLang="en-US" dirty="0"/>
+          </a:p>
+        </p:txBody>
+      </p:sp>
+      <p:pic>
+        <p:nvPicPr>
+          <p:cNvPr id="8" name="図 7" descr="テキスト&#10;&#10;自動的に生成された説明">
+            <a:extLst>
+              <a:ext uri="{FF2B5EF4-FFF2-40B4-BE49-F238E27FC236}">
+                <a16:creationId xmlns:a16="http://schemas.microsoft.com/office/drawing/2014/main" id="{8C8D8AE0-B63E-4751-AB86-9EB15CC2B069}"/>
+              </a:ext>
+            </a:extLst>
+          </p:cNvPr>
+          <p:cNvPicPr>
+            <a:picLocks noChangeAspect="1"/>
+          </p:cNvPicPr>
+          <p:nvPr/>
+        </p:nvPicPr>
+        <p:blipFill>
+          <a:blip r:embed="rId4">
+            <a:extLst>
+              <a:ext uri="{28A0092B-C50C-407E-A947-70E740481C1C}">
+                <a14:useLocalDpi xmlns:a14="http://schemas.microsoft.com/office/drawing/2010/main" val="0"/>
+              </a:ext>
+            </a:extLst>
+          </a:blip>
+          <a:stretch>
+            <a:fillRect/>
+          </a:stretch>
+        </p:blipFill>
+        <p:spPr>
+          <a:xfrm>
+            <a:off x="4432902" y="721026"/>
+            <a:ext cx="3326193" cy="5415947"/>
+          </a:xfrm>
+          <a:prstGeom prst="rect">
+            <a:avLst/>
+          </a:prstGeom>
+        </p:spPr>
+      </p:pic>
+    </p:spTree>
+    <p:extLst>
+      <p:ext uri="{BB962C8B-B14F-4D97-AF65-F5344CB8AC3E}">
+        <p14:creationId xmlns:p14="http://schemas.microsoft.com/office/powerpoint/2010/main" val="186135776"/>
+      </p:ext>
+    </p:extLst>
+  </p:cSld>
+  <p:clrMapOvr>
+    <a:masterClrMapping/>
+  </p:clrMapOvr>
+  <p:timing>
+    <p:tnLst>
+      <p:par>
+        <p:cTn id="1" dur="indefinite" restart="never" nodeType="tmRoot">
+          <p:childTnLst>
+            <p:seq concurrent="1" nextAc="seek">
+              <p:cTn id="2" dur="indefinite" nodeType="mainSeq">
+                <p:childTnLst>
+                  <p:par>
+                    <p:cTn id="3" fill="hold">
+                      <p:stCondLst>
+                        <p:cond delay="indefinite"/>
+                        <p:cond evt="onBegin" delay="0">
+                          <p:tn val="2"/>
+                        </p:cond>
+                      </p:stCondLst>
+                      <p:childTnLst>
+                        <p:par>
+                          <p:cTn id="4" fill="hold">
+                            <p:stCondLst>
+                              <p:cond delay="0"/>
+                            </p:stCondLst>
+                            <p:childTnLst>
+                              <p:par>
+                                <p:cTn id="5" presetID="2" presetClass="entr" presetSubtype="4" fill="hold" nodeType="withEffect">
+                                  <p:stCondLst>
+                                    <p:cond delay="0"/>
+                                  </p:stCondLst>
+                                  <p:childTnLst>
+                                    <p:set>
+                                      <p:cBhvr>
+                                        <p:cTn id="6" dur="1" fill="hold">
+                                          <p:stCondLst>
+                                            <p:cond delay="0"/>
+                                          </p:stCondLst>
+                                        </p:cTn>
+                                        <p:tgtEl>
+                                          <p:spTgt spid="8"/>
+                                        </p:tgtEl>
+                                        <p:attrNameLst>
+                                          <p:attrName>style.visibility</p:attrName>
+                                        </p:attrNameLst>
+                                      </p:cBhvr>
+                                      <p:to>
+                                        <p:strVal val="visible"/>
+                                      </p:to>
+                                    </p:set>
+                                    <p:anim calcmode="lin" valueType="num">
+                                      <p:cBhvr additive="base">
+                                        <p:cTn id="7" dur="500" fill="hold"/>
+                                        <p:tgtEl>
+                                          <p:spTgt spid="8"/>
+                                        </p:tgtEl>
+                                        <p:attrNameLst>
+                                          <p:attrName>ppt_x</p:attrName>
+                                        </p:attrNameLst>
+                                      </p:cBhvr>
+                                      <p:tavLst>
+                                        <p:tav tm="0">
+                                          <p:val>
+                                            <p:strVal val="#ppt_x"/>
+                                          </p:val>
+                                        </p:tav>
+                                        <p:tav tm="100000">
+                                          <p:val>
+                                            <p:strVal val="#ppt_x"/>
+                                          </p:val>
+                                        </p:tav>
+                                      </p:tavLst>
+                                    </p:anim>
+                                    <p:anim calcmode="lin" valueType="num">
+                                      <p:cBhvr additive="base">
+                                        <p:cTn id="8" dur="500" fill="hold"/>
+                                        <p:tgtEl>
+                                          <p:spTgt spid="8"/>
+                                        </p:tgtEl>
+                                        <p:attrNameLst>
+                                          <p:attrName>ppt_y</p:attrName>
+                                        </p:attrNameLst>
+                                      </p:cBhvr>
+                                      <p:tavLst>
+                                        <p:tav tm="0">
+                                          <p:val>
+                                            <p:strVal val="1+#ppt_h/2"/>
+                                          </p:val>
+                                        </p:tav>
+                                        <p:tav tm="100000">
+                                          <p:val>
+                                            <p:strVal val="#ppt_y"/>
+                                          </p:val>
+                                        </p:tav>
+                                      </p:tavLst>
+                                    </p:anim>
+                                  </p:childTnLst>
+                                </p:cTn>
+                              </p:par>
+                            </p:childTnLst>
+                          </p:cTn>
+                        </p:par>
+                      </p:childTnLst>
+                    </p:cTn>
+                  </p:par>
+                </p:childTnLst>
+              </p:cTn>
+              <p:prevCondLst>
+                <p:cond evt="onPrev" delay="0">
+                  <p:tgtEl>
+                    <p:sldTgt/>
+                  </p:tgtEl>
+                </p:cond>
+              </p:prevCondLst>
+              <p:nextCondLst>
+                <p:cond evt="onNext" delay="0">
+                  <p:tgtEl>
+                    <p:sldTgt/>
+                  </p:tgtEl>
+                </p:cond>
+              </p:nextCondLst>
+            </p:seq>
+          </p:childTnLst>
+        </p:cTn>
+      </p:par>
+    </p:tnLst>
+  </p:timing>
+</p:sld>
+</file>
+
+<file path=ppt/slides/slide2.xml><?xml version="1.0" encoding="utf-8"?>
+<p:sld xmlns:a="http://schemas.openxmlformats.org/drawingml/2006/main" xmlns:r="http://schemas.openxmlformats.org/officeDocument/2006/relationships" xmlns:p="http://schemas.openxmlformats.org/presentationml/2006/main">
+  <p:cSld>
+    <p:bg>
+      <p:bgPr>
+        <a:solidFill>
+          <a:srgbClr val="AEE2FF"/>
+        </a:solidFill>
+        <a:effectLst/>
+      </p:bgPr>
+    </p:bg>
+    <p:spTree>
+      <p:nvGrpSpPr>
+        <p:cNvPr id="1" name=""/>
+        <p:cNvGrpSpPr/>
+        <p:nvPr/>
+      </p:nvGrpSpPr>
+      <p:grpSpPr>
+        <a:xfrm>
+          <a:off x="0" y="0"/>
+          <a:ext cx="0" cy="0"/>
+          <a:chOff x="0" y="0"/>
+          <a:chExt cx="0" cy="0"/>
+        </a:xfrm>
+      </p:grpSpPr>
+      <p:sp>
+        <p:nvSpPr>
+          <p:cNvPr id="2" name="正方形/長方形 1">
+            <a:extLst>
+              <a:ext uri="{FF2B5EF4-FFF2-40B4-BE49-F238E27FC236}">
+                <a16:creationId xmlns:a16="http://schemas.microsoft.com/office/drawing/2014/main" id="{5B096CB1-87E5-4B06-B864-486CBCC10EE2}"/>
+              </a:ext>
+            </a:extLst>
+          </p:cNvPr>
+          <p:cNvSpPr/>
+          <p:nvPr/>
+        </p:nvSpPr>
+        <p:spPr>
+          <a:xfrm>
+            <a:off x="436880" y="406400"/>
+            <a:ext cx="11318240" cy="6045200"/>
+          </a:xfrm>
+          <a:prstGeom prst="rect">
+            <a:avLst/>
+          </a:prstGeom>
+          <a:solidFill>
+            <a:schemeClr val="bg1"/>
+          </a:solidFill>
+          <a:ln>
+            <a:noFill/>
+          </a:ln>
+        </p:spPr>
+        <p:style>
+          <a:lnRef idx="2">
+            <a:schemeClr val="accent1">
+              <a:shade val="50000"/>
+            </a:schemeClr>
+          </a:lnRef>
+          <a:fillRef idx="1">
+            <a:schemeClr val="accent1"/>
+          </a:fillRef>
+          <a:effectRef idx="0">
+            <a:schemeClr val="accent1"/>
+          </a:effectRef>
+          <a:fontRef idx="minor">
+            <a:schemeClr val="lt1"/>
+          </a:fontRef>
+        </p:style>
+        <p:txBody>
+          <a:bodyPr rtlCol="0" anchor="ctr"/>
+          <a:lstStyle/>
+          <a:p>
+            <a:pPr algn="ctr"/>
+            <a:endParaRPr kumimoji="1" lang="ja-JP" altLang="en-US" dirty="0">
+              <a:solidFill>
+                <a:srgbClr val="FF0000"/>
+              </a:solidFill>
+            </a:endParaRPr>
+          </a:p>
+        </p:txBody>
+      </p:sp>
+      <p:sp>
+        <p:nvSpPr>
+          <p:cNvPr id="3" name="テキスト ボックス 2">
+            <a:extLst>
+              <a:ext uri="{FF2B5EF4-FFF2-40B4-BE49-F238E27FC236}">
+                <a16:creationId xmlns:a16="http://schemas.microsoft.com/office/drawing/2014/main" id="{14A093D7-2D6A-43CA-A4BE-F8D29405E2E4}"/>
+              </a:ext>
+            </a:extLst>
+          </p:cNvPr>
+          <p:cNvSpPr txBox="1"/>
+          <p:nvPr/>
+        </p:nvSpPr>
+        <p:spPr>
+          <a:xfrm>
+            <a:off x="4007645" y="3167390"/>
+            <a:ext cx="7936706" cy="523220"/>
+          </a:xfrm>
+          <a:prstGeom prst="rect">
+            <a:avLst/>
+          </a:prstGeom>
+          <a:noFill/>
+        </p:spPr>
+        <p:txBody>
+          <a:bodyPr wrap="square" rtlCol="0">
+            <a:spAutoFit/>
+          </a:bodyPr>
+          <a:lstStyle/>
+          <a:p>
+            <a:r>
+              <a:rPr kumimoji="1" lang="ja-JP" altLang="en-US" sz="2800" b="1" dirty="0">
+                <a:solidFill>
+                  <a:srgbClr val="A50021"/>
+                </a:solidFill>
+                <a:latin typeface="UD デジタル 教科書体 NP-R" panose="02020400000000000000" pitchFamily="18" charset="-128"/>
+                <a:ea typeface="UD デジタル 教科書体 NP-R" panose="02020400000000000000" pitchFamily="18" charset="-128"/>
+              </a:rPr>
+              <a:t>あなたは今健康ですか？</a:t>
+            </a:r>
+          </a:p>
+        </p:txBody>
+      </p:sp>
+      <p:pic>
+        <p:nvPicPr>
+          <p:cNvPr id="5" name="図 4" descr="QR コード が含まれている画像&#10;&#10;自動的に生成された説明">
+            <a:extLst>
+              <a:ext uri="{FF2B5EF4-FFF2-40B4-BE49-F238E27FC236}">
+                <a16:creationId xmlns:a16="http://schemas.microsoft.com/office/drawing/2014/main" id="{F08D4815-E1B8-4EA2-BAF7-BF14F857F9CB}"/>
+              </a:ext>
+            </a:extLst>
+          </p:cNvPr>
+          <p:cNvPicPr>
+            <a:picLocks noChangeAspect="1"/>
+          </p:cNvPicPr>
+          <p:nvPr/>
+        </p:nvPicPr>
+        <p:blipFill>
+          <a:blip r:embed="rId2">
+            <a:alphaModFix amt="5000"/>
+            <a:extLst>
+              <a:ext uri="{28A0092B-C50C-407E-A947-70E740481C1C}">
+                <a14:useLocalDpi xmlns:a14="http://schemas.microsoft.com/office/drawing/2010/main" val="0"/>
+              </a:ext>
+            </a:extLst>
+          </a:blip>
+          <a:stretch>
+            <a:fillRect/>
+          </a:stretch>
+        </p:blipFill>
+        <p:spPr>
+          <a:xfrm>
+            <a:off x="2993231" y="402431"/>
+            <a:ext cx="6015038" cy="6015038"/>
+          </a:xfrm>
+          <a:prstGeom prst="rect">
+            <a:avLst/>
+          </a:prstGeom>
+        </p:spPr>
+      </p:pic>
+    </p:spTree>
+    <p:extLst>
+      <p:ext uri="{BB962C8B-B14F-4D97-AF65-F5344CB8AC3E}">
+        <p14:creationId xmlns:p14="http://schemas.microsoft.com/office/powerpoint/2010/main" val="489260356"/>
+      </p:ext>
+    </p:extLst>
+  </p:cSld>
+  <p:clrMapOvr>
+    <a:masterClrMapping/>
+  </p:clrMapOvr>
+</p:sld>
+</file>
+
+<file path=ppt/slides/slide3.xml><?xml version="1.0" encoding="utf-8"?>
+<p:sld xmlns:a="http://schemas.openxmlformats.org/drawingml/2006/main" xmlns:r="http://schemas.openxmlformats.org/officeDocument/2006/relationships" xmlns:p="http://schemas.openxmlformats.org/presentationml/2006/main">
+  <p:cSld>
+    <p:bg>
+      <p:bgPr>
+        <a:solidFill>
+          <a:srgbClr val="AEE2FF"/>
+        </a:solidFill>
+        <a:effectLst/>
+      </p:bgPr>
+    </p:bg>
+    <p:spTree>
+      <p:nvGrpSpPr>
+        <p:cNvPr id="1" name=""/>
+        <p:cNvGrpSpPr/>
+        <p:nvPr/>
+      </p:nvGrpSpPr>
+      <p:grpSpPr>
+        <a:xfrm>
+          <a:off x="0" y="0"/>
+          <a:ext cx="0" cy="0"/>
+          <a:chOff x="0" y="0"/>
+          <a:chExt cx="0" cy="0"/>
+        </a:xfrm>
+      </p:grpSpPr>
+      <p:sp>
+        <p:nvSpPr>
+          <p:cNvPr id="2" name="正方形/長方形 1">
+            <a:extLst>
+              <a:ext uri="{FF2B5EF4-FFF2-40B4-BE49-F238E27FC236}">
+                <a16:creationId xmlns:a16="http://schemas.microsoft.com/office/drawing/2014/main" id="{5B096CB1-87E5-4B06-B864-486CBCC10EE2}"/>
+              </a:ext>
+            </a:extLst>
+          </p:cNvPr>
+          <p:cNvSpPr/>
+          <p:nvPr/>
+        </p:nvSpPr>
+        <p:spPr>
+          <a:xfrm>
+            <a:off x="436880" y="406400"/>
+            <a:ext cx="11318240" cy="6045200"/>
+          </a:xfrm>
+          <a:prstGeom prst="rect">
+            <a:avLst/>
+          </a:prstGeom>
+          <a:solidFill>
+            <a:schemeClr val="tx1"/>
+          </a:solidFill>
+          <a:ln>
+            <a:noFill/>
+          </a:ln>
+        </p:spPr>
+        <p:style>
+          <a:lnRef idx="2">
+            <a:schemeClr val="accent1">
+              <a:shade val="50000"/>
+            </a:schemeClr>
+          </a:lnRef>
+          <a:fillRef idx="1">
+            <a:schemeClr val="accent1"/>
+          </a:fillRef>
+          <a:effectRef idx="0">
+            <a:schemeClr val="accent1"/>
+          </a:effectRef>
+          <a:fontRef idx="minor">
+            <a:schemeClr val="lt1"/>
+          </a:fontRef>
+        </p:style>
+        <p:txBody>
+          <a:bodyPr rtlCol="0" anchor="ctr"/>
+          <a:lstStyle/>
+          <a:p>
+            <a:pPr algn="ctr"/>
+            <a:endParaRPr kumimoji="1" lang="ja-JP" altLang="en-US"/>
+          </a:p>
+        </p:txBody>
+      </p:sp>
+      <p:pic>
+        <p:nvPicPr>
+          <p:cNvPr id="4" name="図 3" descr="アイコン&#10;&#10;自動的に生成された説明">
+            <a:extLst>
+              <a:ext uri="{FF2B5EF4-FFF2-40B4-BE49-F238E27FC236}">
+                <a16:creationId xmlns:a16="http://schemas.microsoft.com/office/drawing/2014/main" id="{C0EADA7E-4284-4F75-BFF6-1F554E236A8E}"/>
+              </a:ext>
+            </a:extLst>
+          </p:cNvPr>
+          <p:cNvPicPr>
+            <a:picLocks noChangeAspect="1"/>
+          </p:cNvPicPr>
+          <p:nvPr/>
+        </p:nvPicPr>
+        <p:blipFill>
+          <a:blip r:embed="rId2">
+            <a:extLst>
+              <a:ext uri="{28A0092B-C50C-407E-A947-70E740481C1C}">
+                <a14:useLocalDpi xmlns:a14="http://schemas.microsoft.com/office/drawing/2010/main" val="0"/>
+              </a:ext>
+            </a:extLst>
+          </a:blip>
+          <a:stretch>
+            <a:fillRect/>
+          </a:stretch>
+        </p:blipFill>
+        <p:spPr>
+          <a:xfrm>
+            <a:off x="11115040" y="5760720"/>
+            <a:ext cx="955040" cy="955040"/>
+          </a:xfrm>
+          <a:prstGeom prst="rect">
+            <a:avLst/>
+          </a:prstGeom>
+        </p:spPr>
+      </p:pic>
+      <p:sp>
+        <p:nvSpPr>
+          <p:cNvPr id="5" name="二等辺三角形 4">
+            <a:extLst>
+              <a:ext uri="{FF2B5EF4-FFF2-40B4-BE49-F238E27FC236}">
+                <a16:creationId xmlns:a16="http://schemas.microsoft.com/office/drawing/2014/main" id="{2B3CBDE8-0547-4751-9175-62845EF10F06}"/>
+              </a:ext>
+            </a:extLst>
+          </p:cNvPr>
+          <p:cNvSpPr/>
+          <p:nvPr/>
+        </p:nvSpPr>
+        <p:spPr>
+          <a:xfrm rot="5400000">
+            <a:off x="928687" y="1423992"/>
+            <a:ext cx="481012" cy="442911"/>
+          </a:xfrm>
+          <a:prstGeom prst="triangle">
+            <a:avLst/>
+          </a:prstGeom>
+          <a:solidFill>
+            <a:srgbClr val="ACBCFF"/>
+          </a:solidFill>
+          <a:ln>
+            <a:noFill/>
+          </a:ln>
+        </p:spPr>
+        <p:style>
+          <a:lnRef idx="2">
+            <a:schemeClr val="accent1">
+              <a:shade val="50000"/>
+            </a:schemeClr>
+          </a:lnRef>
+          <a:fillRef idx="1">
+            <a:schemeClr val="accent1"/>
+          </a:fillRef>
+          <a:effectRef idx="0">
+            <a:schemeClr val="accent1"/>
+          </a:effectRef>
+          <a:fontRef idx="minor">
+            <a:schemeClr val="lt1"/>
+          </a:fontRef>
+        </p:style>
+        <p:txBody>
+          <a:bodyPr rtlCol="0" anchor="ctr"/>
+          <a:lstStyle/>
+          <a:p>
+            <a:pPr algn="ctr"/>
+            <a:endParaRPr kumimoji="1" lang="ja-JP" altLang="en-US" dirty="0"/>
+          </a:p>
+        </p:txBody>
+      </p:sp>
+      <p:sp>
+        <p:nvSpPr>
+          <p:cNvPr id="6" name="テキスト ボックス 5">
+            <a:extLst>
+              <a:ext uri="{FF2B5EF4-FFF2-40B4-BE49-F238E27FC236}">
+                <a16:creationId xmlns:a16="http://schemas.microsoft.com/office/drawing/2014/main" id="{E8EF2114-4FE4-4DE6-BF31-EA0F5C09998E}"/>
+              </a:ext>
+            </a:extLst>
+          </p:cNvPr>
+          <p:cNvSpPr txBox="1"/>
+          <p:nvPr/>
+        </p:nvSpPr>
+        <p:spPr>
+          <a:xfrm>
+            <a:off x="1524000" y="1353059"/>
+            <a:ext cx="4333875" cy="584775"/>
+          </a:xfrm>
+          <a:prstGeom prst="rect">
+            <a:avLst/>
+          </a:prstGeom>
+          <a:noFill/>
+        </p:spPr>
+        <p:txBody>
+          <a:bodyPr wrap="square" rtlCol="0">
+            <a:spAutoFit/>
+          </a:bodyPr>
+          <a:lstStyle/>
+          <a:p>
+            <a:r>
+              <a:rPr kumimoji="1" lang="ja-JP" altLang="en-US" sz="3200" dirty="0">
+                <a:solidFill>
+                  <a:schemeClr val="bg1"/>
+                </a:solidFill>
+                <a:latin typeface="UD デジタル 教科書体 NP-R" panose="02020400000000000000" pitchFamily="18" charset="-128"/>
+                <a:ea typeface="UD デジタル 教科書体 NP-R" panose="02020400000000000000" pitchFamily="18" charset="-128"/>
+              </a:rPr>
+              <a:t>アプリ名</a:t>
+            </a:r>
+          </a:p>
+        </p:txBody>
+      </p:sp>
+      <p:pic>
+        <p:nvPicPr>
+          <p:cNvPr id="8" name="図 7" descr="アイコン&#10;&#10;自動的に生成された説明">
+            <a:extLst>
+              <a:ext uri="{FF2B5EF4-FFF2-40B4-BE49-F238E27FC236}">
+                <a16:creationId xmlns:a16="http://schemas.microsoft.com/office/drawing/2014/main" id="{A603300B-2641-460A-9CB3-29CAFA27FD5B}"/>
+              </a:ext>
+            </a:extLst>
+          </p:cNvPr>
+          <p:cNvPicPr>
+            <a:picLocks noChangeAspect="1"/>
+          </p:cNvPicPr>
+          <p:nvPr/>
+        </p:nvPicPr>
+        <p:blipFill>
+          <a:blip r:embed="rId3">
+            <a:extLst>
+              <a:ext uri="{28A0092B-C50C-407E-A947-70E740481C1C}">
+                <a14:useLocalDpi xmlns:a14="http://schemas.microsoft.com/office/drawing/2010/main" val="0"/>
+              </a:ext>
+            </a:extLst>
+          </a:blip>
+          <a:stretch>
+            <a:fillRect/>
+          </a:stretch>
+        </p:blipFill>
+        <p:spPr>
+          <a:xfrm>
+            <a:off x="2707388" y="1482574"/>
+            <a:ext cx="6777223" cy="1757800"/>
+          </a:xfrm>
+          <a:prstGeom prst="rect">
+            <a:avLst/>
+          </a:prstGeom>
+        </p:spPr>
+      </p:pic>
+      <p:sp>
+        <p:nvSpPr>
+          <p:cNvPr id="9" name="二等辺三角形 8">
+            <a:extLst>
+              <a:ext uri="{FF2B5EF4-FFF2-40B4-BE49-F238E27FC236}">
+                <a16:creationId xmlns:a16="http://schemas.microsoft.com/office/drawing/2014/main" id="{5B381DC7-F82A-4EB8-A042-6ECAF40518A7}"/>
+              </a:ext>
+            </a:extLst>
+          </p:cNvPr>
+          <p:cNvSpPr/>
+          <p:nvPr/>
+        </p:nvSpPr>
+        <p:spPr>
+          <a:xfrm rot="5400000">
+            <a:off x="928688" y="4085923"/>
+            <a:ext cx="481012" cy="442911"/>
+          </a:xfrm>
+          <a:prstGeom prst="triangle">
+            <a:avLst/>
+          </a:prstGeom>
+          <a:solidFill>
+            <a:srgbClr val="ACBCFF"/>
+          </a:solidFill>
+          <a:ln>
+            <a:noFill/>
+          </a:ln>
+        </p:spPr>
+        <p:style>
+          <a:lnRef idx="2">
+            <a:schemeClr val="accent1">
+              <a:shade val="50000"/>
+            </a:schemeClr>
+          </a:lnRef>
+          <a:fillRef idx="1">
+            <a:schemeClr val="accent1"/>
+          </a:fillRef>
+          <a:effectRef idx="0">
+            <a:schemeClr val="accent1"/>
+          </a:effectRef>
+          <a:fontRef idx="minor">
+            <a:schemeClr val="lt1"/>
+          </a:fontRef>
+        </p:style>
+        <p:txBody>
+          <a:bodyPr rtlCol="0" anchor="ctr"/>
+          <a:lstStyle/>
+          <a:p>
+            <a:pPr algn="ctr"/>
+            <a:endParaRPr kumimoji="1" lang="ja-JP" altLang="en-US" dirty="0"/>
+          </a:p>
+        </p:txBody>
+      </p:sp>
+      <p:sp>
+        <p:nvSpPr>
+          <p:cNvPr id="10" name="テキスト ボックス 9">
+            <a:extLst>
+              <a:ext uri="{FF2B5EF4-FFF2-40B4-BE49-F238E27FC236}">
+                <a16:creationId xmlns:a16="http://schemas.microsoft.com/office/drawing/2014/main" id="{F49413B1-6497-4782-BD79-9C4075C67E49}"/>
+              </a:ext>
+            </a:extLst>
+          </p:cNvPr>
+          <p:cNvSpPr txBox="1"/>
+          <p:nvPr/>
+        </p:nvSpPr>
+        <p:spPr>
+          <a:xfrm>
+            <a:off x="1524000" y="4066872"/>
+            <a:ext cx="3705973" cy="584775"/>
+          </a:xfrm>
+          <a:prstGeom prst="rect">
+            <a:avLst/>
+          </a:prstGeom>
+          <a:noFill/>
+        </p:spPr>
+        <p:txBody>
+          <a:bodyPr wrap="square" rtlCol="0">
+            <a:spAutoFit/>
+          </a:bodyPr>
+          <a:lstStyle/>
+          <a:p>
+            <a:r>
+              <a:rPr kumimoji="1" lang="ja-JP" altLang="en-US" sz="3200" dirty="0">
+                <a:solidFill>
+                  <a:schemeClr val="bg1"/>
+                </a:solidFill>
+                <a:latin typeface="UD デジタル 教科書体 NP-R" panose="02020400000000000000" pitchFamily="18" charset="-128"/>
+                <a:ea typeface="UD デジタル 教科書体 NP-R" panose="02020400000000000000" pitchFamily="18" charset="-128"/>
+              </a:rPr>
+              <a:t>概要</a:t>
+            </a:r>
+          </a:p>
+        </p:txBody>
+      </p:sp>
+      <p:sp>
+        <p:nvSpPr>
+          <p:cNvPr id="11" name="テキスト ボックス 10">
+            <a:extLst>
+              <a:ext uri="{FF2B5EF4-FFF2-40B4-BE49-F238E27FC236}">
+                <a16:creationId xmlns:a16="http://schemas.microsoft.com/office/drawing/2014/main" id="{01109808-1F86-447A-BA6B-286239C3D0AD}"/>
+              </a:ext>
+            </a:extLst>
+          </p:cNvPr>
+          <p:cNvSpPr txBox="1"/>
+          <p:nvPr/>
+        </p:nvSpPr>
+        <p:spPr>
+          <a:xfrm>
+            <a:off x="2605086" y="4547884"/>
+            <a:ext cx="8194994" cy="584775"/>
+          </a:xfrm>
+          <a:prstGeom prst="rect">
+            <a:avLst/>
+          </a:prstGeom>
+          <a:noFill/>
+        </p:spPr>
+        <p:txBody>
+          <a:bodyPr wrap="square" rtlCol="0">
+            <a:spAutoFit/>
+          </a:bodyPr>
+          <a:lstStyle/>
+          <a:p>
+            <a:r>
+              <a:rPr kumimoji="1" lang="ja-JP" altLang="en-US" sz="3200" dirty="0">
+                <a:solidFill>
+                  <a:schemeClr val="bg1"/>
+                </a:solidFill>
+                <a:latin typeface="UD デジタル 教科書体 NP-R" panose="02020400000000000000" pitchFamily="18" charset="-128"/>
+                <a:ea typeface="UD デジタル 教科書体 NP-R" panose="02020400000000000000" pitchFamily="18" charset="-128"/>
+              </a:rPr>
+              <a:t>～健康管理アプリ～</a:t>
+            </a:r>
+            <a:endParaRPr kumimoji="1" lang="en-US" altLang="ja-JP" sz="3200" dirty="0">
+              <a:solidFill>
+                <a:schemeClr val="bg1"/>
+              </a:solidFill>
+              <a:latin typeface="UD デジタル 教科書体 NP-R" panose="02020400000000000000" pitchFamily="18" charset="-128"/>
+              <a:ea typeface="UD デジタル 教科書体 NP-R" panose="02020400000000000000" pitchFamily="18" charset="-128"/>
+            </a:endParaRPr>
+          </a:p>
+        </p:txBody>
+      </p:sp>
+      <p:sp>
+        <p:nvSpPr>
+          <p:cNvPr id="12" name="テキスト ボックス 11">
+            <a:extLst>
+              <a:ext uri="{FF2B5EF4-FFF2-40B4-BE49-F238E27FC236}">
+                <a16:creationId xmlns:a16="http://schemas.microsoft.com/office/drawing/2014/main" id="{01033AED-FB82-4564-A6EB-B5A6E92F7424}"/>
+              </a:ext>
+            </a:extLst>
+          </p:cNvPr>
+          <p:cNvSpPr txBox="1"/>
+          <p:nvPr/>
+        </p:nvSpPr>
+        <p:spPr>
+          <a:xfrm>
+            <a:off x="2330608" y="5343205"/>
+            <a:ext cx="8743950" cy="738664"/>
+          </a:xfrm>
+          <a:prstGeom prst="rect">
+            <a:avLst/>
+          </a:prstGeom>
+          <a:noFill/>
+        </p:spPr>
+        <p:txBody>
+          <a:bodyPr wrap="square" rtlCol="0">
+            <a:spAutoFit/>
+          </a:bodyPr>
+          <a:lstStyle/>
+          <a:p>
+            <a:r>
+              <a:rPr kumimoji="1" lang="ja-JP" altLang="en-US" sz="2400" dirty="0">
+                <a:solidFill>
+                  <a:schemeClr val="bg1"/>
+                </a:solidFill>
+                <a:latin typeface="UD デジタル 教科書体 NP-R" panose="02020400000000000000" pitchFamily="18" charset="-128"/>
+                <a:ea typeface="UD デジタル 教科書体 NP-R" panose="02020400000000000000" pitchFamily="18" charset="-128"/>
+              </a:rPr>
+              <a:t>健康的な生活をサポートするオールインワンのアプリです</a:t>
+            </a:r>
+          </a:p>
+          <a:p>
+            <a:endParaRPr kumimoji="1" lang="ja-JP" altLang="en-US" dirty="0"/>
+          </a:p>
+        </p:txBody>
+      </p:sp>
+    </p:spTree>
+    <p:extLst>
+      <p:ext uri="{BB962C8B-B14F-4D97-AF65-F5344CB8AC3E}">
+        <p14:creationId xmlns:p14="http://schemas.microsoft.com/office/powerpoint/2010/main" val="332832116"/>
+      </p:ext>
+    </p:extLst>
+  </p:cSld>
+  <p:clrMapOvr>
+    <a:masterClrMapping/>
+  </p:clrMapOvr>
+</p:sld>
+</file>
+
+<file path=ppt/slides/slide4.xml><?xml version="1.0" encoding="utf-8"?>
+<p:sld xmlns:a="http://schemas.openxmlformats.org/drawingml/2006/main" xmlns:r="http://schemas.openxmlformats.org/officeDocument/2006/relationships" xmlns:p="http://schemas.openxmlformats.org/presentationml/2006/main">
+  <p:cSld>
+    <p:bg>
+      <p:bgPr>
+        <a:solidFill>
+          <a:srgbClr val="AEE2FF"/>
+        </a:solidFill>
+        <a:effectLst/>
+      </p:bgPr>
+    </p:bg>
+    <p:spTree>
+      <p:nvGrpSpPr>
+        <p:cNvPr id="1" name=""/>
+        <p:cNvGrpSpPr/>
+        <p:nvPr/>
+      </p:nvGrpSpPr>
+      <p:grpSpPr>
+        <a:xfrm>
+          <a:off x="0" y="0"/>
+          <a:ext cx="0" cy="0"/>
+          <a:chOff x="0" y="0"/>
+          <a:chExt cx="0" cy="0"/>
+        </a:xfrm>
+      </p:grpSpPr>
+      <p:sp>
+        <p:nvSpPr>
+          <p:cNvPr id="2" name="正方形/長方形 1">
+            <a:extLst>
+              <a:ext uri="{FF2B5EF4-FFF2-40B4-BE49-F238E27FC236}">
+                <a16:creationId xmlns:a16="http://schemas.microsoft.com/office/drawing/2014/main" id="{5B096CB1-87E5-4B06-B864-486CBCC10EE2}"/>
+              </a:ext>
+            </a:extLst>
+          </p:cNvPr>
+          <p:cNvSpPr/>
+          <p:nvPr/>
+        </p:nvSpPr>
+        <p:spPr>
+          <a:xfrm>
+            <a:off x="436880" y="406400"/>
+            <a:ext cx="11318240" cy="6045200"/>
+          </a:xfrm>
+          <a:prstGeom prst="rect">
+            <a:avLst/>
+          </a:prstGeom>
+          <a:solidFill>
+            <a:schemeClr val="tx1"/>
+          </a:solidFill>
+          <a:ln>
+            <a:noFill/>
+          </a:ln>
+        </p:spPr>
+        <p:style>
+          <a:lnRef idx="2">
+            <a:schemeClr val="accent1">
+              <a:shade val="50000"/>
+            </a:schemeClr>
+          </a:lnRef>
+          <a:fillRef idx="1">
+            <a:schemeClr val="accent1"/>
+          </a:fillRef>
+          <a:effectRef idx="0">
+            <a:schemeClr val="accent1"/>
+          </a:effectRef>
+          <a:fontRef idx="minor">
+            <a:schemeClr val="lt1"/>
+          </a:fontRef>
+        </p:style>
+        <p:txBody>
+          <a:bodyPr rtlCol="0" anchor="ctr"/>
+          <a:lstStyle/>
+          <a:p>
+            <a:pPr algn="ctr"/>
+            <a:endParaRPr kumimoji="1" lang="ja-JP" altLang="en-US"/>
+          </a:p>
+        </p:txBody>
+      </p:sp>
+      <p:pic>
+        <p:nvPicPr>
+          <p:cNvPr id="4" name="図 3" descr="ロゴ が含まれている画像&#10;&#10;自動的に生成された説明">
+            <a:extLst>
+              <a:ext uri="{FF2B5EF4-FFF2-40B4-BE49-F238E27FC236}">
+                <a16:creationId xmlns:a16="http://schemas.microsoft.com/office/drawing/2014/main" id="{330EBDBD-0451-4BEA-9489-FD4B4548D6AA}"/>
+              </a:ext>
+            </a:extLst>
+          </p:cNvPr>
+          <p:cNvPicPr>
+            <a:picLocks noChangeAspect="1"/>
+          </p:cNvPicPr>
+          <p:nvPr/>
+        </p:nvPicPr>
+        <p:blipFill>
+          <a:blip r:embed="rId2">
+            <a:extLst>
+              <a:ext uri="{28A0092B-C50C-407E-A947-70E740481C1C}">
+                <a14:useLocalDpi xmlns:a14="http://schemas.microsoft.com/office/drawing/2010/main" val="0"/>
+              </a:ext>
+            </a:extLst>
+          </a:blip>
+          <a:stretch>
+            <a:fillRect/>
+          </a:stretch>
+        </p:blipFill>
+        <p:spPr>
+          <a:xfrm>
+            <a:off x="10911205" y="5379720"/>
+            <a:ext cx="1478280" cy="1478280"/>
+          </a:xfrm>
+          <a:prstGeom prst="rect">
+            <a:avLst/>
+          </a:prstGeom>
+        </p:spPr>
+      </p:pic>
+    </p:spTree>
+    <p:extLst>
+      <p:ext uri="{BB962C8B-B14F-4D97-AF65-F5344CB8AC3E}">
+        <p14:creationId xmlns:p14="http://schemas.microsoft.com/office/powerpoint/2010/main" val="4073078951"/>
+      </p:ext>
+    </p:extLst>
+  </p:cSld>
+  <p:clrMapOvr>
+    <a:masterClrMapping/>
+  </p:clrMapOvr>
+</p:sld>
+</file>
+
+<file path=ppt/slides/slide5.xml><?xml version="1.0" encoding="utf-8"?>
+<p:sld xmlns:a="http://schemas.openxmlformats.org/drawingml/2006/main" xmlns:r="http://schemas.openxmlformats.org/officeDocument/2006/relationships" xmlns:p="http://schemas.openxmlformats.org/presentationml/2006/main">
+  <p:cSld>
+    <p:bg>
+      <p:bgPr>
+        <a:solidFill>
+          <a:srgbClr val="AEE2FF"/>
+        </a:solidFill>
+        <a:effectLst/>
+      </p:bgPr>
+    </p:bg>
+    <p:spTree>
+      <p:nvGrpSpPr>
+        <p:cNvPr id="1" name=""/>
+        <p:cNvGrpSpPr/>
+        <p:nvPr/>
+      </p:nvGrpSpPr>
+      <p:grpSpPr>
+        <a:xfrm>
+          <a:off x="0" y="0"/>
+          <a:ext cx="0" cy="0"/>
+          <a:chOff x="0" y="0"/>
+          <a:chExt cx="0" cy="0"/>
+        </a:xfrm>
+      </p:grpSpPr>
+      <p:sp>
+        <p:nvSpPr>
+          <p:cNvPr id="2" name="正方形/長方形 1">
+            <a:extLst>
+              <a:ext uri="{FF2B5EF4-FFF2-40B4-BE49-F238E27FC236}">
+                <a16:creationId xmlns:a16="http://schemas.microsoft.com/office/drawing/2014/main" id="{5B096CB1-87E5-4B06-B864-486CBCC10EE2}"/>
+              </a:ext>
+            </a:extLst>
+          </p:cNvPr>
+          <p:cNvSpPr/>
+          <p:nvPr/>
+        </p:nvSpPr>
+        <p:spPr>
+          <a:xfrm>
+            <a:off x="436880" y="406400"/>
+            <a:ext cx="11318240" cy="6045200"/>
+          </a:xfrm>
+          <a:prstGeom prst="rect">
+            <a:avLst/>
+          </a:prstGeom>
+          <a:solidFill>
+            <a:schemeClr val="tx1"/>
+          </a:solidFill>
+          <a:ln>
+            <a:noFill/>
+          </a:ln>
+        </p:spPr>
+        <p:style>
+          <a:lnRef idx="2">
+            <a:schemeClr val="accent1">
+              <a:shade val="50000"/>
+            </a:schemeClr>
+          </a:lnRef>
+          <a:fillRef idx="1">
+            <a:schemeClr val="accent1"/>
+          </a:fillRef>
+          <a:effectRef idx="0">
+            <a:schemeClr val="accent1"/>
+          </a:effectRef>
+          <a:fontRef idx="minor">
+            <a:schemeClr val="lt1"/>
+          </a:fontRef>
+        </p:style>
+        <p:txBody>
+          <a:bodyPr rtlCol="0" anchor="ctr"/>
+          <a:lstStyle/>
+          <a:p>
+            <a:pPr algn="ctr"/>
+            <a:endParaRPr kumimoji="1" lang="ja-JP" altLang="en-US"/>
+          </a:p>
+        </p:txBody>
+      </p:sp>
+      <p:pic>
+        <p:nvPicPr>
+          <p:cNvPr id="4" name="図 3" descr="ロゴ&#10;&#10;自動的に生成された説明">
+            <a:extLst>
+              <a:ext uri="{FF2B5EF4-FFF2-40B4-BE49-F238E27FC236}">
+                <a16:creationId xmlns:a16="http://schemas.microsoft.com/office/drawing/2014/main" id="{EC29B7A0-D826-43C4-BD5F-053E9D1A51B3}"/>
+              </a:ext>
+            </a:extLst>
+          </p:cNvPr>
+          <p:cNvPicPr>
+            <a:picLocks noChangeAspect="1"/>
+          </p:cNvPicPr>
+          <p:nvPr/>
+        </p:nvPicPr>
+        <p:blipFill>
+          <a:blip r:embed="rId2">
+            <a:extLst>
+              <a:ext uri="{28A0092B-C50C-407E-A947-70E740481C1C}">
+                <a14:useLocalDpi xmlns:a14="http://schemas.microsoft.com/office/drawing/2010/main" val="0"/>
+              </a:ext>
+            </a:extLst>
+          </a:blip>
+          <a:stretch>
+            <a:fillRect/>
+          </a:stretch>
+        </p:blipFill>
+        <p:spPr>
+          <a:xfrm>
+            <a:off x="10753725" y="5429250"/>
+            <a:ext cx="1285875" cy="1285875"/>
+          </a:xfrm>
+          <a:prstGeom prst="rect">
+            <a:avLst/>
+          </a:prstGeom>
+        </p:spPr>
+      </p:pic>
+    </p:spTree>
+    <p:extLst>
+      <p:ext uri="{BB962C8B-B14F-4D97-AF65-F5344CB8AC3E}">
+        <p14:creationId xmlns:p14="http://schemas.microsoft.com/office/powerpoint/2010/main" val="1413923070"/>
+      </p:ext>
+    </p:extLst>
+  </p:cSld>
+  <p:clrMapOvr>
+    <a:masterClrMapping/>
+  </p:clrMapOvr>
+</p:sld>
+</file>
+
+<file path=ppt/slides/slide6.xml><?xml version="1.0" encoding="utf-8"?>
+<p:sld xmlns:a="http://schemas.openxmlformats.org/drawingml/2006/main" xmlns:r="http://schemas.openxmlformats.org/officeDocument/2006/relationships" xmlns:p="http://schemas.openxmlformats.org/presentationml/2006/main">
+  <p:cSld>
+    <p:bg>
+      <p:bgPr>
+        <a:solidFill>
+          <a:srgbClr val="AEE2FF"/>
+        </a:solidFill>
+        <a:effectLst/>
+      </p:bgPr>
+    </p:bg>
+    <p:spTree>
+      <p:nvGrpSpPr>
+        <p:cNvPr id="1" name=""/>
+        <p:cNvGrpSpPr/>
+        <p:nvPr/>
+      </p:nvGrpSpPr>
+      <p:grpSpPr>
+        <a:xfrm>
+          <a:off x="0" y="0"/>
+          <a:ext cx="0" cy="0"/>
+          <a:chOff x="0" y="0"/>
+          <a:chExt cx="0" cy="0"/>
+        </a:xfrm>
+      </p:grpSpPr>
+      <p:sp>
+        <p:nvSpPr>
+          <p:cNvPr id="2" name="正方形/長方形 1">
+            <a:extLst>
+              <a:ext uri="{FF2B5EF4-FFF2-40B4-BE49-F238E27FC236}">
+                <a16:creationId xmlns:a16="http://schemas.microsoft.com/office/drawing/2014/main" id="{5B096CB1-87E5-4B06-B864-486CBCC10EE2}"/>
+              </a:ext>
+            </a:extLst>
+          </p:cNvPr>
+          <p:cNvSpPr/>
+          <p:nvPr/>
+        </p:nvSpPr>
+        <p:spPr>
+          <a:xfrm>
+            <a:off x="436880" y="406400"/>
+            <a:ext cx="11318240" cy="6045200"/>
+          </a:xfrm>
+          <a:prstGeom prst="rect">
+            <a:avLst/>
+          </a:prstGeom>
+          <a:solidFill>
+            <a:schemeClr val="tx1"/>
+          </a:solidFill>
+          <a:ln>
+            <a:noFill/>
+          </a:ln>
+        </p:spPr>
+        <p:style>
+          <a:lnRef idx="2">
+            <a:schemeClr val="accent1">
+              <a:shade val="50000"/>
+            </a:schemeClr>
+          </a:lnRef>
+          <a:fillRef idx="1">
+            <a:schemeClr val="accent1"/>
+          </a:fillRef>
+          <a:effectRef idx="0">
+            <a:schemeClr val="accent1"/>
+          </a:effectRef>
+          <a:fontRef idx="minor">
+            <a:schemeClr val="lt1"/>
+          </a:fontRef>
+        </p:style>
+        <p:txBody>
+          <a:bodyPr rtlCol="0" anchor="ctr"/>
+          <a:lstStyle/>
+          <a:p>
+            <a:pPr algn="ctr"/>
+            <a:endParaRPr kumimoji="1" lang="ja-JP" altLang="en-US"/>
+          </a:p>
+        </p:txBody>
+      </p:sp>
+      <p:pic>
+        <p:nvPicPr>
+          <p:cNvPr id="4" name="図 3" descr="黒い背景に白い文字がある&#10;&#10;低い精度で自動的に生成された説明">
+            <a:extLst>
+              <a:ext uri="{FF2B5EF4-FFF2-40B4-BE49-F238E27FC236}">
+                <a16:creationId xmlns:a16="http://schemas.microsoft.com/office/drawing/2014/main" id="{9BD63F88-195A-4742-A111-B0367169C008}"/>
+              </a:ext>
+            </a:extLst>
+          </p:cNvPr>
+          <p:cNvPicPr>
+            <a:picLocks noChangeAspect="1"/>
+          </p:cNvPicPr>
+          <p:nvPr/>
+        </p:nvPicPr>
+        <p:blipFill>
+          <a:blip r:embed="rId2">
+            <a:extLst>
+              <a:ext uri="{28A0092B-C50C-407E-A947-70E740481C1C}">
+                <a14:useLocalDpi xmlns:a14="http://schemas.microsoft.com/office/drawing/2010/main" val="0"/>
+              </a:ext>
+            </a:extLst>
+          </a:blip>
+          <a:stretch>
+            <a:fillRect/>
+          </a:stretch>
+        </p:blipFill>
+        <p:spPr>
+          <a:xfrm>
+            <a:off x="10582275" y="5219700"/>
+            <a:ext cx="1885950" cy="1885950"/>
+          </a:xfrm>
+          <a:prstGeom prst="rect">
+            <a:avLst/>
+          </a:prstGeom>
+        </p:spPr>
+      </p:pic>
+    </p:spTree>
+    <p:extLst>
+      <p:ext uri="{BB962C8B-B14F-4D97-AF65-F5344CB8AC3E}">
+        <p14:creationId xmlns:p14="http://schemas.microsoft.com/office/powerpoint/2010/main" val="418307048"/>
+      </p:ext>
+    </p:extLst>
+  </p:cSld>
+  <p:clrMapOvr>
+    <a:masterClrMapping/>
+  </p:clrMapOvr>
+</p:sld>
+</file>
+
+<file path=ppt/slides/slide7.xml><?xml version="1.0" encoding="utf-8"?>
+<p:sld xmlns:a="http://schemas.openxmlformats.org/drawingml/2006/main" xmlns:r="http://schemas.openxmlformats.org/officeDocument/2006/relationships" xmlns:p="http://schemas.openxmlformats.org/presentationml/2006/main">
+  <p:cSld>
+    <p:bg>
+      <p:bgPr>
+        <a:solidFill>
+          <a:srgbClr val="AEE2FF"/>
+        </a:solidFill>
+        <a:effectLst/>
+      </p:bgPr>
+    </p:bg>
+    <p:spTree>
+      <p:nvGrpSpPr>
+        <p:cNvPr id="1" name=""/>
+        <p:cNvGrpSpPr/>
+        <p:nvPr/>
+      </p:nvGrpSpPr>
+      <p:grpSpPr>
+        <a:xfrm>
+          <a:off x="0" y="0"/>
+          <a:ext cx="0" cy="0"/>
+          <a:chOff x="0" y="0"/>
+          <a:chExt cx="0" cy="0"/>
+        </a:xfrm>
+      </p:grpSpPr>
+      <p:sp>
+        <p:nvSpPr>
+          <p:cNvPr id="2" name="正方形/長方形 1">
+            <a:extLst>
+              <a:ext uri="{FF2B5EF4-FFF2-40B4-BE49-F238E27FC236}">
+                <a16:creationId xmlns:a16="http://schemas.microsoft.com/office/drawing/2014/main" id="{5B096CB1-87E5-4B06-B864-486CBCC10EE2}"/>
+              </a:ext>
+            </a:extLst>
+          </p:cNvPr>
+          <p:cNvSpPr/>
+          <p:nvPr/>
+        </p:nvSpPr>
+        <p:spPr>
+          <a:xfrm>
+            <a:off x="436880" y="406400"/>
+            <a:ext cx="11318240" cy="6045200"/>
+          </a:xfrm>
+          <a:prstGeom prst="rect">
+            <a:avLst/>
+          </a:prstGeom>
+          <a:solidFill>
+            <a:schemeClr val="tx1"/>
+          </a:solidFill>
+          <a:ln>
+            <a:noFill/>
+          </a:ln>
+        </p:spPr>
+        <p:style>
+          <a:lnRef idx="2">
+            <a:schemeClr val="accent1">
+              <a:shade val="50000"/>
+            </a:schemeClr>
+          </a:lnRef>
+          <a:fillRef idx="1">
+            <a:schemeClr val="accent1"/>
+          </a:fillRef>
+          <a:effectRef idx="0">
+            <a:schemeClr val="accent1"/>
+          </a:effectRef>
+          <a:fontRef idx="minor">
+            <a:schemeClr val="lt1"/>
+          </a:fontRef>
+        </p:style>
+        <p:txBody>
+          <a:bodyPr rtlCol="0" anchor="ctr"/>
+          <a:lstStyle/>
+          <a:p>
+            <a:pPr algn="ctr"/>
+            <a:endParaRPr kumimoji="1" lang="ja-JP" altLang="en-US"/>
+          </a:p>
+        </p:txBody>
+      </p:sp>
+      <p:pic>
+        <p:nvPicPr>
+          <p:cNvPr id="4" name="図 3" descr="挿絵, 花, シャツ が含まれている画像&#10;&#10;自動的に生成された説明">
+            <a:extLst>
+              <a:ext uri="{FF2B5EF4-FFF2-40B4-BE49-F238E27FC236}">
+                <a16:creationId xmlns:a16="http://schemas.microsoft.com/office/drawing/2014/main" id="{6BB2CDEA-A1E6-48A9-AB73-9513844330C1}"/>
+              </a:ext>
+            </a:extLst>
+          </p:cNvPr>
+          <p:cNvPicPr>
+            <a:picLocks noChangeAspect="1"/>
+          </p:cNvPicPr>
+          <p:nvPr/>
+        </p:nvPicPr>
+        <p:blipFill>
+          <a:blip r:embed="rId2">
+            <a:extLst>
+              <a:ext uri="{28A0092B-C50C-407E-A947-70E740481C1C}">
+                <a14:useLocalDpi xmlns:a14="http://schemas.microsoft.com/office/drawing/2010/main" val="0"/>
+              </a:ext>
+            </a:extLst>
+          </a:blip>
+          <a:stretch>
+            <a:fillRect/>
+          </a:stretch>
+        </p:blipFill>
+        <p:spPr>
+          <a:xfrm>
+            <a:off x="10515600" y="5286375"/>
+            <a:ext cx="1866900" cy="1866900"/>
+          </a:xfrm>
+          <a:prstGeom prst="rect">
+            <a:avLst/>
+          </a:prstGeom>
+        </p:spPr>
+      </p:pic>
+    </p:spTree>
+    <p:extLst>
+      <p:ext uri="{BB962C8B-B14F-4D97-AF65-F5344CB8AC3E}">
+        <p14:creationId xmlns:p14="http://schemas.microsoft.com/office/powerpoint/2010/main" val="1333560954"/>
+      </p:ext>
+    </p:extLst>
+  </p:cSld>
+  <p:clrMapOvr>
+    <a:masterClrMapping/>
+  </p:clrMapOvr>
+</p:sld>
+</file>
+
+<file path=ppt/slides/slide8.xml><?xml version="1.0" encoding="utf-8"?>
+<p:sld xmlns:a="http://schemas.openxmlformats.org/drawingml/2006/main" xmlns:r="http://schemas.openxmlformats.org/officeDocument/2006/relationships" xmlns:p="http://schemas.openxmlformats.org/presentationml/2006/main">
+  <p:cSld>
+    <p:bg>
+      <p:bgPr>
+        <a:solidFill>
+          <a:srgbClr val="AEE2FF"/>
+        </a:solidFill>
+        <a:effectLst/>
+      </p:bgPr>
+    </p:bg>
+    <p:spTree>
+      <p:nvGrpSpPr>
+        <p:cNvPr id="1" name=""/>
+        <p:cNvGrpSpPr/>
+        <p:nvPr/>
+      </p:nvGrpSpPr>
+      <p:grpSpPr>
+        <a:xfrm>
+          <a:off x="0" y="0"/>
+          <a:ext cx="0" cy="0"/>
+          <a:chOff x="0" y="0"/>
+          <a:chExt cx="0" cy="0"/>
+        </a:xfrm>
+      </p:grpSpPr>
+      <p:sp>
+        <p:nvSpPr>
+          <p:cNvPr id="2" name="正方形/長方形 1">
+            <a:extLst>
+              <a:ext uri="{FF2B5EF4-FFF2-40B4-BE49-F238E27FC236}">
+                <a16:creationId xmlns:a16="http://schemas.microsoft.com/office/drawing/2014/main" id="{5B096CB1-87E5-4B06-B864-486CBCC10EE2}"/>
+              </a:ext>
+            </a:extLst>
+          </p:cNvPr>
+          <p:cNvSpPr/>
+          <p:nvPr/>
+        </p:nvSpPr>
+        <p:spPr>
+          <a:xfrm>
+            <a:off x="436880" y="406400"/>
+            <a:ext cx="11318240" cy="6045200"/>
+          </a:xfrm>
+          <a:prstGeom prst="rect">
+            <a:avLst/>
+          </a:prstGeom>
+          <a:solidFill>
+            <a:schemeClr val="tx1"/>
+          </a:solidFill>
+          <a:ln>
+            <a:noFill/>
+          </a:ln>
+        </p:spPr>
+        <p:style>
+          <a:lnRef idx="2">
+            <a:schemeClr val="accent1">
+              <a:shade val="50000"/>
+            </a:schemeClr>
+          </a:lnRef>
+          <a:fillRef idx="1">
+            <a:schemeClr val="accent1"/>
+          </a:fillRef>
+          <a:effectRef idx="0">
+            <a:schemeClr val="accent1"/>
+          </a:effectRef>
+          <a:fontRef idx="minor">
+            <a:schemeClr val="lt1"/>
+          </a:fontRef>
+        </p:style>
+        <p:txBody>
+          <a:bodyPr rtlCol="0" anchor="ctr"/>
+          <a:lstStyle/>
+          <a:p>
+            <a:pPr algn="ctr"/>
+            <a:endParaRPr kumimoji="1" lang="ja-JP" altLang="en-US"/>
+          </a:p>
+        </p:txBody>
+      </p:sp>
+      <p:pic>
+        <p:nvPicPr>
+          <p:cNvPr id="4" name="図 3" descr="QR コード が含まれている画像&#10;&#10;自動的に生成された説明">
+            <a:extLst>
+              <a:ext uri="{FF2B5EF4-FFF2-40B4-BE49-F238E27FC236}">
+                <a16:creationId xmlns:a16="http://schemas.microsoft.com/office/drawing/2014/main" id="{0BCC0981-A004-44CA-9259-9ED76EF77DBA}"/>
+              </a:ext>
+            </a:extLst>
+          </p:cNvPr>
+          <p:cNvPicPr>
+            <a:picLocks noChangeAspect="1"/>
+          </p:cNvPicPr>
+          <p:nvPr/>
+        </p:nvPicPr>
+        <p:blipFill>
+          <a:blip r:embed="rId2">
+            <a:extLst>
+              <a:ext uri="{28A0092B-C50C-407E-A947-70E740481C1C}">
+                <a14:useLocalDpi xmlns:a14="http://schemas.microsoft.com/office/drawing/2010/main" val="0"/>
+              </a:ext>
+            </a:extLst>
+          </a:blip>
+          <a:stretch>
+            <a:fillRect/>
+          </a:stretch>
+        </p:blipFill>
+        <p:spPr>
+          <a:xfrm>
+            <a:off x="10812145" y="5508625"/>
+            <a:ext cx="942975" cy="942975"/>
+          </a:xfrm>
+          <a:prstGeom prst="rect">
+            <a:avLst/>
+          </a:prstGeom>
+        </p:spPr>
+      </p:pic>
+    </p:spTree>
+    <p:extLst>
+      <p:ext uri="{BB962C8B-B14F-4D97-AF65-F5344CB8AC3E}">
+        <p14:creationId xmlns:p14="http://schemas.microsoft.com/office/powerpoint/2010/main" val="3099780296"/>
+      </p:ext>
+    </p:extLst>
+  </p:cSld>
+  <p:clrMapOvr>
+    <a:masterClrMapping/>
+  </p:clrMapOvr>
+</p:sld>
+</file>
+
+<file path=ppt/slides/slide9.xml><?xml version="1.0" encoding="utf-8"?>
+<p:sld xmlns:a="http://schemas.openxmlformats.org/drawingml/2006/main" xmlns:r="http://schemas.openxmlformats.org/officeDocument/2006/relationships" xmlns:p="http://schemas.openxmlformats.org/presentationml/2006/main">
+  <p:cSld>
+    <p:bg>
+      <p:bgPr>
+        <a:solidFill>
+          <a:srgbClr val="AEE2FF"/>
+        </a:solidFill>
+        <a:effectLst/>
+      </p:bgPr>
+    </p:bg>
+    <p:spTree>
+      <p:nvGrpSpPr>
+        <p:cNvPr id="1" name=""/>
+        <p:cNvGrpSpPr/>
+        <p:nvPr/>
+      </p:nvGrpSpPr>
+      <p:grpSpPr>
+        <a:xfrm>
+          <a:off x="0" y="0"/>
+          <a:ext cx="0" cy="0"/>
+          <a:chOff x="0" y="0"/>
+          <a:chExt cx="0" cy="0"/>
+        </a:xfrm>
+      </p:grpSpPr>
+      <p:sp>
+        <p:nvSpPr>
+          <p:cNvPr id="2" name="正方形/長方形 1">
+            <a:extLst>
+              <a:ext uri="{FF2B5EF4-FFF2-40B4-BE49-F238E27FC236}">
+                <a16:creationId xmlns:a16="http://schemas.microsoft.com/office/drawing/2014/main" id="{5B096CB1-87E5-4B06-B864-486CBCC10EE2}"/>
+              </a:ext>
+            </a:extLst>
+          </p:cNvPr>
+          <p:cNvSpPr/>
+          <p:nvPr/>
+        </p:nvSpPr>
+        <p:spPr>
+          <a:xfrm>
+            <a:off x="436880" y="406400"/>
+            <a:ext cx="11318240" cy="6045200"/>
+          </a:xfrm>
+          <a:prstGeom prst="rect">
+            <a:avLst/>
+          </a:prstGeom>
+          <a:solidFill>
+            <a:schemeClr val="tx1"/>
+          </a:solidFill>
+          <a:ln>
+            <a:noFill/>
+          </a:ln>
+        </p:spPr>
+        <p:style>
+          <a:lnRef idx="2">
+            <a:schemeClr val="accent1">
+              <a:shade val="50000"/>
+            </a:schemeClr>
+          </a:lnRef>
+          <a:fillRef idx="1">
+            <a:schemeClr val="accent1"/>
+          </a:fillRef>
+          <a:effectRef idx="0">
+            <a:schemeClr val="accent1"/>
+          </a:effectRef>
+          <a:fontRef idx="minor">
+            <a:schemeClr val="lt1"/>
+          </a:fontRef>
+        </p:style>
+        <p:txBody>
+          <a:bodyPr rtlCol="0" anchor="ctr"/>
+          <a:lstStyle/>
+          <a:p>
+            <a:pPr algn="ctr"/>
+            <a:endParaRPr kumimoji="1" lang="ja-JP" altLang="en-US"/>
+          </a:p>
+        </p:txBody>
+      </p:sp>
+      <p:pic>
+        <p:nvPicPr>
+          <p:cNvPr id="4" name="図 3" descr="QR コード&#10;&#10;自動的に生成された説明">
+            <a:extLst>
+              <a:ext uri="{FF2B5EF4-FFF2-40B4-BE49-F238E27FC236}">
+                <a16:creationId xmlns:a16="http://schemas.microsoft.com/office/drawing/2014/main" id="{ABB3591B-5E19-4006-8ACC-6FC6F11F2A64}"/>
+              </a:ext>
+            </a:extLst>
+          </p:cNvPr>
+          <p:cNvPicPr>
+            <a:picLocks noChangeAspect="1"/>
+          </p:cNvPicPr>
+          <p:nvPr/>
+        </p:nvPicPr>
+        <p:blipFill>
+          <a:blip r:embed="rId2">
+            <a:extLst>
+              <a:ext uri="{28A0092B-C50C-407E-A947-70E740481C1C}">
+                <a14:useLocalDpi xmlns:a14="http://schemas.microsoft.com/office/drawing/2010/main" val="0"/>
+              </a:ext>
+            </a:extLst>
+          </a:blip>
+          <a:stretch>
+            <a:fillRect/>
+          </a:stretch>
+        </p:blipFill>
+        <p:spPr>
+          <a:xfrm>
+            <a:off x="10715625" y="5267325"/>
+            <a:ext cx="1323975" cy="1323975"/>
+          </a:xfrm>
+          <a:prstGeom prst="rect">
+            <a:avLst/>
+          </a:prstGeom>
+        </p:spPr>
+      </p:pic>
+    </p:spTree>
+    <p:extLst>
+      <p:ext uri="{BB962C8B-B14F-4D97-AF65-F5344CB8AC3E}">
+        <p14:creationId xmlns:p14="http://schemas.microsoft.com/office/powerpoint/2010/main" val="3058868081"/>
+      </p:ext>
+    </p:extLst>
+  </p:cSld>
+  <p:clrMapOvr>
+    <a:masterClrMapping/>
+  </p:clrMapOvr>
+</p:sld>
+</file>
+
 <file path=ppt/theme/theme1.xml><?xml version="1.0" encoding="utf-8"?>
-<a:theme xmlns:a="http://schemas.openxmlformats.org/drawingml/2006/main" name="Office テーマ">
+<a:theme xmlns:a="http://schemas.openxmlformats.org/drawingml/2006/main" name="縞模様">
   <a:themeElements>
-    <a:clrScheme name="Office">
+    <a:clrScheme name="縞模様">
       <a:dk1>
-        <a:sysClr val="windowText" lastClr="000000"/>
+        <a:srgbClr val="2C2C2C"/>
       </a:dk1>
       <a:lt1>
-        <a:sysClr val="window" lastClr="FFFFFF"/>
+        <a:srgbClr val="FFFFFF"/>
       </a:lt1>
       <a:dk2>
-        <a:srgbClr val="44546A"/>
+        <a:srgbClr val="099BDD"/>
       </a:dk2>
       <a:lt2>
-        <a:srgbClr val="E7E6E6"/>
+        <a:srgbClr val="F2F2F2"/>
       </a:lt2>
       <a:accent1>
-        <a:srgbClr val="4472C4"/>
+        <a:srgbClr val="FFC000"/>
       </a:accent1>
       <a:accent2>
-        <a:srgbClr val="ED7D31"/>
+        <a:srgbClr val="A5D028"/>
       </a:accent2>
       <a:accent3>
-        <a:srgbClr val="A5A5A5"/>
+        <a:srgbClr val="08CC78"/>
       </a:accent3>
       <a:accent4>
-        <a:srgbClr val="FFC000"/>
+        <a:srgbClr val="F24099"/>
       </a:accent4>
       <a:accent5>
-        <a:srgbClr val="5B9BD5"/>
+        <a:srgbClr val="828288"/>
       </a:accent5>
       <a:accent6>
-        <a:srgbClr val="70AD47"/>
+        <a:srgbClr val="F56617"/>
       </a:accent6>
       <a:hlink>
-        <a:srgbClr val="0563C1"/>
+        <a:srgbClr val="005DBA"/>
       </a:hlink>
       <a:folHlink>
-        <a:srgbClr val="954F72"/>
+        <a:srgbClr val="6C606A"/>
       </a:folHlink>
     </a:clrScheme>
-    <a:fontScheme name="Office">
+    <a:fontScheme name="縞模様">
       <a:majorFont>
-        <a:latin typeface="游ゴシック Light" panose="020F0302020204030204"/>
+        <a:latin typeface="Corbel" panose="020B0503020204020204"/>
         <a:ea typeface=""/>
         <a:cs typeface=""/>
-        <a:font script="Jpan" typeface="游ゴシック Light"/>
+        <a:font script="Jpan" typeface="ＭＳ ゴシック"/>
         <a:font script="Hang" typeface="맑은 고딕"/>
-        <a:font script="Hans" typeface="等线 Light"/>
+        <a:font script="Hans" typeface="宋体"/>
         <a:font script="Hant" typeface="新細明體"/>
-        <a:font script="Arab" typeface="Times New Roman"/>
-        <a:font script="Hebr" typeface="Times New Roman"/>
-        <a:font script="Thai" typeface="Angsana New"/>
-        <a:font script="Ethi" typeface="Nyala"/>
-        <a:font script="Beng" typeface="Vrinda"/>
-        <a:font script="Gujr" typeface="Shruti"/>
-        <a:font script="Khmr" typeface="MoolBoran"/>
-        <a:font script="Knda" typeface="Tunga"/>
-        <a:font script="Guru" typeface="Raavi"/>
-        <a:font script="Cans" typeface="Euphemia"/>
-        <a:font script="Cher" typeface="Plantagenet Cherokee"/>
-        <a:font script="Yiii" typeface="Microsoft Yi Baiti"/>
-        <a:font script="Tibt" typeface="Microsoft Himalaya"/>
-        <a:font script="Thaa" typeface="MV Boli"/>
-        <a:font script="Deva" typeface="Mangal"/>
-        <a:font script="Telu" typeface="Gautami"/>
-        <a:font script="Taml" typeface="Latha"/>
-        <a:font script="Syrc" typeface="Estrangelo Edessa"/>
-        <a:font script="Orya" typeface="Kalinga"/>
-        <a:font script="Mlym" typeface="Kartika"/>
-        <a:font script="Laoo" typeface="DokChampa"/>
-        <a:font script="Sinh" typeface="Iskoola Pota"/>
-        <a:font script="Mong" typeface="Mongolian Baiti"/>
-        <a:font script="Viet" typeface="Times New Roman"/>
-        <a:font script="Uigh" typeface="Microsoft Uighur"/>
-        <a:font script="Geor" typeface="Sylfaen"/>
-        <a:font script="Armn" typeface="Arial"/>
-        <a:font script="Bugi" typeface="Leelawadee UI"/>
-        <a:font script="Bopo" typeface="Microsoft JhengHei"/>
-        <a:font script="Java" typeface="Javanese Text"/>
-        <a:font script="Lisu" typeface="Segoe UI"/>
-        <a:font script="Mymr" typeface="Myanmar Text"/>
-        <a:font script="Nkoo" typeface="Ebrima"/>
-        <a:font script="Olck" typeface="Nirmala UI"/>
-        <a:font script="Osma" typeface="Ebrima"/>
-        <a:font script="Phag" typeface="Phagspa"/>
-        <a:font script="Syrn" typeface="Estrangelo Edessa"/>
-        <a:font script="Syrj" typeface="Estrangelo Edessa"/>
-        <a:font script="Syre" typeface="Estrangelo Edessa"/>
-        <a:font script="Sora" typeface="Nirmala UI"/>
-        <a:font script="Tale" typeface="Microsoft Tai Le"/>
-        <a:font script="Talu" typeface="Microsoft New Tai Lue"/>
-        <a:font script="Tfng" typeface="Ebrima"/>
-      </a:majorFont>
-      <a:minorFont>
-        <a:latin typeface="游ゴシック" panose="020F0502020204030204"/>
-        <a:ea typeface=""/>
-        <a:cs typeface=""/>
-        <a:font script="Jpan" typeface="游ゴシック"/>
-        <a:font script="Hang" typeface="맑은 고딕"/>
-        <a:font script="Hans" typeface="等线"/>
-        <a:font script="Hant" typeface="新細明體"/>
-        <a:font script="Arab" typeface="Arial"/>
-        <a:font script="Hebr" typeface="Arial"/>
-        <a:font script="Thai" typeface="Cordia New"/>
+        <a:font script="Arab" typeface="Tahoma"/>
+        <a:font script="Hebr" typeface="Gisha"/>
+        <a:font script="Thai" typeface="DilleniaUPC"/>
         <a:font script="Ethi" typeface="Nyala"/>
         <a:font script="Beng" typeface="Vrinda"/>
         <a:font script="Gujr" typeface="Shruti"/>
@@ -3797,29 +5884,47 @@
         <a:font script="Laoo" typeface="DokChampa"/>
         <a:font script="Sinh" typeface="Iskoola Pota"/>
         <a:font script="Mong" typeface="Mongolian Baiti"/>
-        <a:font script="Viet" typeface="Arial"/>
+        <a:font script="Viet" typeface="Tahoma"/>
         <a:font script="Uigh" typeface="Microsoft Uighur"/>
         <a:font script="Geor" typeface="Sylfaen"/>
-        <a:font script="Armn" typeface="Arial"/>
-        <a:font script="Bugi" typeface="Leelawadee UI"/>
-        <a:font script="Bopo" typeface="Microsoft JhengHei"/>
-        <a:font script="Java" typeface="Javanese Text"/>
-        <a:font script="Lisu" typeface="Segoe UI"/>
-        <a:font script="Mymr" typeface="Myanmar Text"/>
-        <a:font script="Nkoo" typeface="Ebrima"/>
-        <a:font script="Olck" typeface="Nirmala UI"/>
-        <a:font script="Osma" typeface="Ebrima"/>
-        <a:font script="Phag" typeface="Phagspa"/>
-        <a:font script="Syrn" typeface="Estrangelo Edessa"/>
-        <a:font script="Syrj" typeface="Estrangelo Edessa"/>
-        <a:font script="Syre" typeface="Estrangelo Edessa"/>
-        <a:font script="Sora" typeface="Nirmala UI"/>
-        <a:font script="Tale" typeface="Microsoft Tai Le"/>
-        <a:font script="Talu" typeface="Microsoft New Tai Lue"/>
-        <a:font script="Tfng" typeface="Ebrima"/>
+      </a:majorFont>
+      <a:minorFont>
+        <a:latin typeface="Corbel" panose="020B0503020204020204"/>
+        <a:ea typeface=""/>
+        <a:cs typeface=""/>
+        <a:font script="Jpan" typeface="ＭＳ ゴシック"/>
+        <a:font script="Hang" typeface="맑은 고딕"/>
+        <a:font script="Hans" typeface="宋体"/>
+        <a:font script="Hant" typeface="新細明體"/>
+        <a:font script="Arab" typeface="Tahoma"/>
+        <a:font script="Hebr" typeface="Gisha"/>
+        <a:font script="Thai" typeface="DilleniaUPC"/>
+        <a:font script="Ethi" typeface="Nyala"/>
+        <a:font script="Beng" typeface="Vrinda"/>
+        <a:font script="Gujr" typeface="Shruti"/>
+        <a:font script="Khmr" typeface="DaunPenh"/>
+        <a:font script="Knda" typeface="Tunga"/>
+        <a:font script="Guru" typeface="Raavi"/>
+        <a:font script="Cans" typeface="Euphemia"/>
+        <a:font script="Cher" typeface="Plantagenet Cherokee"/>
+        <a:font script="Yiii" typeface="Microsoft Yi Baiti"/>
+        <a:font script="Tibt" typeface="Microsoft Himalaya"/>
+        <a:font script="Thaa" typeface="MV Boli"/>
+        <a:font script="Deva" typeface="Mangal"/>
+        <a:font script="Telu" typeface="Gautami"/>
+        <a:font script="Taml" typeface="Latha"/>
+        <a:font script="Syrc" typeface="Estrangelo Edessa"/>
+        <a:font script="Orya" typeface="Kalinga"/>
+        <a:font script="Mlym" typeface="Kartika"/>
+        <a:font script="Laoo" typeface="DokChampa"/>
+        <a:font script="Sinh" typeface="Iskoola Pota"/>
+        <a:font script="Mong" typeface="Mongolian Baiti"/>
+        <a:font script="Viet" typeface="Verdana"/>
+        <a:font script="Uigh" typeface="Microsoft Uighur"/>
+        <a:font script="Geor" typeface="Sylfaen"/>
       </a:minorFont>
     </a:fontScheme>
-    <a:fmtScheme name="Office">
+    <a:fmtScheme name="縞模様">
       <a:fillStyleLst>
         <a:solidFill>
           <a:schemeClr val="phClr"/>
@@ -3828,23 +5933,23 @@
           <a:gsLst>
             <a:gs pos="0">
               <a:schemeClr val="phClr">
-                <a:lumMod val="110000"/>
-                <a:satMod val="105000"/>
-                <a:tint val="67000"/>
+                <a:tint val="65000"/>
+                <a:satMod val="120000"/>
+                <a:lumMod val="107000"/>
               </a:schemeClr>
             </a:gs>
             <a:gs pos="50000">
               <a:schemeClr val="phClr">
-                <a:lumMod val="105000"/>
-                <a:satMod val="103000"/>
-                <a:tint val="73000"/>
+                <a:tint val="70000"/>
+                <a:satMod val="124000"/>
+                <a:lumMod val="103000"/>
               </a:schemeClr>
             </a:gs>
             <a:gs pos="100000">
               <a:schemeClr val="phClr">
-                <a:lumMod val="105000"/>
-                <a:satMod val="109000"/>
-                <a:tint val="81000"/>
+                <a:tint val="85000"/>
+                <a:satMod val="120000"/>
+                <a:lumMod val="100000"/>
               </a:schemeClr>
             </a:gs>
           </a:gsLst>
@@ -3854,23 +5959,24 @@
           <a:gsLst>
             <a:gs pos="0">
               <a:schemeClr val="phClr">
-                <a:satMod val="103000"/>
-                <a:lumMod val="102000"/>
-                <a:tint val="94000"/>
+                <a:tint val="85000"/>
+                <a:shade val="98000"/>
+                <a:satMod val="110000"/>
+                <a:lumMod val="103000"/>
               </a:schemeClr>
             </a:gs>
             <a:gs pos="50000">
               <a:schemeClr val="phClr">
-                <a:satMod val="110000"/>
+                <a:shade val="85000"/>
+                <a:satMod val="105000"/>
                 <a:lumMod val="100000"/>
-                <a:shade val="100000"/>
               </a:schemeClr>
             </a:gs>
             <a:gs pos="100000">
               <a:schemeClr val="phClr">
-                <a:lumMod val="99000"/>
+                <a:shade val="60000"/>
                 <a:satMod val="120000"/>
-                <a:shade val="78000"/>
+                <a:lumMod val="100000"/>
               </a:schemeClr>
             </a:gs>
           </a:gsLst>
@@ -3878,26 +5984,23 @@
         </a:gradFill>
       </a:fillStyleLst>
       <a:lnStyleLst>
-        <a:ln w="6350" cap="flat" cmpd="sng" algn="ctr">
+        <a:ln w="9525" cap="flat" cmpd="sng" algn="ctr">
           <a:solidFill>
             <a:schemeClr val="phClr"/>
           </a:solidFill>
           <a:prstDash val="solid"/>
-          <a:miter lim="800000"/>
         </a:ln>
         <a:ln w="12700" cap="flat" cmpd="sng" algn="ctr">
           <a:solidFill>
             <a:schemeClr val="phClr"/>
           </a:solidFill>
           <a:prstDash val="solid"/>
-          <a:miter lim="800000"/>
         </a:ln>
-        <a:ln w="19050" cap="flat" cmpd="sng" algn="ctr">
+        <a:ln w="25400" cap="flat" cmpd="sng" algn="ctr">
           <a:solidFill>
             <a:schemeClr val="phClr"/>
           </a:solidFill>
           <a:prstDash val="solid"/>
-          <a:miter lim="800000"/>
         </a:ln>
       </a:lnStyleLst>
       <a:effectStyleLst>
@@ -3905,11 +6008,17 @@
           <a:effectLst/>
         </a:effectStyle>
         <a:effectStyle>
-          <a:effectLst/>
+          <a:effectLst>
+            <a:outerShdw blurRad="50800" dist="15875" dir="5400000" algn="ctr" rotWithShape="0">
+              <a:srgbClr val="000000">
+                <a:alpha val="68000"/>
+              </a:srgbClr>
+            </a:outerShdw>
+          </a:effectLst>
         </a:effectStyle>
         <a:effectStyle>
           <a:effectLst>
-            <a:outerShdw blurRad="57150" dist="19050" dir="5400000" algn="ctr" rotWithShape="0">
+            <a:outerShdw blurRad="88900" dist="27940" dir="5400000" algn="ctr" rotWithShape="0">
               <a:srgbClr val="000000">
                 <a:alpha val="63000"/>
               </a:srgbClr>
@@ -3921,34 +6030,31 @@
         <a:solidFill>
           <a:schemeClr val="phClr"/>
         </a:solidFill>
-        <a:solidFill>
-          <a:schemeClr val="phClr">
-            <a:tint val="95000"/>
-            <a:satMod val="170000"/>
-          </a:schemeClr>
-        </a:solidFill>
+        <a:blipFill rotWithShape="1">
+          <a:blip xmlns:r="http://schemas.openxmlformats.org/officeDocument/2006/relationships" r:embed="rId1">
+            <a:duotone>
+              <a:schemeClr val="phClr"/>
+              <a:schemeClr val="phClr">
+                <a:shade val="91000"/>
+                <a:satMod val="105000"/>
+              </a:schemeClr>
+            </a:duotone>
+          </a:blip>
+          <a:tile tx="0" ty="0" sx="100000" sy="100000" flip="none" algn="tl"/>
+        </a:blipFill>
         <a:gradFill rotWithShape="1">
           <a:gsLst>
             <a:gs pos="0">
               <a:schemeClr val="phClr">
-                <a:tint val="93000"/>
-                <a:satMod val="150000"/>
-                <a:shade val="98000"/>
-                <a:lumMod val="102000"/>
-              </a:schemeClr>
-            </a:gs>
-            <a:gs pos="50000">
-              <a:schemeClr val="phClr">
-                <a:tint val="98000"/>
-                <a:satMod val="130000"/>
-                <a:shade val="90000"/>
-                <a:lumMod val="103000"/>
+                <a:tint val="100000"/>
+                <a:shade val="0"/>
+                <a:satMod val="100000"/>
               </a:schemeClr>
             </a:gs>
             <a:gs pos="100000">
               <a:schemeClr val="phClr">
-                <a:shade val="63000"/>
-                <a:satMod val="120000"/>
+                <a:shade val="100000"/>
+                <a:satMod val="100000"/>
               </a:schemeClr>
             </a:gs>
           </a:gsLst>
@@ -3961,7 +6067,7 @@
   <a:extraClrSchemeLst/>
   <a:extLst>
     <a:ext uri="{05A4C25C-085E-4340-85A3-A5531E510DB2}">
-      <thm15:themeFamily xmlns:thm15="http://schemas.microsoft.com/office/thememl/2012/main" name="Office Theme" id="{62F939B6-93AF-4DB8-9C6B-D6C7DFDC589F}" vid="{4A3C46E8-61CC-4603-A589-7422A47A8E4A}"/>
+      <thm15:themeFamily xmlns:thm15="http://schemas.microsoft.com/office/thememl/2012/main" name="Banded" id="{98DFF888-2449-4D28-977C-6306C017633E}" vid="{9792607F-9579-4224-82FF-9C88C3E1E53D}"/>
     </a:ext>
   </a:extLst>
 </a:theme>
